--- a/U3_Manejo_de_Funciones_y_Cadenas/U3_Manejo_de_Funciones_y _Cadenas__3_1_Funciones.pptx
+++ b/U3_Manejo_de_Funciones_y_Cadenas/U3_Manejo_de_Funciones_y _Cadenas__3_1_Funciones.pptx
@@ -5,19 +5,23 @@
     <p:sldMasterId id="2147483648" r:id="rId2"/>
     <p:sldMasterId id="2147483661" r:id="rId3"/>
     <p:sldMasterId id="2147483674" r:id="rId4"/>
+    <p:sldMasterId id="2147483687" r:id="rId5"/>
   </p:sldMasterIdLst>
   <p:sldIdLst>
-    <p:sldId id="256" r:id="rId5"/>
-    <p:sldId id="257" r:id="rId6"/>
-    <p:sldId id="258" r:id="rId7"/>
-    <p:sldId id="259" r:id="rId8"/>
-    <p:sldId id="260" r:id="rId9"/>
-    <p:sldId id="261" r:id="rId10"/>
-    <p:sldId id="262" r:id="rId11"/>
-    <p:sldId id="263" r:id="rId12"/>
-    <p:sldId id="264" r:id="rId13"/>
-    <p:sldId id="265" r:id="rId14"/>
-    <p:sldId id="266" r:id="rId15"/>
+    <p:sldId id="256" r:id="rId6"/>
+    <p:sldId id="257" r:id="rId7"/>
+    <p:sldId id="258" r:id="rId8"/>
+    <p:sldId id="259" r:id="rId9"/>
+    <p:sldId id="260" r:id="rId10"/>
+    <p:sldId id="261" r:id="rId11"/>
+    <p:sldId id="262" r:id="rId12"/>
+    <p:sldId id="263" r:id="rId13"/>
+    <p:sldId id="264" r:id="rId14"/>
+    <p:sldId id="265" r:id="rId15"/>
+    <p:sldId id="266" r:id="rId16"/>
+    <p:sldId id="267" r:id="rId17"/>
+    <p:sldId id="268" r:id="rId18"/>
+    <p:sldId id="269" r:id="rId19"/>
   </p:sldIdLst>
   <p:sldSz cx="10080625" cy="5670550"/>
   <p:notesSz cx="7772400" cy="10058400"/>
@@ -3444,6 +3448,195 @@
 </p:sldLayout>
 </file>
 
+<file path=ppt/slideLayouts/slideLayout37.xml><?xml version="1.0" encoding="utf-8"?>
+<p:sldLayout xmlns:a="http://schemas.openxmlformats.org/drawingml/2006/main" xmlns:p="http://schemas.openxmlformats.org/presentationml/2006/main" xmlns:r="http://schemas.openxmlformats.org/officeDocument/2006/relationships" xmlns:p14="http://schemas.microsoft.com/office/powerpoint/2010/main" xmlns:p15="http://schemas.microsoft.com/office/powerpoint/2012/main" xmlns:mc="http://schemas.openxmlformats.org/markup-compatibility/2006" type="blank" preserve="1">
+  <p:cSld name="Blank Slide">
+    <p:spTree>
+      <p:nvGrpSpPr>
+        <p:cNvPr id="1" name=""/>
+        <p:cNvGrpSpPr/>
+        <p:nvPr/>
+      </p:nvGrpSpPr>
+      <p:grpSpPr>
+        <a:xfrm>
+          <a:off x="0" y="0"/>
+          <a:ext cx="0" cy="0"/>
+          <a:chOff x="0" y="0"/>
+          <a:chExt cx="0" cy="0"/>
+        </a:xfrm>
+      </p:grpSpPr>
+    </p:spTree>
+  </p:cSld>
+</p:sldLayout>
+</file>
+
+<file path=ppt/slideLayouts/slideLayout38.xml><?xml version="1.0" encoding="utf-8"?>
+<p:sldLayout xmlns:a="http://schemas.openxmlformats.org/drawingml/2006/main" xmlns:p="http://schemas.openxmlformats.org/presentationml/2006/main" xmlns:r="http://schemas.openxmlformats.org/officeDocument/2006/relationships" xmlns:p14="http://schemas.microsoft.com/office/powerpoint/2010/main" xmlns:p15="http://schemas.microsoft.com/office/powerpoint/2012/main" xmlns:mc="http://schemas.openxmlformats.org/markup-compatibility/2006" type="tx" preserve="1">
+  <p:cSld name="Title Slide">
+    <p:spTree>
+      <p:nvGrpSpPr>
+        <p:cNvPr id="1" name=""/>
+        <p:cNvGrpSpPr/>
+        <p:nvPr/>
+      </p:nvGrpSpPr>
+      <p:grpSpPr>
+        <a:xfrm>
+          <a:off x="0" y="0"/>
+          <a:ext cx="0" cy="0"/>
+          <a:chOff x="0" y="0"/>
+          <a:chExt cx="0" cy="0"/>
+        </a:xfrm>
+      </p:grpSpPr>
+      <p:sp>
+        <p:nvSpPr>
+          <p:cNvPr id="121" name="PlaceHolder 1"/>
+          <p:cNvSpPr>
+            <a:spLocks noGrp="1"/>
+          </p:cNvSpPr>
+          <p:nvPr>
+            <p:ph type="title"/>
+          </p:nvPr>
+        </p:nvSpPr>
+        <p:spPr>
+          <a:xfrm>
+            <a:off x="504000" y="226080"/>
+            <a:ext cx="9072000" cy="946440"/>
+          </a:xfrm>
+          <a:prstGeom prst="rect">
+            <a:avLst/>
+          </a:prstGeom>
+        </p:spPr>
+        <p:txBody>
+          <a:bodyPr lIns="0" rIns="0" tIns="0" bIns="0" anchor="ctr">
+            <a:noAutofit/>
+          </a:bodyPr>
+          <a:p>
+            <a:pPr algn="ctr"/>
+            <a:endParaRPr b="0" lang="es-MX" sz="4400" spc="-1" strike="noStrike">
+              <a:latin typeface="Arial"/>
+            </a:endParaRPr>
+          </a:p>
+        </p:txBody>
+      </p:sp>
+      <p:sp>
+        <p:nvSpPr>
+          <p:cNvPr id="122" name="PlaceHolder 2"/>
+          <p:cNvSpPr>
+            <a:spLocks noGrp="1"/>
+          </p:cNvSpPr>
+          <p:nvPr>
+            <p:ph type="subTitle"/>
+          </p:nvPr>
+        </p:nvSpPr>
+        <p:spPr>
+          <a:xfrm>
+            <a:off x="504000" y="1326600"/>
+            <a:ext cx="9072000" cy="3288600"/>
+          </a:xfrm>
+          <a:prstGeom prst="rect">
+            <a:avLst/>
+          </a:prstGeom>
+        </p:spPr>
+        <p:txBody>
+          <a:bodyPr lIns="0" rIns="0" tIns="0" bIns="0" anchor="ctr">
+            <a:noAutofit/>
+          </a:bodyPr>
+          <a:p>
+            <a:pPr algn="ctr"/>
+            <a:endParaRPr b="0" lang="es-MX" sz="3200" spc="-1" strike="noStrike">
+              <a:latin typeface="Arial"/>
+            </a:endParaRPr>
+          </a:p>
+        </p:txBody>
+      </p:sp>
+    </p:spTree>
+  </p:cSld>
+</p:sldLayout>
+</file>
+
+<file path=ppt/slideLayouts/slideLayout39.xml><?xml version="1.0" encoding="utf-8"?>
+<p:sldLayout xmlns:a="http://schemas.openxmlformats.org/drawingml/2006/main" xmlns:p="http://schemas.openxmlformats.org/presentationml/2006/main" xmlns:r="http://schemas.openxmlformats.org/officeDocument/2006/relationships" xmlns:p14="http://schemas.microsoft.com/office/powerpoint/2010/main" xmlns:p15="http://schemas.microsoft.com/office/powerpoint/2012/main" xmlns:mc="http://schemas.openxmlformats.org/markup-compatibility/2006" type="obj" preserve="1">
+  <p:cSld name="Title, Content">
+    <p:spTree>
+      <p:nvGrpSpPr>
+        <p:cNvPr id="1" name=""/>
+        <p:cNvGrpSpPr/>
+        <p:nvPr/>
+      </p:nvGrpSpPr>
+      <p:grpSpPr>
+        <a:xfrm>
+          <a:off x="0" y="0"/>
+          <a:ext cx="0" cy="0"/>
+          <a:chOff x="0" y="0"/>
+          <a:chExt cx="0" cy="0"/>
+        </a:xfrm>
+      </p:grpSpPr>
+      <p:sp>
+        <p:nvSpPr>
+          <p:cNvPr id="123" name="PlaceHolder 1"/>
+          <p:cNvSpPr>
+            <a:spLocks noGrp="1"/>
+          </p:cNvSpPr>
+          <p:nvPr>
+            <p:ph type="title"/>
+          </p:nvPr>
+        </p:nvSpPr>
+        <p:spPr>
+          <a:xfrm>
+            <a:off x="504000" y="226080"/>
+            <a:ext cx="9072000" cy="946440"/>
+          </a:xfrm>
+          <a:prstGeom prst="rect">
+            <a:avLst/>
+          </a:prstGeom>
+        </p:spPr>
+        <p:txBody>
+          <a:bodyPr lIns="0" rIns="0" tIns="0" bIns="0" anchor="ctr">
+            <a:noAutofit/>
+          </a:bodyPr>
+          <a:p>
+            <a:pPr algn="ctr"/>
+            <a:endParaRPr b="0" lang="es-MX" sz="4400" spc="-1" strike="noStrike">
+              <a:latin typeface="Arial"/>
+            </a:endParaRPr>
+          </a:p>
+        </p:txBody>
+      </p:sp>
+      <p:sp>
+        <p:nvSpPr>
+          <p:cNvPr id="124" name="PlaceHolder 2"/>
+          <p:cNvSpPr>
+            <a:spLocks noGrp="1"/>
+          </p:cNvSpPr>
+          <p:nvPr>
+            <p:ph type="body"/>
+          </p:nvPr>
+        </p:nvSpPr>
+        <p:spPr>
+          <a:xfrm>
+            <a:off x="504000" y="1326600"/>
+            <a:ext cx="9072000" cy="3288600"/>
+          </a:xfrm>
+          <a:prstGeom prst="rect">
+            <a:avLst/>
+          </a:prstGeom>
+        </p:spPr>
+        <p:txBody>
+          <a:bodyPr lIns="0" rIns="0" tIns="0" bIns="0">
+            <a:normAutofit/>
+          </a:bodyPr>
+          <a:p>
+            <a:endParaRPr b="0" lang="es-MX" sz="3200" spc="-1" strike="noStrike">
+              <a:latin typeface="Arial"/>
+            </a:endParaRPr>
+          </a:p>
+        </p:txBody>
+      </p:sp>
+    </p:spTree>
+  </p:cSld>
+</p:sldLayout>
+</file>
+
 <file path=ppt/slideLayouts/slideLayout4.xml><?xml version="1.0" encoding="utf-8"?>
 <p:sldLayout xmlns:a="http://schemas.openxmlformats.org/drawingml/2006/main" xmlns:p="http://schemas.openxmlformats.org/presentationml/2006/main" xmlns:r="http://schemas.openxmlformats.org/officeDocument/2006/relationships" xmlns:p14="http://schemas.microsoft.com/office/powerpoint/2010/main" xmlns:p15="http://schemas.microsoft.com/office/powerpoint/2012/main" xmlns:mc="http://schemas.openxmlformats.org/markup-compatibility/2006" type="twoObj" preserve="1">
   <p:cSld name="Title, 2 Content">
@@ -3536,6 +3729,1173 @@
           <a:xfrm>
             <a:off x="5152680" y="1326600"/>
             <a:ext cx="4426920" cy="3288600"/>
+          </a:xfrm>
+          <a:prstGeom prst="rect">
+            <a:avLst/>
+          </a:prstGeom>
+        </p:spPr>
+        <p:txBody>
+          <a:bodyPr lIns="0" rIns="0" tIns="0" bIns="0">
+            <a:normAutofit/>
+          </a:bodyPr>
+          <a:p>
+            <a:endParaRPr b="0" lang="es-MX" sz="3200" spc="-1" strike="noStrike">
+              <a:latin typeface="Arial"/>
+            </a:endParaRPr>
+          </a:p>
+        </p:txBody>
+      </p:sp>
+    </p:spTree>
+  </p:cSld>
+</p:sldLayout>
+</file>
+
+<file path=ppt/slideLayouts/slideLayout40.xml><?xml version="1.0" encoding="utf-8"?>
+<p:sldLayout xmlns:a="http://schemas.openxmlformats.org/drawingml/2006/main" xmlns:p="http://schemas.openxmlformats.org/presentationml/2006/main" xmlns:r="http://schemas.openxmlformats.org/officeDocument/2006/relationships" xmlns:p14="http://schemas.microsoft.com/office/powerpoint/2010/main" xmlns:p15="http://schemas.microsoft.com/office/powerpoint/2012/main" xmlns:mc="http://schemas.openxmlformats.org/markup-compatibility/2006" type="twoObj" preserve="1">
+  <p:cSld name="Title, 2 Content">
+    <p:spTree>
+      <p:nvGrpSpPr>
+        <p:cNvPr id="1" name=""/>
+        <p:cNvGrpSpPr/>
+        <p:nvPr/>
+      </p:nvGrpSpPr>
+      <p:grpSpPr>
+        <a:xfrm>
+          <a:off x="0" y="0"/>
+          <a:ext cx="0" cy="0"/>
+          <a:chOff x="0" y="0"/>
+          <a:chExt cx="0" cy="0"/>
+        </a:xfrm>
+      </p:grpSpPr>
+      <p:sp>
+        <p:nvSpPr>
+          <p:cNvPr id="125" name="PlaceHolder 1"/>
+          <p:cNvSpPr>
+            <a:spLocks noGrp="1"/>
+          </p:cNvSpPr>
+          <p:nvPr>
+            <p:ph type="title"/>
+          </p:nvPr>
+        </p:nvSpPr>
+        <p:spPr>
+          <a:xfrm>
+            <a:off x="504000" y="226080"/>
+            <a:ext cx="9072000" cy="946440"/>
+          </a:xfrm>
+          <a:prstGeom prst="rect">
+            <a:avLst/>
+          </a:prstGeom>
+        </p:spPr>
+        <p:txBody>
+          <a:bodyPr lIns="0" rIns="0" tIns="0" bIns="0" anchor="ctr">
+            <a:noAutofit/>
+          </a:bodyPr>
+          <a:p>
+            <a:pPr algn="ctr"/>
+            <a:endParaRPr b="0" lang="es-MX" sz="4400" spc="-1" strike="noStrike">
+              <a:latin typeface="Arial"/>
+            </a:endParaRPr>
+          </a:p>
+        </p:txBody>
+      </p:sp>
+      <p:sp>
+        <p:nvSpPr>
+          <p:cNvPr id="126" name="PlaceHolder 2"/>
+          <p:cNvSpPr>
+            <a:spLocks noGrp="1"/>
+          </p:cNvSpPr>
+          <p:nvPr>
+            <p:ph type="body"/>
+          </p:nvPr>
+        </p:nvSpPr>
+        <p:spPr>
+          <a:xfrm>
+            <a:off x="504000" y="1326600"/>
+            <a:ext cx="4426920" cy="3288600"/>
+          </a:xfrm>
+          <a:prstGeom prst="rect">
+            <a:avLst/>
+          </a:prstGeom>
+        </p:spPr>
+        <p:txBody>
+          <a:bodyPr lIns="0" rIns="0" tIns="0" bIns="0">
+            <a:normAutofit/>
+          </a:bodyPr>
+          <a:p>
+            <a:endParaRPr b="0" lang="es-MX" sz="3200" spc="-1" strike="noStrike">
+              <a:latin typeface="Arial"/>
+            </a:endParaRPr>
+          </a:p>
+        </p:txBody>
+      </p:sp>
+      <p:sp>
+        <p:nvSpPr>
+          <p:cNvPr id="127" name="PlaceHolder 3"/>
+          <p:cNvSpPr>
+            <a:spLocks noGrp="1"/>
+          </p:cNvSpPr>
+          <p:nvPr>
+            <p:ph type="body"/>
+          </p:nvPr>
+        </p:nvSpPr>
+        <p:spPr>
+          <a:xfrm>
+            <a:off x="5152680" y="1326600"/>
+            <a:ext cx="4426920" cy="3288600"/>
+          </a:xfrm>
+          <a:prstGeom prst="rect">
+            <a:avLst/>
+          </a:prstGeom>
+        </p:spPr>
+        <p:txBody>
+          <a:bodyPr lIns="0" rIns="0" tIns="0" bIns="0">
+            <a:normAutofit/>
+          </a:bodyPr>
+          <a:p>
+            <a:endParaRPr b="0" lang="es-MX" sz="3200" spc="-1" strike="noStrike">
+              <a:latin typeface="Arial"/>
+            </a:endParaRPr>
+          </a:p>
+        </p:txBody>
+      </p:sp>
+    </p:spTree>
+  </p:cSld>
+</p:sldLayout>
+</file>
+
+<file path=ppt/slideLayouts/slideLayout41.xml><?xml version="1.0" encoding="utf-8"?>
+<p:sldLayout xmlns:a="http://schemas.openxmlformats.org/drawingml/2006/main" xmlns:p="http://schemas.openxmlformats.org/presentationml/2006/main" xmlns:r="http://schemas.openxmlformats.org/officeDocument/2006/relationships" xmlns:p14="http://schemas.microsoft.com/office/powerpoint/2010/main" xmlns:p15="http://schemas.microsoft.com/office/powerpoint/2012/main" xmlns:mc="http://schemas.openxmlformats.org/markup-compatibility/2006" type="titleOnly" preserve="1">
+  <p:cSld name="Title Only">
+    <p:spTree>
+      <p:nvGrpSpPr>
+        <p:cNvPr id="1" name=""/>
+        <p:cNvGrpSpPr/>
+        <p:nvPr/>
+      </p:nvGrpSpPr>
+      <p:grpSpPr>
+        <a:xfrm>
+          <a:off x="0" y="0"/>
+          <a:ext cx="0" cy="0"/>
+          <a:chOff x="0" y="0"/>
+          <a:chExt cx="0" cy="0"/>
+        </a:xfrm>
+      </p:grpSpPr>
+      <p:sp>
+        <p:nvSpPr>
+          <p:cNvPr id="128" name="PlaceHolder 1"/>
+          <p:cNvSpPr>
+            <a:spLocks noGrp="1"/>
+          </p:cNvSpPr>
+          <p:nvPr>
+            <p:ph type="title"/>
+          </p:nvPr>
+        </p:nvSpPr>
+        <p:spPr>
+          <a:xfrm>
+            <a:off x="504000" y="226080"/>
+            <a:ext cx="9072000" cy="946440"/>
+          </a:xfrm>
+          <a:prstGeom prst="rect">
+            <a:avLst/>
+          </a:prstGeom>
+        </p:spPr>
+        <p:txBody>
+          <a:bodyPr lIns="0" rIns="0" tIns="0" bIns="0" anchor="ctr">
+            <a:noAutofit/>
+          </a:bodyPr>
+          <a:p>
+            <a:pPr algn="ctr"/>
+            <a:endParaRPr b="0" lang="es-MX" sz="4400" spc="-1" strike="noStrike">
+              <a:latin typeface="Arial"/>
+            </a:endParaRPr>
+          </a:p>
+        </p:txBody>
+      </p:sp>
+    </p:spTree>
+  </p:cSld>
+</p:sldLayout>
+</file>
+
+<file path=ppt/slideLayouts/slideLayout42.xml><?xml version="1.0" encoding="utf-8"?>
+<p:sldLayout xmlns:a="http://schemas.openxmlformats.org/drawingml/2006/main" xmlns:p="http://schemas.openxmlformats.org/presentationml/2006/main" xmlns:r="http://schemas.openxmlformats.org/officeDocument/2006/relationships" xmlns:p14="http://schemas.microsoft.com/office/powerpoint/2010/main" xmlns:p15="http://schemas.microsoft.com/office/powerpoint/2012/main" xmlns:mc="http://schemas.openxmlformats.org/markup-compatibility/2006" type="objOnly" preserve="1">
+  <p:cSld name="Centered Text">
+    <p:spTree>
+      <p:nvGrpSpPr>
+        <p:cNvPr id="1" name=""/>
+        <p:cNvGrpSpPr/>
+        <p:nvPr/>
+      </p:nvGrpSpPr>
+      <p:grpSpPr>
+        <a:xfrm>
+          <a:off x="0" y="0"/>
+          <a:ext cx="0" cy="0"/>
+          <a:chOff x="0" y="0"/>
+          <a:chExt cx="0" cy="0"/>
+        </a:xfrm>
+      </p:grpSpPr>
+      <p:sp>
+        <p:nvSpPr>
+          <p:cNvPr id="129" name="PlaceHolder 1"/>
+          <p:cNvSpPr>
+            <a:spLocks noGrp="1"/>
+          </p:cNvSpPr>
+          <p:nvPr>
+            <p:ph type="subTitle"/>
+          </p:nvPr>
+        </p:nvSpPr>
+        <p:spPr>
+          <a:xfrm>
+            <a:off x="504000" y="226080"/>
+            <a:ext cx="9072000" cy="4388400"/>
+          </a:xfrm>
+          <a:prstGeom prst="rect">
+            <a:avLst/>
+          </a:prstGeom>
+        </p:spPr>
+        <p:txBody>
+          <a:bodyPr lIns="0" rIns="0" tIns="0" bIns="0" anchor="ctr">
+            <a:noAutofit/>
+          </a:bodyPr>
+          <a:p>
+            <a:pPr algn="ctr"/>
+            <a:endParaRPr b="0" lang="es-MX" sz="3200" spc="-1" strike="noStrike">
+              <a:latin typeface="Arial"/>
+            </a:endParaRPr>
+          </a:p>
+        </p:txBody>
+      </p:sp>
+    </p:spTree>
+  </p:cSld>
+</p:sldLayout>
+</file>
+
+<file path=ppt/slideLayouts/slideLayout43.xml><?xml version="1.0" encoding="utf-8"?>
+<p:sldLayout xmlns:a="http://schemas.openxmlformats.org/drawingml/2006/main" xmlns:p="http://schemas.openxmlformats.org/presentationml/2006/main" xmlns:r="http://schemas.openxmlformats.org/officeDocument/2006/relationships" xmlns:p14="http://schemas.microsoft.com/office/powerpoint/2010/main" xmlns:p15="http://schemas.microsoft.com/office/powerpoint/2012/main" xmlns:mc="http://schemas.openxmlformats.org/markup-compatibility/2006" type="twoObjAndObj" preserve="1">
+  <p:cSld name="Title, 2 Content and Content">
+    <p:spTree>
+      <p:nvGrpSpPr>
+        <p:cNvPr id="1" name=""/>
+        <p:cNvGrpSpPr/>
+        <p:nvPr/>
+      </p:nvGrpSpPr>
+      <p:grpSpPr>
+        <a:xfrm>
+          <a:off x="0" y="0"/>
+          <a:ext cx="0" cy="0"/>
+          <a:chOff x="0" y="0"/>
+          <a:chExt cx="0" cy="0"/>
+        </a:xfrm>
+      </p:grpSpPr>
+      <p:sp>
+        <p:nvSpPr>
+          <p:cNvPr id="130" name="PlaceHolder 1"/>
+          <p:cNvSpPr>
+            <a:spLocks noGrp="1"/>
+          </p:cNvSpPr>
+          <p:nvPr>
+            <p:ph type="title"/>
+          </p:nvPr>
+        </p:nvSpPr>
+        <p:spPr>
+          <a:xfrm>
+            <a:off x="504000" y="226080"/>
+            <a:ext cx="9072000" cy="946440"/>
+          </a:xfrm>
+          <a:prstGeom prst="rect">
+            <a:avLst/>
+          </a:prstGeom>
+        </p:spPr>
+        <p:txBody>
+          <a:bodyPr lIns="0" rIns="0" tIns="0" bIns="0" anchor="ctr">
+            <a:noAutofit/>
+          </a:bodyPr>
+          <a:p>
+            <a:pPr algn="ctr"/>
+            <a:endParaRPr b="0" lang="es-MX" sz="4400" spc="-1" strike="noStrike">
+              <a:latin typeface="Arial"/>
+            </a:endParaRPr>
+          </a:p>
+        </p:txBody>
+      </p:sp>
+      <p:sp>
+        <p:nvSpPr>
+          <p:cNvPr id="131" name="PlaceHolder 2"/>
+          <p:cNvSpPr>
+            <a:spLocks noGrp="1"/>
+          </p:cNvSpPr>
+          <p:nvPr>
+            <p:ph type="body"/>
+          </p:nvPr>
+        </p:nvSpPr>
+        <p:spPr>
+          <a:xfrm>
+            <a:off x="504000" y="1326600"/>
+            <a:ext cx="4426920" cy="1568520"/>
+          </a:xfrm>
+          <a:prstGeom prst="rect">
+            <a:avLst/>
+          </a:prstGeom>
+        </p:spPr>
+        <p:txBody>
+          <a:bodyPr lIns="0" rIns="0" tIns="0" bIns="0">
+            <a:normAutofit/>
+          </a:bodyPr>
+          <a:p>
+            <a:endParaRPr b="0" lang="es-MX" sz="3200" spc="-1" strike="noStrike">
+              <a:latin typeface="Arial"/>
+            </a:endParaRPr>
+          </a:p>
+        </p:txBody>
+      </p:sp>
+      <p:sp>
+        <p:nvSpPr>
+          <p:cNvPr id="132" name="PlaceHolder 3"/>
+          <p:cNvSpPr>
+            <a:spLocks noGrp="1"/>
+          </p:cNvSpPr>
+          <p:nvPr>
+            <p:ph type="body"/>
+          </p:nvPr>
+        </p:nvSpPr>
+        <p:spPr>
+          <a:xfrm>
+            <a:off x="5152680" y="1326600"/>
+            <a:ext cx="4426920" cy="3288600"/>
+          </a:xfrm>
+          <a:prstGeom prst="rect">
+            <a:avLst/>
+          </a:prstGeom>
+        </p:spPr>
+        <p:txBody>
+          <a:bodyPr lIns="0" rIns="0" tIns="0" bIns="0">
+            <a:normAutofit/>
+          </a:bodyPr>
+          <a:p>
+            <a:endParaRPr b="0" lang="es-MX" sz="3200" spc="-1" strike="noStrike">
+              <a:latin typeface="Arial"/>
+            </a:endParaRPr>
+          </a:p>
+        </p:txBody>
+      </p:sp>
+      <p:sp>
+        <p:nvSpPr>
+          <p:cNvPr id="133" name="PlaceHolder 4"/>
+          <p:cNvSpPr>
+            <a:spLocks noGrp="1"/>
+          </p:cNvSpPr>
+          <p:nvPr>
+            <p:ph type="body"/>
+          </p:nvPr>
+        </p:nvSpPr>
+        <p:spPr>
+          <a:xfrm>
+            <a:off x="504000" y="3044520"/>
+            <a:ext cx="4426920" cy="1568520"/>
+          </a:xfrm>
+          <a:prstGeom prst="rect">
+            <a:avLst/>
+          </a:prstGeom>
+        </p:spPr>
+        <p:txBody>
+          <a:bodyPr lIns="0" rIns="0" tIns="0" bIns="0">
+            <a:normAutofit/>
+          </a:bodyPr>
+          <a:p>
+            <a:endParaRPr b="0" lang="es-MX" sz="3200" spc="-1" strike="noStrike">
+              <a:latin typeface="Arial"/>
+            </a:endParaRPr>
+          </a:p>
+        </p:txBody>
+      </p:sp>
+    </p:spTree>
+  </p:cSld>
+</p:sldLayout>
+</file>
+
+<file path=ppt/slideLayouts/slideLayout44.xml><?xml version="1.0" encoding="utf-8"?>
+<p:sldLayout xmlns:a="http://schemas.openxmlformats.org/drawingml/2006/main" xmlns:p="http://schemas.openxmlformats.org/presentationml/2006/main" xmlns:r="http://schemas.openxmlformats.org/officeDocument/2006/relationships" xmlns:p14="http://schemas.microsoft.com/office/powerpoint/2010/main" xmlns:p15="http://schemas.microsoft.com/office/powerpoint/2012/main" xmlns:mc="http://schemas.openxmlformats.org/markup-compatibility/2006" type="objAndTwoObj" preserve="1">
+  <p:cSld name="Title Content and 2 Content">
+    <p:spTree>
+      <p:nvGrpSpPr>
+        <p:cNvPr id="1" name=""/>
+        <p:cNvGrpSpPr/>
+        <p:nvPr/>
+      </p:nvGrpSpPr>
+      <p:grpSpPr>
+        <a:xfrm>
+          <a:off x="0" y="0"/>
+          <a:ext cx="0" cy="0"/>
+          <a:chOff x="0" y="0"/>
+          <a:chExt cx="0" cy="0"/>
+        </a:xfrm>
+      </p:grpSpPr>
+      <p:sp>
+        <p:nvSpPr>
+          <p:cNvPr id="134" name="PlaceHolder 1"/>
+          <p:cNvSpPr>
+            <a:spLocks noGrp="1"/>
+          </p:cNvSpPr>
+          <p:nvPr>
+            <p:ph type="title"/>
+          </p:nvPr>
+        </p:nvSpPr>
+        <p:spPr>
+          <a:xfrm>
+            <a:off x="504000" y="226080"/>
+            <a:ext cx="9072000" cy="946440"/>
+          </a:xfrm>
+          <a:prstGeom prst="rect">
+            <a:avLst/>
+          </a:prstGeom>
+        </p:spPr>
+        <p:txBody>
+          <a:bodyPr lIns="0" rIns="0" tIns="0" bIns="0" anchor="ctr">
+            <a:noAutofit/>
+          </a:bodyPr>
+          <a:p>
+            <a:pPr algn="ctr"/>
+            <a:endParaRPr b="0" lang="es-MX" sz="4400" spc="-1" strike="noStrike">
+              <a:latin typeface="Arial"/>
+            </a:endParaRPr>
+          </a:p>
+        </p:txBody>
+      </p:sp>
+      <p:sp>
+        <p:nvSpPr>
+          <p:cNvPr id="135" name="PlaceHolder 2"/>
+          <p:cNvSpPr>
+            <a:spLocks noGrp="1"/>
+          </p:cNvSpPr>
+          <p:nvPr>
+            <p:ph type="body"/>
+          </p:nvPr>
+        </p:nvSpPr>
+        <p:spPr>
+          <a:xfrm>
+            <a:off x="504000" y="1326600"/>
+            <a:ext cx="4426920" cy="3288600"/>
+          </a:xfrm>
+          <a:prstGeom prst="rect">
+            <a:avLst/>
+          </a:prstGeom>
+        </p:spPr>
+        <p:txBody>
+          <a:bodyPr lIns="0" rIns="0" tIns="0" bIns="0">
+            <a:normAutofit/>
+          </a:bodyPr>
+          <a:p>
+            <a:endParaRPr b="0" lang="es-MX" sz="3200" spc="-1" strike="noStrike">
+              <a:latin typeface="Arial"/>
+            </a:endParaRPr>
+          </a:p>
+        </p:txBody>
+      </p:sp>
+      <p:sp>
+        <p:nvSpPr>
+          <p:cNvPr id="136" name="PlaceHolder 3"/>
+          <p:cNvSpPr>
+            <a:spLocks noGrp="1"/>
+          </p:cNvSpPr>
+          <p:nvPr>
+            <p:ph type="body"/>
+          </p:nvPr>
+        </p:nvSpPr>
+        <p:spPr>
+          <a:xfrm>
+            <a:off x="5152680" y="1326600"/>
+            <a:ext cx="4426920" cy="1568520"/>
+          </a:xfrm>
+          <a:prstGeom prst="rect">
+            <a:avLst/>
+          </a:prstGeom>
+        </p:spPr>
+        <p:txBody>
+          <a:bodyPr lIns="0" rIns="0" tIns="0" bIns="0">
+            <a:normAutofit/>
+          </a:bodyPr>
+          <a:p>
+            <a:endParaRPr b="0" lang="es-MX" sz="3200" spc="-1" strike="noStrike">
+              <a:latin typeface="Arial"/>
+            </a:endParaRPr>
+          </a:p>
+        </p:txBody>
+      </p:sp>
+      <p:sp>
+        <p:nvSpPr>
+          <p:cNvPr id="137" name="PlaceHolder 4"/>
+          <p:cNvSpPr>
+            <a:spLocks noGrp="1"/>
+          </p:cNvSpPr>
+          <p:nvPr>
+            <p:ph type="body"/>
+          </p:nvPr>
+        </p:nvSpPr>
+        <p:spPr>
+          <a:xfrm>
+            <a:off x="5152680" y="3044520"/>
+            <a:ext cx="4426920" cy="1568520"/>
+          </a:xfrm>
+          <a:prstGeom prst="rect">
+            <a:avLst/>
+          </a:prstGeom>
+        </p:spPr>
+        <p:txBody>
+          <a:bodyPr lIns="0" rIns="0" tIns="0" bIns="0">
+            <a:normAutofit/>
+          </a:bodyPr>
+          <a:p>
+            <a:endParaRPr b="0" lang="es-MX" sz="3200" spc="-1" strike="noStrike">
+              <a:latin typeface="Arial"/>
+            </a:endParaRPr>
+          </a:p>
+        </p:txBody>
+      </p:sp>
+    </p:spTree>
+  </p:cSld>
+</p:sldLayout>
+</file>
+
+<file path=ppt/slideLayouts/slideLayout45.xml><?xml version="1.0" encoding="utf-8"?>
+<p:sldLayout xmlns:a="http://schemas.openxmlformats.org/drawingml/2006/main" xmlns:p="http://schemas.openxmlformats.org/presentationml/2006/main" xmlns:r="http://schemas.openxmlformats.org/officeDocument/2006/relationships" xmlns:p14="http://schemas.microsoft.com/office/powerpoint/2010/main" xmlns:p15="http://schemas.microsoft.com/office/powerpoint/2012/main" xmlns:mc="http://schemas.openxmlformats.org/markup-compatibility/2006" type="twoObjOverTx" preserve="1">
+  <p:cSld name="Title, 2 Content over Content">
+    <p:spTree>
+      <p:nvGrpSpPr>
+        <p:cNvPr id="1" name=""/>
+        <p:cNvGrpSpPr/>
+        <p:nvPr/>
+      </p:nvGrpSpPr>
+      <p:grpSpPr>
+        <a:xfrm>
+          <a:off x="0" y="0"/>
+          <a:ext cx="0" cy="0"/>
+          <a:chOff x="0" y="0"/>
+          <a:chExt cx="0" cy="0"/>
+        </a:xfrm>
+      </p:grpSpPr>
+      <p:sp>
+        <p:nvSpPr>
+          <p:cNvPr id="138" name="PlaceHolder 1"/>
+          <p:cNvSpPr>
+            <a:spLocks noGrp="1"/>
+          </p:cNvSpPr>
+          <p:nvPr>
+            <p:ph type="title"/>
+          </p:nvPr>
+        </p:nvSpPr>
+        <p:spPr>
+          <a:xfrm>
+            <a:off x="504000" y="226080"/>
+            <a:ext cx="9072000" cy="946440"/>
+          </a:xfrm>
+          <a:prstGeom prst="rect">
+            <a:avLst/>
+          </a:prstGeom>
+        </p:spPr>
+        <p:txBody>
+          <a:bodyPr lIns="0" rIns="0" tIns="0" bIns="0" anchor="ctr">
+            <a:noAutofit/>
+          </a:bodyPr>
+          <a:p>
+            <a:pPr algn="ctr"/>
+            <a:endParaRPr b="0" lang="es-MX" sz="4400" spc="-1" strike="noStrike">
+              <a:latin typeface="Arial"/>
+            </a:endParaRPr>
+          </a:p>
+        </p:txBody>
+      </p:sp>
+      <p:sp>
+        <p:nvSpPr>
+          <p:cNvPr id="139" name="PlaceHolder 2"/>
+          <p:cNvSpPr>
+            <a:spLocks noGrp="1"/>
+          </p:cNvSpPr>
+          <p:nvPr>
+            <p:ph type="body"/>
+          </p:nvPr>
+        </p:nvSpPr>
+        <p:spPr>
+          <a:xfrm>
+            <a:off x="504000" y="1326600"/>
+            <a:ext cx="4426920" cy="1568520"/>
+          </a:xfrm>
+          <a:prstGeom prst="rect">
+            <a:avLst/>
+          </a:prstGeom>
+        </p:spPr>
+        <p:txBody>
+          <a:bodyPr lIns="0" rIns="0" tIns="0" bIns="0">
+            <a:normAutofit/>
+          </a:bodyPr>
+          <a:p>
+            <a:endParaRPr b="0" lang="es-MX" sz="3200" spc="-1" strike="noStrike">
+              <a:latin typeface="Arial"/>
+            </a:endParaRPr>
+          </a:p>
+        </p:txBody>
+      </p:sp>
+      <p:sp>
+        <p:nvSpPr>
+          <p:cNvPr id="140" name="PlaceHolder 3"/>
+          <p:cNvSpPr>
+            <a:spLocks noGrp="1"/>
+          </p:cNvSpPr>
+          <p:nvPr>
+            <p:ph type="body"/>
+          </p:nvPr>
+        </p:nvSpPr>
+        <p:spPr>
+          <a:xfrm>
+            <a:off x="5152680" y="1326600"/>
+            <a:ext cx="4426920" cy="1568520"/>
+          </a:xfrm>
+          <a:prstGeom prst="rect">
+            <a:avLst/>
+          </a:prstGeom>
+        </p:spPr>
+        <p:txBody>
+          <a:bodyPr lIns="0" rIns="0" tIns="0" bIns="0">
+            <a:normAutofit/>
+          </a:bodyPr>
+          <a:p>
+            <a:endParaRPr b="0" lang="es-MX" sz="3200" spc="-1" strike="noStrike">
+              <a:latin typeface="Arial"/>
+            </a:endParaRPr>
+          </a:p>
+        </p:txBody>
+      </p:sp>
+      <p:sp>
+        <p:nvSpPr>
+          <p:cNvPr id="141" name="PlaceHolder 4"/>
+          <p:cNvSpPr>
+            <a:spLocks noGrp="1"/>
+          </p:cNvSpPr>
+          <p:nvPr>
+            <p:ph type="body"/>
+          </p:nvPr>
+        </p:nvSpPr>
+        <p:spPr>
+          <a:xfrm>
+            <a:off x="504000" y="3044520"/>
+            <a:ext cx="9072000" cy="1568520"/>
+          </a:xfrm>
+          <a:prstGeom prst="rect">
+            <a:avLst/>
+          </a:prstGeom>
+        </p:spPr>
+        <p:txBody>
+          <a:bodyPr lIns="0" rIns="0" tIns="0" bIns="0">
+            <a:normAutofit/>
+          </a:bodyPr>
+          <a:p>
+            <a:endParaRPr b="0" lang="es-MX" sz="3200" spc="-1" strike="noStrike">
+              <a:latin typeface="Arial"/>
+            </a:endParaRPr>
+          </a:p>
+        </p:txBody>
+      </p:sp>
+    </p:spTree>
+  </p:cSld>
+</p:sldLayout>
+</file>
+
+<file path=ppt/slideLayouts/slideLayout46.xml><?xml version="1.0" encoding="utf-8"?>
+<p:sldLayout xmlns:a="http://schemas.openxmlformats.org/drawingml/2006/main" xmlns:p="http://schemas.openxmlformats.org/presentationml/2006/main" xmlns:r="http://schemas.openxmlformats.org/officeDocument/2006/relationships" xmlns:p14="http://schemas.microsoft.com/office/powerpoint/2010/main" xmlns:p15="http://schemas.microsoft.com/office/powerpoint/2012/main" xmlns:mc="http://schemas.openxmlformats.org/markup-compatibility/2006" type="objOverTx" preserve="1">
+  <p:cSld name="Title, Content over Content">
+    <p:spTree>
+      <p:nvGrpSpPr>
+        <p:cNvPr id="1" name=""/>
+        <p:cNvGrpSpPr/>
+        <p:nvPr/>
+      </p:nvGrpSpPr>
+      <p:grpSpPr>
+        <a:xfrm>
+          <a:off x="0" y="0"/>
+          <a:ext cx="0" cy="0"/>
+          <a:chOff x="0" y="0"/>
+          <a:chExt cx="0" cy="0"/>
+        </a:xfrm>
+      </p:grpSpPr>
+      <p:sp>
+        <p:nvSpPr>
+          <p:cNvPr id="142" name="PlaceHolder 1"/>
+          <p:cNvSpPr>
+            <a:spLocks noGrp="1"/>
+          </p:cNvSpPr>
+          <p:nvPr>
+            <p:ph type="title"/>
+          </p:nvPr>
+        </p:nvSpPr>
+        <p:spPr>
+          <a:xfrm>
+            <a:off x="504000" y="226080"/>
+            <a:ext cx="9072000" cy="946440"/>
+          </a:xfrm>
+          <a:prstGeom prst="rect">
+            <a:avLst/>
+          </a:prstGeom>
+        </p:spPr>
+        <p:txBody>
+          <a:bodyPr lIns="0" rIns="0" tIns="0" bIns="0" anchor="ctr">
+            <a:noAutofit/>
+          </a:bodyPr>
+          <a:p>
+            <a:pPr algn="ctr"/>
+            <a:endParaRPr b="0" lang="es-MX" sz="4400" spc="-1" strike="noStrike">
+              <a:latin typeface="Arial"/>
+            </a:endParaRPr>
+          </a:p>
+        </p:txBody>
+      </p:sp>
+      <p:sp>
+        <p:nvSpPr>
+          <p:cNvPr id="143" name="PlaceHolder 2"/>
+          <p:cNvSpPr>
+            <a:spLocks noGrp="1"/>
+          </p:cNvSpPr>
+          <p:nvPr>
+            <p:ph type="body"/>
+          </p:nvPr>
+        </p:nvSpPr>
+        <p:spPr>
+          <a:xfrm>
+            <a:off x="504000" y="1326600"/>
+            <a:ext cx="9072000" cy="1568520"/>
+          </a:xfrm>
+          <a:prstGeom prst="rect">
+            <a:avLst/>
+          </a:prstGeom>
+        </p:spPr>
+        <p:txBody>
+          <a:bodyPr lIns="0" rIns="0" tIns="0" bIns="0">
+            <a:normAutofit/>
+          </a:bodyPr>
+          <a:p>
+            <a:endParaRPr b="0" lang="es-MX" sz="3200" spc="-1" strike="noStrike">
+              <a:latin typeface="Arial"/>
+            </a:endParaRPr>
+          </a:p>
+        </p:txBody>
+      </p:sp>
+      <p:sp>
+        <p:nvSpPr>
+          <p:cNvPr id="144" name="PlaceHolder 3"/>
+          <p:cNvSpPr>
+            <a:spLocks noGrp="1"/>
+          </p:cNvSpPr>
+          <p:nvPr>
+            <p:ph type="body"/>
+          </p:nvPr>
+        </p:nvSpPr>
+        <p:spPr>
+          <a:xfrm>
+            <a:off x="504000" y="3044520"/>
+            <a:ext cx="9072000" cy="1568520"/>
+          </a:xfrm>
+          <a:prstGeom prst="rect">
+            <a:avLst/>
+          </a:prstGeom>
+        </p:spPr>
+        <p:txBody>
+          <a:bodyPr lIns="0" rIns="0" tIns="0" bIns="0">
+            <a:normAutofit/>
+          </a:bodyPr>
+          <a:p>
+            <a:endParaRPr b="0" lang="es-MX" sz="3200" spc="-1" strike="noStrike">
+              <a:latin typeface="Arial"/>
+            </a:endParaRPr>
+          </a:p>
+        </p:txBody>
+      </p:sp>
+    </p:spTree>
+  </p:cSld>
+</p:sldLayout>
+</file>
+
+<file path=ppt/slideLayouts/slideLayout47.xml><?xml version="1.0" encoding="utf-8"?>
+<p:sldLayout xmlns:a="http://schemas.openxmlformats.org/drawingml/2006/main" xmlns:p="http://schemas.openxmlformats.org/presentationml/2006/main" xmlns:r="http://schemas.openxmlformats.org/officeDocument/2006/relationships" xmlns:p14="http://schemas.microsoft.com/office/powerpoint/2010/main" xmlns:p15="http://schemas.microsoft.com/office/powerpoint/2012/main" xmlns:mc="http://schemas.openxmlformats.org/markup-compatibility/2006" type="fourObj" preserve="1">
+  <p:cSld name="Title, 4 Content">
+    <p:spTree>
+      <p:nvGrpSpPr>
+        <p:cNvPr id="1" name=""/>
+        <p:cNvGrpSpPr/>
+        <p:nvPr/>
+      </p:nvGrpSpPr>
+      <p:grpSpPr>
+        <a:xfrm>
+          <a:off x="0" y="0"/>
+          <a:ext cx="0" cy="0"/>
+          <a:chOff x="0" y="0"/>
+          <a:chExt cx="0" cy="0"/>
+        </a:xfrm>
+      </p:grpSpPr>
+      <p:sp>
+        <p:nvSpPr>
+          <p:cNvPr id="145" name="PlaceHolder 1"/>
+          <p:cNvSpPr>
+            <a:spLocks noGrp="1"/>
+          </p:cNvSpPr>
+          <p:nvPr>
+            <p:ph type="title"/>
+          </p:nvPr>
+        </p:nvSpPr>
+        <p:spPr>
+          <a:xfrm>
+            <a:off x="504000" y="226080"/>
+            <a:ext cx="9072000" cy="946440"/>
+          </a:xfrm>
+          <a:prstGeom prst="rect">
+            <a:avLst/>
+          </a:prstGeom>
+        </p:spPr>
+        <p:txBody>
+          <a:bodyPr lIns="0" rIns="0" tIns="0" bIns="0" anchor="ctr">
+            <a:noAutofit/>
+          </a:bodyPr>
+          <a:p>
+            <a:pPr algn="ctr"/>
+            <a:endParaRPr b="0" lang="es-MX" sz="4400" spc="-1" strike="noStrike">
+              <a:latin typeface="Arial"/>
+            </a:endParaRPr>
+          </a:p>
+        </p:txBody>
+      </p:sp>
+      <p:sp>
+        <p:nvSpPr>
+          <p:cNvPr id="146" name="PlaceHolder 2"/>
+          <p:cNvSpPr>
+            <a:spLocks noGrp="1"/>
+          </p:cNvSpPr>
+          <p:nvPr>
+            <p:ph type="body"/>
+          </p:nvPr>
+        </p:nvSpPr>
+        <p:spPr>
+          <a:xfrm>
+            <a:off x="504000" y="1326600"/>
+            <a:ext cx="4426920" cy="1568520"/>
+          </a:xfrm>
+          <a:prstGeom prst="rect">
+            <a:avLst/>
+          </a:prstGeom>
+        </p:spPr>
+        <p:txBody>
+          <a:bodyPr lIns="0" rIns="0" tIns="0" bIns="0">
+            <a:normAutofit/>
+          </a:bodyPr>
+          <a:p>
+            <a:endParaRPr b="0" lang="es-MX" sz="3200" spc="-1" strike="noStrike">
+              <a:latin typeface="Arial"/>
+            </a:endParaRPr>
+          </a:p>
+        </p:txBody>
+      </p:sp>
+      <p:sp>
+        <p:nvSpPr>
+          <p:cNvPr id="147" name="PlaceHolder 3"/>
+          <p:cNvSpPr>
+            <a:spLocks noGrp="1"/>
+          </p:cNvSpPr>
+          <p:nvPr>
+            <p:ph type="body"/>
+          </p:nvPr>
+        </p:nvSpPr>
+        <p:spPr>
+          <a:xfrm>
+            <a:off x="5152680" y="1326600"/>
+            <a:ext cx="4426920" cy="1568520"/>
+          </a:xfrm>
+          <a:prstGeom prst="rect">
+            <a:avLst/>
+          </a:prstGeom>
+        </p:spPr>
+        <p:txBody>
+          <a:bodyPr lIns="0" rIns="0" tIns="0" bIns="0">
+            <a:normAutofit/>
+          </a:bodyPr>
+          <a:p>
+            <a:endParaRPr b="0" lang="es-MX" sz="3200" spc="-1" strike="noStrike">
+              <a:latin typeface="Arial"/>
+            </a:endParaRPr>
+          </a:p>
+        </p:txBody>
+      </p:sp>
+      <p:sp>
+        <p:nvSpPr>
+          <p:cNvPr id="148" name="PlaceHolder 4"/>
+          <p:cNvSpPr>
+            <a:spLocks noGrp="1"/>
+          </p:cNvSpPr>
+          <p:nvPr>
+            <p:ph type="body"/>
+          </p:nvPr>
+        </p:nvSpPr>
+        <p:spPr>
+          <a:xfrm>
+            <a:off x="504000" y="3044520"/>
+            <a:ext cx="4426920" cy="1568520"/>
+          </a:xfrm>
+          <a:prstGeom prst="rect">
+            <a:avLst/>
+          </a:prstGeom>
+        </p:spPr>
+        <p:txBody>
+          <a:bodyPr lIns="0" rIns="0" tIns="0" bIns="0">
+            <a:normAutofit/>
+          </a:bodyPr>
+          <a:p>
+            <a:endParaRPr b="0" lang="es-MX" sz="3200" spc="-1" strike="noStrike">
+              <a:latin typeface="Arial"/>
+            </a:endParaRPr>
+          </a:p>
+        </p:txBody>
+      </p:sp>
+      <p:sp>
+        <p:nvSpPr>
+          <p:cNvPr id="149" name="PlaceHolder 5"/>
+          <p:cNvSpPr>
+            <a:spLocks noGrp="1"/>
+          </p:cNvSpPr>
+          <p:nvPr>
+            <p:ph type="body"/>
+          </p:nvPr>
+        </p:nvSpPr>
+        <p:spPr>
+          <a:xfrm>
+            <a:off x="5152680" y="3044520"/>
+            <a:ext cx="4426920" cy="1568520"/>
+          </a:xfrm>
+          <a:prstGeom prst="rect">
+            <a:avLst/>
+          </a:prstGeom>
+        </p:spPr>
+        <p:txBody>
+          <a:bodyPr lIns="0" rIns="0" tIns="0" bIns="0">
+            <a:normAutofit/>
+          </a:bodyPr>
+          <a:p>
+            <a:endParaRPr b="0" lang="es-MX" sz="3200" spc="-1" strike="noStrike">
+              <a:latin typeface="Arial"/>
+            </a:endParaRPr>
+          </a:p>
+        </p:txBody>
+      </p:sp>
+    </p:spTree>
+  </p:cSld>
+</p:sldLayout>
+</file>
+
+<file path=ppt/slideLayouts/slideLayout48.xml><?xml version="1.0" encoding="utf-8"?>
+<p:sldLayout xmlns:a="http://schemas.openxmlformats.org/drawingml/2006/main" xmlns:p="http://schemas.openxmlformats.org/presentationml/2006/main" xmlns:r="http://schemas.openxmlformats.org/officeDocument/2006/relationships" xmlns:p14="http://schemas.microsoft.com/office/powerpoint/2010/main" xmlns:p15="http://schemas.microsoft.com/office/powerpoint/2012/main" xmlns:mc="http://schemas.openxmlformats.org/markup-compatibility/2006" type="blank" preserve="1">
+  <p:cSld name="Title, 6 Content">
+    <p:spTree>
+      <p:nvGrpSpPr>
+        <p:cNvPr id="1" name=""/>
+        <p:cNvGrpSpPr/>
+        <p:nvPr/>
+      </p:nvGrpSpPr>
+      <p:grpSpPr>
+        <a:xfrm>
+          <a:off x="0" y="0"/>
+          <a:ext cx="0" cy="0"/>
+          <a:chOff x="0" y="0"/>
+          <a:chExt cx="0" cy="0"/>
+        </a:xfrm>
+      </p:grpSpPr>
+      <p:sp>
+        <p:nvSpPr>
+          <p:cNvPr id="150" name="PlaceHolder 1"/>
+          <p:cNvSpPr>
+            <a:spLocks noGrp="1"/>
+          </p:cNvSpPr>
+          <p:nvPr>
+            <p:ph type="title"/>
+          </p:nvPr>
+        </p:nvSpPr>
+        <p:spPr>
+          <a:xfrm>
+            <a:off x="504000" y="226080"/>
+            <a:ext cx="9072000" cy="946440"/>
+          </a:xfrm>
+          <a:prstGeom prst="rect">
+            <a:avLst/>
+          </a:prstGeom>
+        </p:spPr>
+        <p:txBody>
+          <a:bodyPr lIns="0" rIns="0" tIns="0" bIns="0" anchor="ctr">
+            <a:noAutofit/>
+          </a:bodyPr>
+          <a:p>
+            <a:pPr algn="ctr"/>
+            <a:endParaRPr b="0" lang="es-MX" sz="4400" spc="-1" strike="noStrike">
+              <a:latin typeface="Arial"/>
+            </a:endParaRPr>
+          </a:p>
+        </p:txBody>
+      </p:sp>
+      <p:sp>
+        <p:nvSpPr>
+          <p:cNvPr id="151" name="PlaceHolder 2"/>
+          <p:cNvSpPr>
+            <a:spLocks noGrp="1"/>
+          </p:cNvSpPr>
+          <p:nvPr>
+            <p:ph type="body"/>
+          </p:nvPr>
+        </p:nvSpPr>
+        <p:spPr>
+          <a:xfrm>
+            <a:off x="504000" y="1326600"/>
+            <a:ext cx="2921040" cy="1568520"/>
+          </a:xfrm>
+          <a:prstGeom prst="rect">
+            <a:avLst/>
+          </a:prstGeom>
+        </p:spPr>
+        <p:txBody>
+          <a:bodyPr lIns="0" rIns="0" tIns="0" bIns="0">
+            <a:normAutofit/>
+          </a:bodyPr>
+          <a:p>
+            <a:endParaRPr b="0" lang="es-MX" sz="3200" spc="-1" strike="noStrike">
+              <a:latin typeface="Arial"/>
+            </a:endParaRPr>
+          </a:p>
+        </p:txBody>
+      </p:sp>
+      <p:sp>
+        <p:nvSpPr>
+          <p:cNvPr id="152" name="PlaceHolder 3"/>
+          <p:cNvSpPr>
+            <a:spLocks noGrp="1"/>
+          </p:cNvSpPr>
+          <p:nvPr>
+            <p:ph type="body"/>
+          </p:nvPr>
+        </p:nvSpPr>
+        <p:spPr>
+          <a:xfrm>
+            <a:off x="3571560" y="1326600"/>
+            <a:ext cx="2921040" cy="1568520"/>
+          </a:xfrm>
+          <a:prstGeom prst="rect">
+            <a:avLst/>
+          </a:prstGeom>
+        </p:spPr>
+        <p:txBody>
+          <a:bodyPr lIns="0" rIns="0" tIns="0" bIns="0">
+            <a:normAutofit/>
+          </a:bodyPr>
+          <a:p>
+            <a:endParaRPr b="0" lang="es-MX" sz="3200" spc="-1" strike="noStrike">
+              <a:latin typeface="Arial"/>
+            </a:endParaRPr>
+          </a:p>
+        </p:txBody>
+      </p:sp>
+      <p:sp>
+        <p:nvSpPr>
+          <p:cNvPr id="153" name="PlaceHolder 4"/>
+          <p:cNvSpPr>
+            <a:spLocks noGrp="1"/>
+          </p:cNvSpPr>
+          <p:nvPr>
+            <p:ph type="body"/>
+          </p:nvPr>
+        </p:nvSpPr>
+        <p:spPr>
+          <a:xfrm>
+            <a:off x="6639120" y="1326600"/>
+            <a:ext cx="2921040" cy="1568520"/>
+          </a:xfrm>
+          <a:prstGeom prst="rect">
+            <a:avLst/>
+          </a:prstGeom>
+        </p:spPr>
+        <p:txBody>
+          <a:bodyPr lIns="0" rIns="0" tIns="0" bIns="0">
+            <a:normAutofit/>
+          </a:bodyPr>
+          <a:p>
+            <a:endParaRPr b="0" lang="es-MX" sz="3200" spc="-1" strike="noStrike">
+              <a:latin typeface="Arial"/>
+            </a:endParaRPr>
+          </a:p>
+        </p:txBody>
+      </p:sp>
+      <p:sp>
+        <p:nvSpPr>
+          <p:cNvPr id="154" name="PlaceHolder 5"/>
+          <p:cNvSpPr>
+            <a:spLocks noGrp="1"/>
+          </p:cNvSpPr>
+          <p:nvPr>
+            <p:ph type="body"/>
+          </p:nvPr>
+        </p:nvSpPr>
+        <p:spPr>
+          <a:xfrm>
+            <a:off x="504000" y="3044520"/>
+            <a:ext cx="2921040" cy="1568520"/>
+          </a:xfrm>
+          <a:prstGeom prst="rect">
+            <a:avLst/>
+          </a:prstGeom>
+        </p:spPr>
+        <p:txBody>
+          <a:bodyPr lIns="0" rIns="0" tIns="0" bIns="0">
+            <a:normAutofit/>
+          </a:bodyPr>
+          <a:p>
+            <a:endParaRPr b="0" lang="es-MX" sz="3200" spc="-1" strike="noStrike">
+              <a:latin typeface="Arial"/>
+            </a:endParaRPr>
+          </a:p>
+        </p:txBody>
+      </p:sp>
+      <p:sp>
+        <p:nvSpPr>
+          <p:cNvPr id="155" name="PlaceHolder 6"/>
+          <p:cNvSpPr>
+            <a:spLocks noGrp="1"/>
+          </p:cNvSpPr>
+          <p:nvPr>
+            <p:ph type="body"/>
+          </p:nvPr>
+        </p:nvSpPr>
+        <p:spPr>
+          <a:xfrm>
+            <a:off x="3571560" y="3044520"/>
+            <a:ext cx="2921040" cy="1568520"/>
+          </a:xfrm>
+          <a:prstGeom prst="rect">
+            <a:avLst/>
+          </a:prstGeom>
+        </p:spPr>
+        <p:txBody>
+          <a:bodyPr lIns="0" rIns="0" tIns="0" bIns="0">
+            <a:normAutofit/>
+          </a:bodyPr>
+          <a:p>
+            <a:endParaRPr b="0" lang="es-MX" sz="3200" spc="-1" strike="noStrike">
+              <a:latin typeface="Arial"/>
+            </a:endParaRPr>
+          </a:p>
+        </p:txBody>
+      </p:sp>
+      <p:sp>
+        <p:nvSpPr>
+          <p:cNvPr id="156" name="PlaceHolder 7"/>
+          <p:cNvSpPr>
+            <a:spLocks noGrp="1"/>
+          </p:cNvSpPr>
+          <p:nvPr>
+            <p:ph type="body"/>
+          </p:nvPr>
+        </p:nvSpPr>
+        <p:spPr>
+          <a:xfrm>
+            <a:off x="6639120" y="3044520"/>
+            <a:ext cx="2921040" cy="1568520"/>
           </a:xfrm>
           <a:prstGeom prst="rect">
             <a:avLst/>
@@ -4118,7 +5478,7 @@
         <p:spPr>
           <a:xfrm>
             <a:off x="0" y="3780000"/>
-            <a:ext cx="10079640" cy="1889640"/>
+            <a:ext cx="10079280" cy="1889280"/>
           </a:xfrm>
           <a:prstGeom prst="rect">
             <a:avLst/>
@@ -4135,7 +5495,7 @@
             <a:noFill/>
           </a:ln>
           <a:effectLst>
-            <a:outerShdw dir="16200000" dist="18000">
+            <a:outerShdw dist="18000" dir="16200000">
               <a:srgbClr val="f49100"/>
             </a:outerShdw>
           </a:effectLst>
@@ -4159,8 +5519,8 @@
         </p:nvSpPr>
         <p:spPr>
           <a:xfrm>
-            <a:off x="540000" y="270000"/>
-            <a:ext cx="8999640" cy="989640"/>
+            <a:off x="504000" y="226080"/>
+            <a:ext cx="9071640" cy="946080"/>
           </a:xfrm>
           <a:prstGeom prst="rect">
             <a:avLst/>
@@ -4168,16 +5528,17 @@
         </p:spPr>
         <p:txBody>
           <a:bodyPr lIns="0" rIns="0" tIns="0" bIns="0" anchor="ctr">
-            <a:normAutofit/>
-          </a:bodyPr>
-          <a:p>
-            <a:r>
-              <a:rPr b="0" lang="es-MX" sz="1800" spc="-1" strike="noStrike">
+            <a:noAutofit/>
+          </a:bodyPr>
+          <a:p>
+            <a:pPr algn="ctr"/>
+            <a:r>
+              <a:rPr b="0" lang="es-MX" sz="4400" spc="-1" strike="noStrike">
                 <a:latin typeface="Arial"/>
               </a:rPr>
               <a:t>Pulse para editar el formato del texto de título</a:t>
             </a:r>
-            <a:endParaRPr b="0" lang="es-MX" sz="1800" spc="-1" strike="noStrike">
+            <a:endParaRPr b="0" lang="es-MX" sz="4400" spc="-1" strike="noStrike">
               <a:latin typeface="Arial"/>
             </a:endParaRPr>
           </a:p>
@@ -4196,7 +5557,7 @@
         <p:spPr>
           <a:xfrm>
             <a:off x="504000" y="1326600"/>
-            <a:ext cx="9072000" cy="3288600"/>
+            <a:ext cx="9071640" cy="3288240"/>
           </a:xfrm>
           <a:prstGeom prst="rect">
             <a:avLst/>
@@ -4204,7 +5565,7 @@
         </p:spPr>
         <p:txBody>
           <a:bodyPr lIns="0" rIns="0" tIns="0" bIns="0">
-            <a:normAutofit/>
+            <a:normAutofit fontScale="94000"/>
           </a:bodyPr>
           <a:p>
             <a:pPr marL="432000" indent="-324000">
@@ -4416,7 +5777,7 @@
         <p:spPr>
           <a:xfrm flipV="1">
             <a:off x="0" y="-720"/>
-            <a:ext cx="10079640" cy="1079640"/>
+            <a:ext cx="10079280" cy="1079280"/>
           </a:xfrm>
           <a:prstGeom prst="rect">
             <a:avLst/>
@@ -4433,7 +5794,7 @@
             <a:noFill/>
           </a:ln>
           <a:effectLst>
-            <a:outerShdw dir="5400000" dist="10800">
+            <a:outerShdw dist="10800" dir="5400000">
               <a:srgbClr val="f49100"/>
             </a:outerShdw>
           </a:effectLst>
@@ -4457,8 +5818,8 @@
         </p:nvSpPr>
         <p:spPr>
           <a:xfrm>
-            <a:off x="540000" y="270000"/>
-            <a:ext cx="8999640" cy="989640"/>
+            <a:off x="504000" y="226080"/>
+            <a:ext cx="9072000" cy="946440"/>
           </a:xfrm>
           <a:prstGeom prst="rect">
             <a:avLst/>
@@ -4466,16 +5827,17 @@
         </p:spPr>
         <p:txBody>
           <a:bodyPr lIns="0" rIns="0" tIns="0" bIns="0" anchor="ctr">
-            <a:normAutofit/>
-          </a:bodyPr>
-          <a:p>
-            <a:r>
-              <a:rPr b="0" lang="es-MX" sz="1800" spc="-1" strike="noStrike">
+            <a:noAutofit/>
+          </a:bodyPr>
+          <a:p>
+            <a:pPr algn="ctr"/>
+            <a:r>
+              <a:rPr b="0" lang="es-MX" sz="4400" spc="-1" strike="noStrike">
                 <a:latin typeface="Arial"/>
               </a:rPr>
               <a:t>Pulse para editar el formato del texto de título</a:t>
             </a:r>
-            <a:endParaRPr b="0" lang="es-MX" sz="1800" spc="-1" strike="noStrike">
+            <a:endParaRPr b="0" lang="es-MX" sz="4400" spc="-1" strike="noStrike">
               <a:latin typeface="Arial"/>
             </a:endParaRPr>
           </a:p>
@@ -4493,8 +5855,8 @@
         </p:nvSpPr>
         <p:spPr>
           <a:xfrm>
-            <a:off x="540000" y="1440000"/>
-            <a:ext cx="8999640" cy="4049640"/>
+            <a:off x="504000" y="1326600"/>
+            <a:ext cx="9072000" cy="3288600"/>
           </a:xfrm>
           <a:prstGeom prst="rect">
             <a:avLst/>
@@ -4517,12 +5879,12 @@
               <a:buChar char=""/>
             </a:pPr>
             <a:r>
-              <a:rPr b="0" lang="es-MX" sz="1800" spc="-1" strike="noStrike">
+              <a:rPr b="0" lang="es-MX" sz="3200" spc="-1" strike="noStrike">
                 <a:latin typeface="Arial"/>
               </a:rPr>
               <a:t>Pulse para editar el formato de texto del esquema</a:t>
             </a:r>
-            <a:endParaRPr b="0" lang="es-MX" sz="1800" spc="-1" strike="noStrike">
+            <a:endParaRPr b="0" lang="es-MX" sz="3200" spc="-1" strike="noStrike">
               <a:latin typeface="Arial"/>
             </a:endParaRPr>
           </a:p>
@@ -4539,12 +5901,12 @@
               <a:buChar char=""/>
             </a:pPr>
             <a:r>
-              <a:rPr b="0" lang="es-MX" sz="1800" spc="-1" strike="noStrike">
+              <a:rPr b="0" lang="es-MX" sz="2800" spc="-1" strike="noStrike">
                 <a:latin typeface="Arial"/>
               </a:rPr>
               <a:t>Segundo nivel del esquema</a:t>
             </a:r>
-            <a:endParaRPr b="0" lang="es-MX" sz="1800" spc="-1" strike="noStrike">
+            <a:endParaRPr b="0" lang="es-MX" sz="2800" spc="-1" strike="noStrike">
               <a:latin typeface="Arial"/>
             </a:endParaRPr>
           </a:p>
@@ -4561,12 +5923,12 @@
               <a:buChar char=""/>
             </a:pPr>
             <a:r>
-              <a:rPr b="0" lang="es-MX" sz="1800" spc="-1" strike="noStrike">
+              <a:rPr b="0" lang="es-MX" sz="2400" spc="-1" strike="noStrike">
                 <a:latin typeface="Arial"/>
               </a:rPr>
               <a:t>Tercer nivel del esquema</a:t>
             </a:r>
-            <a:endParaRPr b="0" lang="es-MX" sz="1800" spc="-1" strike="noStrike">
+            <a:endParaRPr b="0" lang="es-MX" sz="2400" spc="-1" strike="noStrike">
               <a:latin typeface="Arial"/>
             </a:endParaRPr>
           </a:p>
@@ -4583,12 +5945,12 @@
               <a:buChar char=""/>
             </a:pPr>
             <a:r>
-              <a:rPr b="0" lang="es-MX" sz="1800" spc="-1" strike="noStrike">
+              <a:rPr b="0" lang="es-MX" sz="2000" spc="-1" strike="noStrike">
                 <a:latin typeface="Arial"/>
               </a:rPr>
               <a:t>Cuarto nivel del esquema</a:t>
             </a:r>
-            <a:endParaRPr b="0" lang="es-MX" sz="1800" spc="-1" strike="noStrike">
+            <a:endParaRPr b="0" lang="es-MX" sz="2000" spc="-1" strike="noStrike">
               <a:latin typeface="Arial"/>
             </a:endParaRPr>
           </a:p>
@@ -4605,12 +5967,12 @@
               <a:buChar char=""/>
             </a:pPr>
             <a:r>
-              <a:rPr b="0" lang="es-MX" sz="1800" spc="-1" strike="noStrike">
+              <a:rPr b="0" lang="es-MX" sz="2000" spc="-1" strike="noStrike">
                 <a:latin typeface="Arial"/>
               </a:rPr>
               <a:t>Quinto nivel del esquema</a:t>
             </a:r>
-            <a:endParaRPr b="0" lang="es-MX" sz="1800" spc="-1" strike="noStrike">
+            <a:endParaRPr b="0" lang="es-MX" sz="2000" spc="-1" strike="noStrike">
               <a:latin typeface="Arial"/>
             </a:endParaRPr>
           </a:p>
@@ -4627,12 +5989,12 @@
               <a:buChar char=""/>
             </a:pPr>
             <a:r>
-              <a:rPr b="0" lang="es-MX" sz="1800" spc="-1" strike="noStrike">
+              <a:rPr b="0" lang="es-MX" sz="2000" spc="-1" strike="noStrike">
                 <a:latin typeface="Arial"/>
               </a:rPr>
               <a:t>Sexto nivel del esquema</a:t>
             </a:r>
-            <a:endParaRPr b="0" lang="es-MX" sz="1800" spc="-1" strike="noStrike">
+            <a:endParaRPr b="0" lang="es-MX" sz="2000" spc="-1" strike="noStrike">
               <a:latin typeface="Arial"/>
             </a:endParaRPr>
           </a:p>
@@ -4649,12 +6011,12 @@
               <a:buChar char=""/>
             </a:pPr>
             <a:r>
-              <a:rPr b="0" lang="es-MX" sz="1800" spc="-1" strike="noStrike">
+              <a:rPr b="0" lang="es-MX" sz="2000" spc="-1" strike="noStrike">
                 <a:latin typeface="Arial"/>
               </a:rPr>
               <a:t>Séptimo nivel del esquema</a:t>
             </a:r>
-            <a:endParaRPr b="0" lang="es-MX" sz="1800" spc="-1" strike="noStrike">
+            <a:endParaRPr b="0" lang="es-MX" sz="2000" spc="-1" strike="noStrike">
               <a:latin typeface="Arial"/>
             </a:endParaRPr>
           </a:p>
@@ -4706,7 +6068,7 @@
         <p:spPr>
           <a:xfrm flipV="1">
             <a:off x="0" y="-720"/>
-            <a:ext cx="10079640" cy="179640"/>
+            <a:ext cx="10079280" cy="179280"/>
           </a:xfrm>
           <a:prstGeom prst="rect">
             <a:avLst/>
@@ -4723,7 +6085,7 @@
             <a:noFill/>
           </a:ln>
           <a:effectLst>
-            <a:outerShdw dir="5400000" dist="10800">
+            <a:outerShdw dist="10800" dir="5400000">
               <a:srgbClr val="f49100"/>
             </a:outerShdw>
           </a:effectLst>
@@ -4744,7 +6106,7 @@
         <p:spPr>
           <a:xfrm>
             <a:off x="0" y="5580000"/>
-            <a:ext cx="10079640" cy="89640"/>
+            <a:ext cx="10079280" cy="89280"/>
           </a:xfrm>
           <a:prstGeom prst="rect">
             <a:avLst/>
@@ -4761,7 +6123,7 @@
             <a:noFill/>
           </a:ln>
           <a:effectLst>
-            <a:outerShdw dir="16200000" dist="10800">
+            <a:outerShdw dist="10800" dir="16200000">
               <a:srgbClr val="f49100"/>
             </a:outerShdw>
           </a:effectLst>
@@ -5005,6 +6367,305 @@
     <p:sldLayoutId id="2147483684" r:id="rId11"/>
     <p:sldLayoutId id="2147483685" r:id="rId12"/>
     <p:sldLayoutId id="2147483686" r:id="rId13"/>
+  </p:sldLayoutIdLst>
+</p:sldMaster>
+</file>
+
+<file path=ppt/slideMasters/slideMaster4.xml><?xml version="1.0" encoding="utf-8"?>
+<p:sldMaster xmlns:a="http://schemas.openxmlformats.org/drawingml/2006/main" xmlns:p="http://schemas.openxmlformats.org/presentationml/2006/main" xmlns:r="http://schemas.openxmlformats.org/officeDocument/2006/relationships" xmlns:p14="http://schemas.microsoft.com/office/powerpoint/2010/main" xmlns:p15="http://schemas.microsoft.com/office/powerpoint/2012/main" xmlns:mc="http://schemas.openxmlformats.org/markup-compatibility/2006">
+  <p:cSld>
+    <p:bg>
+      <p:bgPr>
+        <a:blipFill rotWithShape="0">
+          <a:blip r:embed="rId2"/>
+          <a:stretch/>
+        </a:blipFill>
+      </p:bgPr>
+    </p:bg>
+    <p:spTree>
+      <p:nvGrpSpPr>
+        <p:cNvPr id="1" name=""/>
+        <p:cNvGrpSpPr/>
+        <p:nvPr/>
+      </p:nvGrpSpPr>
+      <p:grpSpPr>
+        <a:xfrm>
+          <a:off x="0" y="0"/>
+          <a:ext cx="0" cy="0"/>
+          <a:chOff x="0" y="0"/>
+          <a:chExt cx="0" cy="0"/>
+        </a:xfrm>
+      </p:grpSpPr>
+      <p:sp>
+        <p:nvSpPr>
+          <p:cNvPr id="118" name="CustomShape 1"/>
+          <p:cNvSpPr/>
+          <p:nvPr/>
+        </p:nvSpPr>
+        <p:spPr>
+          <a:xfrm flipV="1">
+            <a:off x="0" y="-720"/>
+            <a:ext cx="10079280" cy="1079280"/>
+          </a:xfrm>
+          <a:prstGeom prst="rect">
+            <a:avLst/>
+          </a:prstGeom>
+          <a:pattFill prst="lgGrid">
+            <a:fgClr>
+              <a:srgbClr val="3465a4"/>
+            </a:fgClr>
+            <a:bgClr>
+              <a:srgbClr val="009eda"/>
+            </a:bgClr>
+          </a:pattFill>
+          <a:ln w="18000">
+            <a:noFill/>
+          </a:ln>
+          <a:effectLst>
+            <a:outerShdw dist="10800" dir="5400000">
+              <a:srgbClr val="f49100"/>
+            </a:outerShdw>
+          </a:effectLst>
+        </p:spPr>
+        <p:style>
+          <a:lnRef idx="0"/>
+          <a:fillRef idx="0"/>
+          <a:effectRef idx="0"/>
+          <a:fontRef idx="minor"/>
+        </p:style>
+      </p:sp>
+      <p:sp>
+        <p:nvSpPr>
+          <p:cNvPr id="119" name="PlaceHolder 2"/>
+          <p:cNvSpPr>
+            <a:spLocks noGrp="1"/>
+          </p:cNvSpPr>
+          <p:nvPr>
+            <p:ph type="title"/>
+          </p:nvPr>
+        </p:nvSpPr>
+        <p:spPr>
+          <a:xfrm>
+            <a:off x="504000" y="226080"/>
+            <a:ext cx="9072000" cy="946440"/>
+          </a:xfrm>
+          <a:prstGeom prst="rect">
+            <a:avLst/>
+          </a:prstGeom>
+        </p:spPr>
+        <p:txBody>
+          <a:bodyPr lIns="0" rIns="0" tIns="0" bIns="0" anchor="ctr">
+            <a:noAutofit/>
+          </a:bodyPr>
+          <a:p>
+            <a:pPr algn="ctr"/>
+            <a:r>
+              <a:rPr b="0" lang="es-MX" sz="4400" spc="-1" strike="noStrike">
+                <a:latin typeface="Arial"/>
+              </a:rPr>
+              <a:t>Pulse para editar el formato del texto de título</a:t>
+            </a:r>
+            <a:endParaRPr b="0" lang="es-MX" sz="4400" spc="-1" strike="noStrike">
+              <a:latin typeface="Arial"/>
+            </a:endParaRPr>
+          </a:p>
+        </p:txBody>
+      </p:sp>
+      <p:sp>
+        <p:nvSpPr>
+          <p:cNvPr id="120" name="PlaceHolder 3"/>
+          <p:cNvSpPr>
+            <a:spLocks noGrp="1"/>
+          </p:cNvSpPr>
+          <p:nvPr>
+            <p:ph type="body"/>
+          </p:nvPr>
+        </p:nvSpPr>
+        <p:spPr>
+          <a:xfrm>
+            <a:off x="504000" y="1326600"/>
+            <a:ext cx="9072000" cy="3288600"/>
+          </a:xfrm>
+          <a:prstGeom prst="rect">
+            <a:avLst/>
+          </a:prstGeom>
+        </p:spPr>
+        <p:txBody>
+          <a:bodyPr lIns="0" rIns="0" tIns="0" bIns="0">
+            <a:normAutofit/>
+          </a:bodyPr>
+          <a:p>
+            <a:pPr marL="432000" indent="-324000">
+              <a:spcBef>
+                <a:spcPts val="1417"/>
+              </a:spcBef>
+              <a:buClr>
+                <a:srgbClr val="000000"/>
+              </a:buClr>
+              <a:buSzPct val="45000"/>
+              <a:buFont typeface="Wingdings" charset="2"/>
+              <a:buChar char=""/>
+            </a:pPr>
+            <a:r>
+              <a:rPr b="0" lang="es-MX" sz="3200" spc="-1" strike="noStrike">
+                <a:latin typeface="Arial"/>
+              </a:rPr>
+              <a:t>Pulse para editar el formato de texto del esquema</a:t>
+            </a:r>
+            <a:endParaRPr b="0" lang="es-MX" sz="3200" spc="-1" strike="noStrike">
+              <a:latin typeface="Arial"/>
+            </a:endParaRPr>
+          </a:p>
+          <a:p>
+            <a:pPr lvl="1" marL="864000" indent="-324000">
+              <a:spcBef>
+                <a:spcPts val="1134"/>
+              </a:spcBef>
+              <a:buClr>
+                <a:srgbClr val="000000"/>
+              </a:buClr>
+              <a:buSzPct val="75000"/>
+              <a:buFont typeface="Symbol" charset="2"/>
+              <a:buChar char=""/>
+            </a:pPr>
+            <a:r>
+              <a:rPr b="0" lang="es-MX" sz="2800" spc="-1" strike="noStrike">
+                <a:latin typeface="Arial"/>
+              </a:rPr>
+              <a:t>Segundo nivel del esquema</a:t>
+            </a:r>
+            <a:endParaRPr b="0" lang="es-MX" sz="2800" spc="-1" strike="noStrike">
+              <a:latin typeface="Arial"/>
+            </a:endParaRPr>
+          </a:p>
+          <a:p>
+            <a:pPr lvl="2" marL="1296000" indent="-288000">
+              <a:spcBef>
+                <a:spcPts val="850"/>
+              </a:spcBef>
+              <a:buClr>
+                <a:srgbClr val="000000"/>
+              </a:buClr>
+              <a:buSzPct val="45000"/>
+              <a:buFont typeface="Wingdings" charset="2"/>
+              <a:buChar char=""/>
+            </a:pPr>
+            <a:r>
+              <a:rPr b="0" lang="es-MX" sz="2400" spc="-1" strike="noStrike">
+                <a:latin typeface="Arial"/>
+              </a:rPr>
+              <a:t>Tercer nivel del esquema</a:t>
+            </a:r>
+            <a:endParaRPr b="0" lang="es-MX" sz="2400" spc="-1" strike="noStrike">
+              <a:latin typeface="Arial"/>
+            </a:endParaRPr>
+          </a:p>
+          <a:p>
+            <a:pPr lvl="3" marL="1728000" indent="-216000">
+              <a:spcBef>
+                <a:spcPts val="567"/>
+              </a:spcBef>
+              <a:buClr>
+                <a:srgbClr val="000000"/>
+              </a:buClr>
+              <a:buSzPct val="75000"/>
+              <a:buFont typeface="Symbol" charset="2"/>
+              <a:buChar char=""/>
+            </a:pPr>
+            <a:r>
+              <a:rPr b="0" lang="es-MX" sz="2000" spc="-1" strike="noStrike">
+                <a:latin typeface="Arial"/>
+              </a:rPr>
+              <a:t>Cuarto nivel del esquema</a:t>
+            </a:r>
+            <a:endParaRPr b="0" lang="es-MX" sz="2000" spc="-1" strike="noStrike">
+              <a:latin typeface="Arial"/>
+            </a:endParaRPr>
+          </a:p>
+          <a:p>
+            <a:pPr lvl="4" marL="2160000" indent="-216000">
+              <a:spcBef>
+                <a:spcPts val="283"/>
+              </a:spcBef>
+              <a:buClr>
+                <a:srgbClr val="000000"/>
+              </a:buClr>
+              <a:buSzPct val="45000"/>
+              <a:buFont typeface="Wingdings" charset="2"/>
+              <a:buChar char=""/>
+            </a:pPr>
+            <a:r>
+              <a:rPr b="0" lang="es-MX" sz="2000" spc="-1" strike="noStrike">
+                <a:latin typeface="Arial"/>
+              </a:rPr>
+              <a:t>Quinto nivel del esquema</a:t>
+            </a:r>
+            <a:endParaRPr b="0" lang="es-MX" sz="2000" spc="-1" strike="noStrike">
+              <a:latin typeface="Arial"/>
+            </a:endParaRPr>
+          </a:p>
+          <a:p>
+            <a:pPr lvl="5" marL="2592000" indent="-216000">
+              <a:spcBef>
+                <a:spcPts val="283"/>
+              </a:spcBef>
+              <a:buClr>
+                <a:srgbClr val="000000"/>
+              </a:buClr>
+              <a:buSzPct val="45000"/>
+              <a:buFont typeface="Wingdings" charset="2"/>
+              <a:buChar char=""/>
+            </a:pPr>
+            <a:r>
+              <a:rPr b="0" lang="es-MX" sz="2000" spc="-1" strike="noStrike">
+                <a:latin typeface="Arial"/>
+              </a:rPr>
+              <a:t>Sexto nivel del esquema</a:t>
+            </a:r>
+            <a:endParaRPr b="0" lang="es-MX" sz="2000" spc="-1" strike="noStrike">
+              <a:latin typeface="Arial"/>
+            </a:endParaRPr>
+          </a:p>
+          <a:p>
+            <a:pPr lvl="6" marL="3024000" indent="-216000">
+              <a:spcBef>
+                <a:spcPts val="283"/>
+              </a:spcBef>
+              <a:buClr>
+                <a:srgbClr val="000000"/>
+              </a:buClr>
+              <a:buSzPct val="45000"/>
+              <a:buFont typeface="Wingdings" charset="2"/>
+              <a:buChar char=""/>
+            </a:pPr>
+            <a:r>
+              <a:rPr b="0" lang="es-MX" sz="2000" spc="-1" strike="noStrike">
+                <a:latin typeface="Arial"/>
+              </a:rPr>
+              <a:t>Séptimo nivel del esquema</a:t>
+            </a:r>
+            <a:endParaRPr b="0" lang="es-MX" sz="2000" spc="-1" strike="noStrike">
+              <a:latin typeface="Arial"/>
+            </a:endParaRPr>
+          </a:p>
+        </p:txBody>
+      </p:sp>
+    </p:spTree>
+  </p:cSld>
+  <p:clrMap bg1="lt1" bg2="lt2" tx1="dk1" tx2="dk2" accent1="accent1" accent2="accent2" accent3="accent3" accent4="accent4" accent5="accent5" accent6="accent6" hlink="hlink" folHlink="folHlink"/>
+  <p:sldLayoutIdLst>
+    <p:sldLayoutId id="2147483688" r:id="rId3"/>
+    <p:sldLayoutId id="2147483689" r:id="rId4"/>
+    <p:sldLayoutId id="2147483690" r:id="rId5"/>
+    <p:sldLayoutId id="2147483691" r:id="rId6"/>
+    <p:sldLayoutId id="2147483692" r:id="rId7"/>
+    <p:sldLayoutId id="2147483693" r:id="rId8"/>
+    <p:sldLayoutId id="2147483694" r:id="rId9"/>
+    <p:sldLayoutId id="2147483695" r:id="rId10"/>
+    <p:sldLayoutId id="2147483696" r:id="rId11"/>
+    <p:sldLayoutId id="2147483697" r:id="rId12"/>
+    <p:sldLayoutId id="2147483698" r:id="rId13"/>
+    <p:sldLayoutId id="2147483699" r:id="rId14"/>
   </p:sldLayoutIdLst>
 </p:sldMaster>
 </file>
@@ -5036,14 +6697,14 @@
       </p:grpSpPr>
       <p:sp>
         <p:nvSpPr>
-          <p:cNvPr id="118" name="CustomShape 1"/>
+          <p:cNvPr id="157" name="CustomShape 1"/>
           <p:cNvSpPr/>
           <p:nvPr/>
         </p:nvSpPr>
         <p:spPr>
           <a:xfrm>
             <a:off x="450000" y="270000"/>
-            <a:ext cx="8999640" cy="3239640"/>
+            <a:ext cx="8999280" cy="3239280"/>
           </a:xfrm>
           <a:prstGeom prst="rect">
             <a:avLst/>
@@ -5075,6 +6736,7 @@
                   <a:srgbClr val="04617b"/>
                 </a:solidFill>
                 <a:latin typeface="Source Sans Pro Light"/>
+                <a:ea typeface="DejaVu Sans"/>
               </a:rPr>
               <a:t>Unidad 3 Manejo de Funciones y Cadenas</a:t>
             </a:r>
@@ -5084,6 +6746,7 @@
                   <a:srgbClr val="04617b"/>
                 </a:solidFill>
                 <a:latin typeface="Source Sans Pro Light"/>
+                <a:ea typeface="DejaVu Sans"/>
               </a:rPr>
               <a:t>	</a:t>
             </a:r>
@@ -5095,14 +6758,14 @@
       </p:sp>
       <p:sp>
         <p:nvSpPr>
-          <p:cNvPr id="119" name="CustomShape 2"/>
+          <p:cNvPr id="158" name="CustomShape 2"/>
           <p:cNvSpPr/>
           <p:nvPr/>
         </p:nvSpPr>
         <p:spPr>
           <a:xfrm>
             <a:off x="450000" y="3870000"/>
-            <a:ext cx="8999640" cy="1169640"/>
+            <a:ext cx="8999280" cy="1169280"/>
           </a:xfrm>
           <a:prstGeom prst="rect">
             <a:avLst/>
@@ -5134,6 +6797,7 @@
                   <a:srgbClr val="dbf5f9"/>
                 </a:solidFill>
                 <a:latin typeface="Source Sans Pro"/>
+                <a:ea typeface="DejaVu Sans"/>
               </a:rPr>
               <a:t>3.1 Funciones</a:t>
             </a:r>
@@ -5175,14 +6839,14 @@
       </p:grpSpPr>
       <p:sp>
         <p:nvSpPr>
-          <p:cNvPr id="136" name="CustomShape 1"/>
+          <p:cNvPr id="175" name="CustomShape 1"/>
           <p:cNvSpPr/>
           <p:nvPr/>
         </p:nvSpPr>
         <p:spPr>
           <a:xfrm>
             <a:off x="540000" y="90000"/>
-            <a:ext cx="8999640" cy="989640"/>
+            <a:ext cx="8999280" cy="989280"/>
           </a:xfrm>
           <a:prstGeom prst="rect">
             <a:avLst/>
@@ -5200,7 +6864,7 @@
         </p:style>
         <p:txBody>
           <a:bodyPr lIns="0" rIns="0" tIns="0" bIns="0" anchor="b">
-            <a:normAutofit/>
+            <a:normAutofit fontScale="34000"/>
           </a:bodyPr>
           <a:p>
             <a:pPr>
@@ -5214,8 +6878,9 @@
                   <a:srgbClr val="ffffff"/>
                 </a:solidFill>
                 <a:latin typeface="Source Sans Pro Light"/>
-              </a:rPr>
-              <a:t>Referencias</a:t>
+                <a:ea typeface="DejaVu Sans"/>
+              </a:rPr>
+              <a:t>3.1.7 Definición de recursividad, funciones recursivas</a:t>
             </a:r>
             <a:endParaRPr b="0" lang="es-MX" sz="4500" spc="-1" strike="noStrike">
               <a:latin typeface="Arial"/>
@@ -5225,14 +6890,14 @@
       </p:sp>
       <p:sp>
         <p:nvSpPr>
-          <p:cNvPr id="137" name="CustomShape 2"/>
+          <p:cNvPr id="176" name="CustomShape 2"/>
           <p:cNvSpPr/>
           <p:nvPr/>
         </p:nvSpPr>
         <p:spPr>
           <a:xfrm>
             <a:off x="540000" y="1440000"/>
-            <a:ext cx="8999640" cy="3509640"/>
+            <a:ext cx="8999280" cy="3509280"/>
           </a:xfrm>
           <a:prstGeom prst="rect">
             <a:avLst/>
@@ -5253,50 +6918,70 @@
             <a:normAutofit/>
           </a:bodyPr>
           <a:p>
-            <a:pPr marL="432000" indent="-323640">
+            <a:pPr>
               <a:lnSpc>
                 <a:spcPct val="100000"/>
               </a:lnSpc>
-              <a:spcAft>
-                <a:spcPts val="1054"/>
-              </a:spcAft>
-              <a:buClr>
-                <a:srgbClr val="009eda"/>
-              </a:buClr>
-              <a:buSzPct val="45000"/>
-              <a:buFont typeface="Wingdings" charset="2"/>
-              <a:buChar char=""/>
             </a:pPr>
             <a:r>
               <a:rPr b="0" lang="de-AT" sz="2400" spc="-1" strike="noStrike">
+                <a:solidFill>
+                  <a:srgbClr val="000000"/>
+                </a:solidFill>
                 <a:latin typeface="Source Sans Pro"/>
-              </a:rPr>
-              <a:t>[1] García, F., &amp; Carretero, J., &amp; Fernández, J., &amp; Calderón, A. (2002). El Lenguaje de Programación C. Diseño e Implementación de Programas (1/a edición). Pearson Educación.</a:t>
+                <a:ea typeface="DejaVu Sans"/>
+              </a:rPr>
+              <a:t>([2], pág. 85) </a:t>
+            </a:r>
+            <a:r>
+              <a:rPr b="0" lang="de-AT" sz="2400" spc="-1" strike="noStrike">
+                <a:solidFill>
+                  <a:srgbClr val="000000"/>
+                </a:solidFill>
+                <a:latin typeface="URWBookmanL-Ligh"/>
+                <a:ea typeface="DejaVu Sans"/>
+              </a:rPr>
+              <a:t>Cada función al comenzar a ejecutarse crea en la pila un espacio para sus variables, por esta razón, no hay ningún problema para que una función llame a otra función. “Es más, tampoco hay ningún problema si una función se llama a sí misma. Se dice entonces que </a:t>
             </a:r>
             <a:endParaRPr b="0" lang="es-MX" sz="2400" spc="-1" strike="noStrike">
               <a:latin typeface="Arial"/>
             </a:endParaRPr>
           </a:p>
           <a:p>
-            <a:pPr marL="432000" indent="-323640">
+            <a:pPr>
               <a:lnSpc>
                 <a:spcPct val="100000"/>
               </a:lnSpc>
-              <a:spcAft>
-                <a:spcPts val="1054"/>
-              </a:spcAft>
-              <a:buClr>
-                <a:srgbClr val="009eda"/>
-              </a:buClr>
-              <a:buSzPct val="45000"/>
-              <a:buFont typeface="Wingdings" charset="2"/>
-              <a:buChar char=""/>
             </a:pPr>
             <a:r>
               <a:rPr b="0" lang="de-AT" sz="2400" spc="-1" strike="noStrike">
-                <a:latin typeface="Source Sans Pro"/>
-              </a:rPr>
-              <a:t>[2] Schildt, H. (2001). C Manual de referencia (4/a edición). Mc Graw Hill. </a:t>
+                <a:solidFill>
+                  <a:srgbClr val="000000"/>
+                </a:solidFill>
+                <a:latin typeface="URWBookmanL-Ligh"/>
+                <a:ea typeface="DejaVu Sans"/>
+              </a:rPr>
+              <a:t>esa función es una </a:t>
+            </a:r>
+            <a:r>
+              <a:rPr b="0" lang="de-AT" sz="2400" spc="-1" strike="noStrike">
+                <a:solidFill>
+                  <a:srgbClr val="000000"/>
+                </a:solidFill>
+                <a:latin typeface="URWBookmanL-Ligh"/>
+                <a:ea typeface="DejaVu Sans"/>
+              </a:rPr>
+              <a:t>función recursiva</a:t>
+            </a:r>
+            <a:r>
+              <a:rPr b="0" lang="de-AT" sz="2400" spc="-1" strike="noStrike">
+                <a:solidFill>
+                  <a:srgbClr val="000000"/>
+                </a:solidFill>
+                <a:latin typeface="URWBookmanL-Ligh"/>
+                <a:ea typeface="DejaVu Sans"/>
+              </a:rPr>
+              <a:t>.”</a:t>
             </a:r>
             <a:endParaRPr b="0" lang="es-MX" sz="2400" spc="-1" strike="noStrike">
               <a:latin typeface="Arial"/>
@@ -5336,14 +7021,997 @@
       </p:grpSpPr>
       <p:sp>
         <p:nvSpPr>
-          <p:cNvPr id="138" name="CustomShape 1"/>
+          <p:cNvPr id="177" name="CustomShape 1"/>
           <p:cNvSpPr/>
           <p:nvPr/>
         </p:nvSpPr>
         <p:spPr>
           <a:xfrm>
+            <a:off x="540000" y="90000"/>
+            <a:ext cx="8999280" cy="989280"/>
+          </a:xfrm>
+          <a:prstGeom prst="rect">
+            <a:avLst/>
+          </a:prstGeom>
+          <a:noFill/>
+          <a:ln w="0">
+            <a:noFill/>
+          </a:ln>
+        </p:spPr>
+        <p:style>
+          <a:lnRef idx="0"/>
+          <a:fillRef idx="0"/>
+          <a:effectRef idx="0"/>
+          <a:fontRef idx="minor"/>
+        </p:style>
+        <p:txBody>
+          <a:bodyPr lIns="0" rIns="0" tIns="0" bIns="0" anchor="b">
+            <a:normAutofit fontScale="63000"/>
+          </a:bodyPr>
+          <a:p>
+            <a:pPr>
+              <a:lnSpc>
+                <a:spcPct val="100000"/>
+              </a:lnSpc>
+            </a:pPr>
+            <a:r>
+              <a:rPr b="0" lang="de-AT" sz="4500" spc="-1" strike="noStrike">
+                <a:solidFill>
+                  <a:srgbClr val="ffffff"/>
+                </a:solidFill>
+                <a:latin typeface="Source Sans Pro Light"/>
+                <a:ea typeface="DejaVu Sans"/>
+              </a:rPr>
+              <a:t>Ejemplos de funciones recursivas</a:t>
+            </a:r>
+            <a:endParaRPr b="0" lang="es-MX" sz="4500" spc="-1" strike="noStrike">
+              <a:latin typeface="Arial"/>
+            </a:endParaRPr>
+          </a:p>
+        </p:txBody>
+      </p:sp>
+      <p:sp>
+        <p:nvSpPr>
+          <p:cNvPr id="178" name="CustomShape 2"/>
+          <p:cNvSpPr/>
+          <p:nvPr/>
+        </p:nvSpPr>
+        <p:spPr>
+          <a:xfrm>
+            <a:off x="540000" y="1440000"/>
+            <a:ext cx="8999280" cy="3509280"/>
+          </a:xfrm>
+          <a:prstGeom prst="rect">
+            <a:avLst/>
+          </a:prstGeom>
+          <a:noFill/>
+          <a:ln w="0">
+            <a:noFill/>
+          </a:ln>
+        </p:spPr>
+        <p:style>
+          <a:lnRef idx="0"/>
+          <a:fillRef idx="0"/>
+          <a:effectRef idx="0"/>
+          <a:fontRef idx="minor"/>
+        </p:style>
+        <p:txBody>
+          <a:bodyPr lIns="0" rIns="0" tIns="0" bIns="0">
+            <a:normAutofit fontScale="81000"/>
+          </a:bodyPr>
+          <a:p>
+            <a:pPr>
+              <a:lnSpc>
+                <a:spcPct val="100000"/>
+              </a:lnSpc>
+            </a:pPr>
+            <a:r>
+              <a:rPr b="0" lang="de-AT" sz="1800" spc="-1" strike="noStrike">
+                <a:solidFill>
+                  <a:srgbClr val="000000"/>
+                </a:solidFill>
+                <a:latin typeface="Source Sans Pro"/>
+                <a:ea typeface="DejaVu Sans"/>
+              </a:rPr>
+              <a:t>([2], pág. 85)El ejemplo más sencillo es el factorial de un número, que puede definirse mediante un algoritmo recursivo como:</a:t>
+            </a:r>
+            <a:endParaRPr b="0" lang="es-MX" sz="1800" spc="-1" strike="noStrike">
+              <a:latin typeface="Arial"/>
+            </a:endParaRPr>
+          </a:p>
+          <a:p>
+            <a:pPr>
+              <a:lnSpc>
+                <a:spcPct val="100000"/>
+              </a:lnSpc>
+            </a:pPr>
+            <a:endParaRPr b="0" lang="es-MX" sz="1800" spc="-1" strike="noStrike">
+              <a:latin typeface="Arial"/>
+            </a:endParaRPr>
+          </a:p>
+          <a:p>
+            <a:pPr>
+              <a:lnSpc>
+                <a:spcPct val="100000"/>
+              </a:lnSpc>
+            </a:pPr>
+            <a:endParaRPr b="0" lang="es-MX" sz="1800" spc="-1" strike="noStrike">
+              <a:latin typeface="Arial"/>
+            </a:endParaRPr>
+          </a:p>
+          <a:p>
+            <a:pPr>
+              <a:lnSpc>
+                <a:spcPct val="100000"/>
+              </a:lnSpc>
+            </a:pPr>
+            <a:endParaRPr b="0" lang="es-MX" sz="1800" spc="-1" strike="noStrike">
+              <a:latin typeface="Arial"/>
+            </a:endParaRPr>
+          </a:p>
+          <a:p>
+            <a:pPr>
+              <a:lnSpc>
+                <a:spcPct val="100000"/>
+              </a:lnSpc>
+            </a:pPr>
+            <a:r>
+              <a:rPr b="0" lang="de-AT" sz="1800" spc="-1" strike="noStrike">
+                <a:solidFill>
+                  <a:srgbClr val="000000"/>
+                </a:solidFill>
+                <a:latin typeface="t1xbtt"/>
+                <a:ea typeface="DejaVu Sans"/>
+              </a:rPr>
+              <a:t>long int </a:t>
+            </a:r>
+            <a:r>
+              <a:rPr b="0" lang="de-AT" sz="1800" spc="-1" strike="noStrike">
+                <a:solidFill>
+                  <a:srgbClr val="000000"/>
+                </a:solidFill>
+                <a:latin typeface="t1xtt"/>
+                <a:ea typeface="DejaVu Sans"/>
+              </a:rPr>
+              <a:t>Factorial(</a:t>
+            </a:r>
+            <a:r>
+              <a:rPr b="0" lang="de-AT" sz="1800" spc="-1" strike="noStrike">
+                <a:solidFill>
+                  <a:srgbClr val="000000"/>
+                </a:solidFill>
+                <a:latin typeface="t1xbtt"/>
+                <a:ea typeface="DejaVu Sans"/>
+              </a:rPr>
+              <a:t>long int </a:t>
+            </a:r>
+            <a:r>
+              <a:rPr b="0" lang="de-AT" sz="1800" spc="-1" strike="noStrike">
+                <a:solidFill>
+                  <a:srgbClr val="000000"/>
+                </a:solidFill>
+                <a:latin typeface="t1xtt"/>
+                <a:ea typeface="DejaVu Sans"/>
+              </a:rPr>
+              <a:t>n)</a:t>
+            </a:r>
+            <a:endParaRPr b="0" lang="es-MX" sz="1800" spc="-1" strike="noStrike">
+              <a:latin typeface="Arial"/>
+            </a:endParaRPr>
+          </a:p>
+          <a:p>
+            <a:pPr>
+              <a:lnSpc>
+                <a:spcPct val="100000"/>
+              </a:lnSpc>
+            </a:pPr>
+            <a:r>
+              <a:rPr b="0" lang="de-AT" sz="1800" spc="-1" strike="noStrike">
+                <a:solidFill>
+                  <a:srgbClr val="000000"/>
+                </a:solidFill>
+                <a:latin typeface="URWBookmanL-Ligh"/>
+                <a:ea typeface="DejaVu Sans"/>
+              </a:rPr>
+              <a:t> </a:t>
+            </a:r>
+            <a:r>
+              <a:rPr b="0" lang="de-AT" sz="1800" spc="-1" strike="noStrike">
+                <a:solidFill>
+                  <a:srgbClr val="000000"/>
+                </a:solidFill>
+                <a:latin typeface="t1xtt"/>
+                <a:ea typeface="DejaVu Sans"/>
+              </a:rPr>
+              <a:t>{</a:t>
+            </a:r>
+            <a:endParaRPr b="0" lang="es-MX" sz="1800" spc="-1" strike="noStrike">
+              <a:latin typeface="Arial"/>
+            </a:endParaRPr>
+          </a:p>
+          <a:p>
+            <a:pPr>
+              <a:lnSpc>
+                <a:spcPct val="100000"/>
+              </a:lnSpc>
+            </a:pPr>
+            <a:r>
+              <a:rPr b="0" lang="de-AT" sz="1800" spc="-1" strike="noStrike">
+                <a:solidFill>
+                  <a:srgbClr val="000000"/>
+                </a:solidFill>
+                <a:latin typeface="t1xbtt"/>
+                <a:ea typeface="DejaVu Sans"/>
+              </a:rPr>
+              <a:t>   </a:t>
+            </a:r>
+            <a:r>
+              <a:rPr b="0" lang="de-AT" sz="1800" spc="-1" strike="noStrike">
+                <a:solidFill>
+                  <a:srgbClr val="000000"/>
+                </a:solidFill>
+                <a:latin typeface="t1xbtt"/>
+                <a:ea typeface="DejaVu Sans"/>
+              </a:rPr>
+              <a:t>long int </a:t>
+            </a:r>
+            <a:r>
+              <a:rPr b="0" lang="de-AT" sz="1800" spc="-1" strike="noStrike">
+                <a:solidFill>
+                  <a:srgbClr val="000000"/>
+                </a:solidFill>
+                <a:latin typeface="t1xtt"/>
+                <a:ea typeface="DejaVu Sans"/>
+              </a:rPr>
+              <a:t>fact;</a:t>
+            </a:r>
+            <a:endParaRPr b="0" lang="es-MX" sz="1800" spc="-1" strike="noStrike">
+              <a:latin typeface="Arial"/>
+            </a:endParaRPr>
+          </a:p>
+          <a:p>
+            <a:pPr>
+              <a:lnSpc>
+                <a:spcPct val="100000"/>
+              </a:lnSpc>
+            </a:pPr>
+            <a:r>
+              <a:rPr b="0" lang="de-AT" sz="1800" spc="-1" strike="noStrike">
+                <a:solidFill>
+                  <a:srgbClr val="000000"/>
+                </a:solidFill>
+                <a:latin typeface="t1xbtt"/>
+                <a:ea typeface="DejaVu Sans"/>
+              </a:rPr>
+              <a:t>   </a:t>
+            </a:r>
+            <a:r>
+              <a:rPr b="0" lang="de-AT" sz="1800" spc="-1" strike="noStrike">
+                <a:solidFill>
+                  <a:srgbClr val="000000"/>
+                </a:solidFill>
+                <a:latin typeface="t1xbtt"/>
+                <a:ea typeface="DejaVu Sans"/>
+              </a:rPr>
+              <a:t>if</a:t>
+            </a:r>
+            <a:r>
+              <a:rPr b="0" lang="de-AT" sz="1800" spc="-1" strike="noStrike">
+                <a:solidFill>
+                  <a:srgbClr val="000000"/>
+                </a:solidFill>
+                <a:latin typeface="t1xtt"/>
+                <a:ea typeface="DejaVu Sans"/>
+              </a:rPr>
+              <a:t>(n == 0){</a:t>
+            </a:r>
+            <a:endParaRPr b="0" lang="es-MX" sz="1800" spc="-1" strike="noStrike">
+              <a:latin typeface="Arial"/>
+            </a:endParaRPr>
+          </a:p>
+          <a:p>
+            <a:pPr>
+              <a:lnSpc>
+                <a:spcPct val="100000"/>
+              </a:lnSpc>
+            </a:pPr>
+            <a:r>
+              <a:rPr b="0" lang="de-AT" sz="1800" spc="-1" strike="noStrike">
+                <a:solidFill>
+                  <a:srgbClr val="000000"/>
+                </a:solidFill>
+                <a:latin typeface="URWBookmanL-Ligh"/>
+                <a:ea typeface="DejaVu Sans"/>
+              </a:rPr>
+              <a:t>       </a:t>
+            </a:r>
+            <a:r>
+              <a:rPr b="0" lang="de-AT" sz="1800" spc="-1" strike="noStrike">
+                <a:solidFill>
+                  <a:srgbClr val="000000"/>
+                </a:solidFill>
+                <a:latin typeface="t1xtt"/>
+                <a:ea typeface="DejaVu Sans"/>
+              </a:rPr>
+              <a:t>fact = 1;</a:t>
+            </a:r>
+            <a:endParaRPr b="0" lang="es-MX" sz="1800" spc="-1" strike="noStrike">
+              <a:latin typeface="Arial"/>
+            </a:endParaRPr>
+          </a:p>
+          <a:p>
+            <a:pPr>
+              <a:lnSpc>
+                <a:spcPct val="100000"/>
+              </a:lnSpc>
+            </a:pPr>
+            <a:r>
+              <a:rPr b="0" lang="de-AT" sz="1800" spc="-1" strike="noStrike">
+                <a:solidFill>
+                  <a:srgbClr val="000000"/>
+                </a:solidFill>
+                <a:latin typeface="t1xtt"/>
+                <a:ea typeface="DejaVu Sans"/>
+              </a:rPr>
+              <a:t>   </a:t>
+            </a:r>
+            <a:r>
+              <a:rPr b="0" lang="de-AT" sz="1800" spc="-1" strike="noStrike">
+                <a:solidFill>
+                  <a:srgbClr val="000000"/>
+                </a:solidFill>
+                <a:latin typeface="t1xtt"/>
+                <a:ea typeface="DejaVu Sans"/>
+              </a:rPr>
+              <a:t>}</a:t>
+            </a:r>
+            <a:r>
+              <a:rPr b="0" lang="de-AT" sz="1800" spc="-1" strike="noStrike">
+                <a:solidFill>
+                  <a:srgbClr val="000000"/>
+                </a:solidFill>
+                <a:latin typeface="t1xbtt"/>
+                <a:ea typeface="DejaVu Sans"/>
+              </a:rPr>
+              <a:t>else</a:t>
+            </a:r>
+            <a:r>
+              <a:rPr b="0" lang="de-AT" sz="1800" spc="-1" strike="noStrike">
+                <a:solidFill>
+                  <a:srgbClr val="000000"/>
+                </a:solidFill>
+                <a:latin typeface="t1xtt"/>
+                <a:ea typeface="DejaVu Sans"/>
+              </a:rPr>
+              <a:t>{</a:t>
+            </a:r>
+            <a:endParaRPr b="0" lang="es-MX" sz="1800" spc="-1" strike="noStrike">
+              <a:latin typeface="Arial"/>
+            </a:endParaRPr>
+          </a:p>
+          <a:p>
+            <a:pPr>
+              <a:lnSpc>
+                <a:spcPct val="100000"/>
+              </a:lnSpc>
+            </a:pPr>
+            <a:r>
+              <a:rPr b="0" lang="de-AT" sz="1800" spc="-1" strike="noStrike">
+                <a:solidFill>
+                  <a:srgbClr val="000000"/>
+                </a:solidFill>
+                <a:latin typeface="URWBookmanL-Ligh"/>
+                <a:ea typeface="DejaVu Sans"/>
+              </a:rPr>
+              <a:t>       </a:t>
+            </a:r>
+            <a:r>
+              <a:rPr b="0" lang="de-AT" sz="1800" spc="-1" strike="noStrike">
+                <a:solidFill>
+                  <a:srgbClr val="000000"/>
+                </a:solidFill>
+                <a:latin typeface="t1xtt"/>
+                <a:ea typeface="DejaVu Sans"/>
+              </a:rPr>
+              <a:t>fact = n * Factorial(n-1);</a:t>
+            </a:r>
+            <a:endParaRPr b="0" lang="es-MX" sz="1800" spc="-1" strike="noStrike">
+              <a:latin typeface="Arial"/>
+            </a:endParaRPr>
+          </a:p>
+          <a:p>
+            <a:pPr>
+              <a:lnSpc>
+                <a:spcPct val="100000"/>
+              </a:lnSpc>
+            </a:pPr>
+            <a:r>
+              <a:rPr b="0" lang="de-AT" sz="1800" spc="-1" strike="noStrike">
+                <a:solidFill>
+                  <a:srgbClr val="000000"/>
+                </a:solidFill>
+                <a:latin typeface="Source Sans Pro"/>
+                <a:ea typeface="DejaVu Sans"/>
+              </a:rPr>
+              <a:t>   </a:t>
+            </a:r>
+            <a:r>
+              <a:rPr b="0" lang="de-AT" sz="1800" spc="-1" strike="noStrike">
+                <a:solidFill>
+                  <a:srgbClr val="000000"/>
+                </a:solidFill>
+                <a:latin typeface="Source Sans Pro"/>
+                <a:ea typeface="DejaVu Sans"/>
+              </a:rPr>
+              <a:t>}</a:t>
+            </a:r>
+            <a:endParaRPr b="0" lang="es-MX" sz="1800" spc="-1" strike="noStrike">
+              <a:latin typeface="t1xtt"/>
+            </a:endParaRPr>
+          </a:p>
+          <a:p>
+            <a:pPr>
+              <a:lnSpc>
+                <a:spcPct val="100000"/>
+              </a:lnSpc>
+            </a:pPr>
+            <a:r>
+              <a:rPr b="0" lang="de-AT" sz="1800" spc="-1" strike="noStrike">
+                <a:solidFill>
+                  <a:srgbClr val="000000"/>
+                </a:solidFill>
+                <a:latin typeface="URWBookmanL-Ligh"/>
+                <a:ea typeface="DejaVu Sans"/>
+              </a:rPr>
+              <a:t>    </a:t>
+            </a:r>
+            <a:r>
+              <a:rPr b="0" lang="de-AT" sz="1800" spc="-1" strike="noStrike">
+                <a:solidFill>
+                  <a:srgbClr val="000000"/>
+                </a:solidFill>
+                <a:latin typeface="t1xbtt"/>
+                <a:ea typeface="DejaVu Sans"/>
+              </a:rPr>
+              <a:t>return </a:t>
+            </a:r>
+            <a:r>
+              <a:rPr b="0" lang="de-AT" sz="1800" spc="-1" strike="noStrike">
+                <a:solidFill>
+                  <a:srgbClr val="000000"/>
+                </a:solidFill>
+                <a:latin typeface="t1xtt"/>
+                <a:ea typeface="DejaVu Sans"/>
+              </a:rPr>
+              <a:t>fact;</a:t>
+            </a:r>
+            <a:endParaRPr b="0" lang="es-MX" sz="1800" spc="-1" strike="noStrike">
+              <a:latin typeface="Arial"/>
+            </a:endParaRPr>
+          </a:p>
+          <a:p>
+            <a:pPr>
+              <a:lnSpc>
+                <a:spcPct val="100000"/>
+              </a:lnSpc>
+            </a:pPr>
+            <a:r>
+              <a:rPr b="0" lang="de-AT" sz="1800" spc="-1" strike="noStrike">
+                <a:solidFill>
+                  <a:srgbClr val="000000"/>
+                </a:solidFill>
+                <a:latin typeface="Source Sans Pro"/>
+                <a:ea typeface="DejaVu Sans"/>
+              </a:rPr>
+              <a:t>}</a:t>
+            </a:r>
+            <a:endParaRPr b="0" lang="es-MX" sz="1800" spc="-1" strike="noStrike">
+              <a:latin typeface="t1xtt"/>
+            </a:endParaRPr>
+          </a:p>
+          <a:p>
+            <a:pPr>
+              <a:lnSpc>
+                <a:spcPct val="100000"/>
+              </a:lnSpc>
+            </a:pPr>
+            <a:endParaRPr b="0" lang="es-MX" sz="1800" spc="-1" strike="noStrike">
+              <a:latin typeface="Arial"/>
+            </a:endParaRPr>
+          </a:p>
+        </p:txBody>
+      </p:sp>
+      <p:pic>
+        <p:nvPicPr>
+          <p:cNvPr id="179" name="" descr=""/>
+          <p:cNvPicPr/>
+          <p:nvPr/>
+        </p:nvPicPr>
+        <p:blipFill>
+          <a:blip r:embed="rId1"/>
+          <a:stretch/>
+        </p:blipFill>
+        <p:spPr>
+          <a:xfrm>
+            <a:off x="1007280" y="1891800"/>
+            <a:ext cx="6552720" cy="628200"/>
+          </a:xfrm>
+          <a:prstGeom prst="rect">
+            <a:avLst/>
+          </a:prstGeom>
+          <a:ln w="0">
+            <a:noFill/>
+          </a:ln>
+        </p:spPr>
+      </p:pic>
+    </p:spTree>
+  </p:cSld>
+  <mc:AlternateContent>
+    <mc:Choice Requires="p14">
+      <p:transition spd="slow" p14:dur="2000"/>
+    </mc:Choice>
+    <mc:Fallback>
+      <p:transition spd="slow"/>
+    </mc:Fallback>
+  </mc:AlternateContent>
+</p:sld>
+</file>
+
+<file path=ppt/slides/slide12.xml><?xml version="1.0" encoding="utf-8"?>
+<p:sld xmlns:a="http://schemas.openxmlformats.org/drawingml/2006/main" xmlns:p="http://schemas.openxmlformats.org/presentationml/2006/main" xmlns:r="http://schemas.openxmlformats.org/officeDocument/2006/relationships" xmlns:p14="http://schemas.microsoft.com/office/powerpoint/2010/main" xmlns:p15="http://schemas.microsoft.com/office/powerpoint/2012/main" xmlns:mc="http://schemas.openxmlformats.org/markup-compatibility/2006">
+  <p:cSld>
+    <p:spTree>
+      <p:nvGrpSpPr>
+        <p:cNvPr id="1" name=""/>
+        <p:cNvGrpSpPr/>
+        <p:nvPr/>
+      </p:nvGrpSpPr>
+      <p:grpSpPr>
+        <a:xfrm>
+          <a:off x="0" y="0"/>
+          <a:ext cx="0" cy="0"/>
+          <a:chOff x="0" y="0"/>
+          <a:chExt cx="0" cy="0"/>
+        </a:xfrm>
+      </p:grpSpPr>
+      <p:sp>
+        <p:nvSpPr>
+          <p:cNvPr id="180" name="CustomShape 1"/>
+          <p:cNvSpPr/>
+          <p:nvPr/>
+        </p:nvSpPr>
+        <p:spPr>
+          <a:xfrm>
+            <a:off x="540000" y="90000"/>
+            <a:ext cx="8999280" cy="989280"/>
+          </a:xfrm>
+          <a:prstGeom prst="rect">
+            <a:avLst/>
+          </a:prstGeom>
+          <a:noFill/>
+          <a:ln w="0">
+            <a:noFill/>
+          </a:ln>
+        </p:spPr>
+        <p:style>
+          <a:lnRef idx="0"/>
+          <a:fillRef idx="0"/>
+          <a:effectRef idx="0"/>
+          <a:fontRef idx="minor"/>
+        </p:style>
+        <p:txBody>
+          <a:bodyPr lIns="0" rIns="0" tIns="0" bIns="0" anchor="b">
+            <a:normAutofit fontScale="63000"/>
+          </a:bodyPr>
+          <a:p>
+            <a:pPr>
+              <a:lnSpc>
+                <a:spcPct val="100000"/>
+              </a:lnSpc>
+            </a:pPr>
+            <a:r>
+              <a:rPr b="0" lang="de-AT" sz="4500" spc="-1" strike="noStrike">
+                <a:solidFill>
+                  <a:srgbClr val="ffffff"/>
+                </a:solidFill>
+                <a:latin typeface="Source Sans Pro Light"/>
+                <a:ea typeface="DejaVu Sans"/>
+              </a:rPr>
+              <a:t>Aspectos a considerar respecto a las funciones recursivas</a:t>
+            </a:r>
+            <a:endParaRPr b="0" lang="es-MX" sz="4500" spc="-1" strike="noStrike">
+              <a:latin typeface="Arial"/>
+            </a:endParaRPr>
+          </a:p>
+        </p:txBody>
+      </p:sp>
+      <p:sp>
+        <p:nvSpPr>
+          <p:cNvPr id="181" name="CustomShape 2"/>
+          <p:cNvSpPr/>
+          <p:nvPr/>
+        </p:nvSpPr>
+        <p:spPr>
+          <a:xfrm>
+            <a:off x="540000" y="1440000"/>
+            <a:ext cx="8999280" cy="3509280"/>
+          </a:xfrm>
+          <a:prstGeom prst="rect">
+            <a:avLst/>
+          </a:prstGeom>
+          <a:noFill/>
+          <a:ln w="0">
+            <a:noFill/>
+          </a:ln>
+        </p:spPr>
+        <p:style>
+          <a:lnRef idx="0"/>
+          <a:fillRef idx="0"/>
+          <a:effectRef idx="0"/>
+          <a:fontRef idx="minor"/>
+        </p:style>
+        <p:txBody>
+          <a:bodyPr lIns="0" rIns="0" tIns="0" bIns="0">
+            <a:normAutofit/>
+          </a:bodyPr>
+          <a:p>
+            <a:pPr>
+              <a:lnSpc>
+                <a:spcPct val="100000"/>
+              </a:lnSpc>
+            </a:pPr>
+            <a:endParaRPr b="0" lang="es-MX" sz="1800" spc="-1" strike="noStrike">
+              <a:latin typeface="Arial"/>
+            </a:endParaRPr>
+          </a:p>
+          <a:p>
+            <a:pPr algn="just"/>
+            <a:r>
+              <a:rPr b="0" lang="de-AT" sz="1800" spc="-1" strike="noStrike">
+                <a:solidFill>
+                  <a:srgbClr val="000000"/>
+                </a:solidFill>
+                <a:latin typeface="URWBookmanL-Ligh"/>
+                <a:ea typeface="DejaVu Sans"/>
+              </a:rPr>
+              <a:t>* Mientras se están evaluando las sucesivas llamadas, existen múltiples instancias de la misma función ejecutándose “a la vez”. El código a ejecutar es el mismo, pero los argumentos son distintos.</a:t>
+            </a:r>
+            <a:endParaRPr b="0" lang="es-MX" sz="1800" spc="-1" strike="noStrike">
+              <a:latin typeface="Arial"/>
+            </a:endParaRPr>
+          </a:p>
+          <a:p>
+            <a:pPr algn="just"/>
+            <a:r>
+              <a:rPr b="0" lang="de-AT" sz="1800" spc="-1" strike="noStrike">
+                <a:solidFill>
+                  <a:srgbClr val="000000"/>
+                </a:solidFill>
+                <a:latin typeface="URWBookmanL-Ligh"/>
+                <a:ea typeface="DejaVu Sans"/>
+              </a:rPr>
+              <a:t>* El proceso necesita gran cantidad de memoria para almacenar en la pila los argumentos y las variables locales. Además, las sucesivas llamadas recursivas a la función consumen tiempo de CPU, por lo que el proceso es </a:t>
+            </a:r>
+            <a:r>
+              <a:rPr b="0" lang="de-AT" sz="1800" spc="-1" strike="noStrike">
+                <a:solidFill>
+                  <a:srgbClr val="000000"/>
+                </a:solidFill>
+                <a:latin typeface="URWBookmanL-DemiBold"/>
+                <a:ea typeface="DejaVu Sans"/>
+              </a:rPr>
+              <a:t>ineficiente</a:t>
+            </a:r>
+            <a:r>
+              <a:rPr b="0" lang="de-AT" sz="1800" spc="-1" strike="noStrike">
+                <a:solidFill>
+                  <a:srgbClr val="000000"/>
+                </a:solidFill>
+                <a:latin typeface="URWBookmanL-Ligh"/>
+                <a:ea typeface="DejaVu Sans"/>
+              </a:rPr>
+              <a:t>.</a:t>
+            </a:r>
+            <a:endParaRPr b="0" lang="es-MX" sz="1800" spc="-1" strike="noStrike">
+              <a:latin typeface="Arial"/>
+            </a:endParaRPr>
+          </a:p>
+          <a:p>
+            <a:r>
+              <a:rPr b="0" lang="de-AT" sz="1800" spc="-1" strike="noStrike">
+                <a:solidFill>
+                  <a:srgbClr val="000000"/>
+                </a:solidFill>
+                <a:latin typeface="URWBookmanL-Ligh"/>
+                <a:ea typeface="DejaVu Sans"/>
+              </a:rPr>
+              <a:t>* Todas las funciones recursivas tienen que tener una condición de salida (en este ejemplo cuando </a:t>
+            </a:r>
+            <a:r>
+              <a:rPr b="0" lang="de-AT" sz="1800" spc="-1" strike="noStrike">
+                <a:solidFill>
+                  <a:srgbClr val="000000"/>
+                </a:solidFill>
+                <a:latin typeface="t1xtt"/>
+                <a:ea typeface="DejaVu Sans"/>
+              </a:rPr>
+              <a:t>n </a:t>
+            </a:r>
+            <a:r>
+              <a:rPr b="0" lang="de-AT" sz="1800" spc="-1" strike="noStrike">
+                <a:solidFill>
+                  <a:srgbClr val="000000"/>
+                </a:solidFill>
+                <a:latin typeface="URWBookmanL-Ligh"/>
+                <a:ea typeface="DejaVu Sans"/>
+              </a:rPr>
+              <a:t>vale 0) y debe estar garantizado que la llamada recursiva siempre se realiza con distintos argumentos. Si no se cumplen estas condiciones, el algoritmo será infinito y el programa sólo terminará cuando se agote la memoria del ordenador.</a:t>
+            </a:r>
+            <a:endParaRPr b="0" lang="es-MX" sz="1800" spc="-1" strike="noStrike">
+              <a:latin typeface="Arial"/>
+            </a:endParaRPr>
+          </a:p>
+        </p:txBody>
+      </p:sp>
+    </p:spTree>
+  </p:cSld>
+  <mc:AlternateContent>
+    <mc:Choice Requires="p14">
+      <p:transition spd="slow" p14:dur="2000"/>
+    </mc:Choice>
+    <mc:Fallback>
+      <p:transition spd="slow"/>
+    </mc:Fallback>
+  </mc:AlternateContent>
+</p:sld>
+</file>
+
+<file path=ppt/slides/slide13.xml><?xml version="1.0" encoding="utf-8"?>
+<p:sld xmlns:a="http://schemas.openxmlformats.org/drawingml/2006/main" xmlns:p="http://schemas.openxmlformats.org/presentationml/2006/main" xmlns:r="http://schemas.openxmlformats.org/officeDocument/2006/relationships" xmlns:p14="http://schemas.microsoft.com/office/powerpoint/2010/main" xmlns:p15="http://schemas.microsoft.com/office/powerpoint/2012/main" xmlns:mc="http://schemas.openxmlformats.org/markup-compatibility/2006">
+  <p:cSld>
+    <p:spTree>
+      <p:nvGrpSpPr>
+        <p:cNvPr id="1" name=""/>
+        <p:cNvGrpSpPr/>
+        <p:nvPr/>
+      </p:nvGrpSpPr>
+      <p:grpSpPr>
+        <a:xfrm>
+          <a:off x="0" y="0"/>
+          <a:ext cx="0" cy="0"/>
+          <a:chOff x="0" y="0"/>
+          <a:chExt cx="0" cy="0"/>
+        </a:xfrm>
+      </p:grpSpPr>
+      <p:sp>
+        <p:nvSpPr>
+          <p:cNvPr id="182" name="CustomShape 1"/>
+          <p:cNvSpPr/>
+          <p:nvPr/>
+        </p:nvSpPr>
+        <p:spPr>
+          <a:xfrm>
+            <a:off x="540000" y="90000"/>
+            <a:ext cx="8999280" cy="989280"/>
+          </a:xfrm>
+          <a:prstGeom prst="rect">
+            <a:avLst/>
+          </a:prstGeom>
+          <a:noFill/>
+          <a:ln w="0">
+            <a:noFill/>
+          </a:ln>
+        </p:spPr>
+        <p:style>
+          <a:lnRef idx="0"/>
+          <a:fillRef idx="0"/>
+          <a:effectRef idx="0"/>
+          <a:fontRef idx="minor"/>
+        </p:style>
+        <p:txBody>
+          <a:bodyPr lIns="0" rIns="0" tIns="0" bIns="0" anchor="b">
+            <a:normAutofit/>
+          </a:bodyPr>
+          <a:p>
+            <a:pPr>
+              <a:lnSpc>
+                <a:spcPct val="100000"/>
+              </a:lnSpc>
+            </a:pPr>
+            <a:r>
+              <a:rPr b="0" lang="de-AT" sz="4500" spc="-1" strike="noStrike">
+                <a:solidFill>
+                  <a:srgbClr val="ffffff"/>
+                </a:solidFill>
+                <a:latin typeface="Source Sans Pro Light"/>
+                <a:ea typeface="DejaVu Sans"/>
+              </a:rPr>
+              <a:t>Referencias</a:t>
+            </a:r>
+            <a:endParaRPr b="0" lang="es-MX" sz="4500" spc="-1" strike="noStrike">
+              <a:latin typeface="Arial"/>
+            </a:endParaRPr>
+          </a:p>
+        </p:txBody>
+      </p:sp>
+      <p:sp>
+        <p:nvSpPr>
+          <p:cNvPr id="183" name="CustomShape 2"/>
+          <p:cNvSpPr/>
+          <p:nvPr/>
+        </p:nvSpPr>
+        <p:spPr>
+          <a:xfrm>
+            <a:off x="540000" y="1440000"/>
+            <a:ext cx="8999280" cy="3509280"/>
+          </a:xfrm>
+          <a:prstGeom prst="rect">
+            <a:avLst/>
+          </a:prstGeom>
+          <a:noFill/>
+          <a:ln w="0">
+            <a:noFill/>
+          </a:ln>
+        </p:spPr>
+        <p:style>
+          <a:lnRef idx="0"/>
+          <a:fillRef idx="0"/>
+          <a:effectRef idx="0"/>
+          <a:fontRef idx="minor"/>
+        </p:style>
+        <p:txBody>
+          <a:bodyPr lIns="0" rIns="0" tIns="0" bIns="0">
+            <a:normAutofit fontScale="76000"/>
+          </a:bodyPr>
+          <a:p>
+            <a:pPr marL="432000" indent="-323280">
+              <a:lnSpc>
+                <a:spcPct val="100000"/>
+              </a:lnSpc>
+              <a:spcAft>
+                <a:spcPts val="1054"/>
+              </a:spcAft>
+              <a:buClr>
+                <a:srgbClr val="009eda"/>
+              </a:buClr>
+              <a:buSzPct val="45000"/>
+              <a:buFont typeface="Wingdings" charset="2"/>
+              <a:buChar char=""/>
+            </a:pPr>
+            <a:r>
+              <a:rPr b="0" lang="de-AT" sz="2400" spc="-1" strike="noStrike">
+                <a:solidFill>
+                  <a:srgbClr val="000000"/>
+                </a:solidFill>
+                <a:latin typeface="Source Sans Pro"/>
+                <a:ea typeface="DejaVu Sans"/>
+              </a:rPr>
+              <a:t>[1] García, F., &amp; Carretero, J., &amp; Fernández, J., &amp; Calderón, A. (2002). El Lenguaje de Programación C. Diseño e Implementación de Programas (1/a edición). Pearson Educación.</a:t>
+            </a:r>
+            <a:endParaRPr b="0" lang="es-MX" sz="2400" spc="-1" strike="noStrike">
+              <a:latin typeface="Arial"/>
+            </a:endParaRPr>
+          </a:p>
+          <a:p>
+            <a:pPr marL="432000" indent="-323280">
+              <a:lnSpc>
+                <a:spcPct val="100000"/>
+              </a:lnSpc>
+              <a:spcAft>
+                <a:spcPts val="1054"/>
+              </a:spcAft>
+              <a:buClr>
+                <a:srgbClr val="009eda"/>
+              </a:buClr>
+              <a:buSzPct val="45000"/>
+              <a:buFont typeface="Wingdings" charset="2"/>
+              <a:buChar char=""/>
+            </a:pPr>
+            <a:r>
+              <a:rPr b="0" lang="de-AT" sz="2400" spc="-1" strike="noStrike">
+                <a:solidFill>
+                  <a:srgbClr val="000000"/>
+                </a:solidFill>
+                <a:latin typeface="Source Sans Pro"/>
+                <a:ea typeface="DejaVu Sans"/>
+              </a:rPr>
+              <a:t>[2]</a:t>
+            </a:r>
+            <a:r>
+              <a:rPr b="0" lang="de-AT" sz="2400" spc="-1" strike="noStrike">
+                <a:solidFill>
+                  <a:srgbClr val="000000"/>
+                </a:solidFill>
+                <a:latin typeface="Source Sans Pro"/>
+                <a:ea typeface="DejaVu Sans"/>
+              </a:rPr>
+              <a:t> Muñoz Frías, J.D., &amp; Palacios Hielscher, R. (2006). FUNDAMENTOS DE PROGRAMACIÓN UTILIZANDO EL LENGUAJE C (Núm. de edición no disponible). PUBLICACIONES DE LA UNIVERSIDAD PONTIFICIA COMILLAS MADRID.</a:t>
+            </a:r>
+            <a:endParaRPr b="0" lang="es-MX" sz="2400" spc="-1" strike="noStrike">
+              <a:latin typeface="Arial"/>
+            </a:endParaRPr>
+          </a:p>
+          <a:p>
+            <a:pPr marL="432000" indent="-323280">
+              <a:lnSpc>
+                <a:spcPct val="100000"/>
+              </a:lnSpc>
+              <a:spcAft>
+                <a:spcPts val="1054"/>
+              </a:spcAft>
+              <a:buClr>
+                <a:srgbClr val="009eda"/>
+              </a:buClr>
+              <a:buSzPct val="45000"/>
+              <a:buFont typeface="Wingdings" charset="2"/>
+              <a:buChar char=""/>
+            </a:pPr>
+            <a:r>
+              <a:rPr b="0" lang="de-AT" sz="2400" spc="-1" strike="noStrike">
+                <a:solidFill>
+                  <a:srgbClr val="000000"/>
+                </a:solidFill>
+                <a:latin typeface="Source Sans Pro"/>
+                <a:ea typeface="DejaVu Sans"/>
+              </a:rPr>
+              <a:t>[3] Schildt, H. (2001). C Manual de referencia (4/a edición). Mc Graw Hill.</a:t>
+            </a:r>
+            <a:r>
+              <a:rPr b="0" lang="de-AT" sz="2400" spc="-1" strike="noStrike">
+                <a:solidFill>
+                  <a:srgbClr val="000000"/>
+                </a:solidFill>
+                <a:latin typeface="Source Sans Pro"/>
+                <a:ea typeface="DejaVu Sans"/>
+              </a:rPr>
+              <a:t> </a:t>
+            </a:r>
+            <a:endParaRPr b="0" lang="es-MX" sz="2400" spc="-1" strike="noStrike">
+              <a:latin typeface="Arial"/>
+            </a:endParaRPr>
+          </a:p>
+        </p:txBody>
+      </p:sp>
+    </p:spTree>
+  </p:cSld>
+  <mc:AlternateContent>
+    <mc:Choice Requires="p14">
+      <p:transition spd="slow" p14:dur="2000"/>
+    </mc:Choice>
+    <mc:Fallback>
+      <p:transition spd="slow"/>
+    </mc:Fallback>
+  </mc:AlternateContent>
+</p:sld>
+</file>
+
+<file path=ppt/slides/slide14.xml><?xml version="1.0" encoding="utf-8"?>
+<p:sld xmlns:a="http://schemas.openxmlformats.org/drawingml/2006/main" xmlns:p="http://schemas.openxmlformats.org/presentationml/2006/main" xmlns:r="http://schemas.openxmlformats.org/officeDocument/2006/relationships" xmlns:p14="http://schemas.microsoft.com/office/powerpoint/2010/main" xmlns:p15="http://schemas.microsoft.com/office/powerpoint/2012/main" xmlns:mc="http://schemas.openxmlformats.org/markup-compatibility/2006">
+  <p:cSld>
+    <p:spTree>
+      <p:nvGrpSpPr>
+        <p:cNvPr id="1" name=""/>
+        <p:cNvGrpSpPr/>
+        <p:nvPr/>
+      </p:nvGrpSpPr>
+      <p:grpSpPr>
+        <a:xfrm>
+          <a:off x="0" y="0"/>
+          <a:ext cx="0" cy="0"/>
+          <a:chOff x="0" y="0"/>
+          <a:chExt cx="0" cy="0"/>
+        </a:xfrm>
+      </p:grpSpPr>
+      <p:sp>
+        <p:nvSpPr>
+          <p:cNvPr id="184" name="CustomShape 1"/>
+          <p:cNvSpPr/>
+          <p:nvPr/>
+        </p:nvSpPr>
+        <p:spPr>
+          <a:xfrm>
             <a:off x="540000" y="270000"/>
-            <a:ext cx="8999640" cy="4590000"/>
+            <a:ext cx="8999280" cy="4589640"/>
           </a:xfrm>
           <a:prstGeom prst="rect">
             <a:avLst/>
@@ -5400,14 +8068,14 @@
       </p:grpSpPr>
       <p:sp>
         <p:nvSpPr>
-          <p:cNvPr id="120" name="CustomShape 1"/>
+          <p:cNvPr id="159" name="CustomShape 1"/>
           <p:cNvSpPr/>
           <p:nvPr/>
         </p:nvSpPr>
         <p:spPr>
           <a:xfrm>
             <a:off x="502920" y="90720"/>
-            <a:ext cx="9071280" cy="946440"/>
+            <a:ext cx="9070920" cy="946080"/>
           </a:xfrm>
           <a:prstGeom prst="rect">
             <a:avLst/>
@@ -5439,6 +8107,7 @@
                   <a:srgbClr val="ffffff"/>
                 </a:solidFill>
                 <a:latin typeface="Source Sans Pro Light"/>
+                <a:ea typeface="DejaVu Sans"/>
               </a:rPr>
               <a:t>3.1 Funciones</a:t>
             </a:r>
@@ -5450,14 +8119,14 @@
       </p:sp>
       <p:sp>
         <p:nvSpPr>
-          <p:cNvPr id="121" name="CustomShape 2"/>
+          <p:cNvPr id="160" name="CustomShape 2"/>
           <p:cNvSpPr/>
           <p:nvPr/>
         </p:nvSpPr>
         <p:spPr>
           <a:xfrm>
             <a:off x="502920" y="1440000"/>
-            <a:ext cx="9021600" cy="3497400"/>
+            <a:ext cx="9021240" cy="3497040"/>
           </a:xfrm>
           <a:prstGeom prst="rect">
             <a:avLst/>
@@ -5478,7 +8147,7 @@
             <a:normAutofit/>
           </a:bodyPr>
           <a:p>
-            <a:pPr marL="432000" indent="-323640">
+            <a:pPr marL="432000" indent="-323280">
               <a:lnSpc>
                 <a:spcPct val="100000"/>
               </a:lnSpc>
@@ -5494,7 +8163,11 @@
             </a:pPr>
             <a:r>
               <a:rPr b="0" lang="de-AT" sz="2400" spc="-1" strike="noStrike">
+                <a:solidFill>
+                  <a:srgbClr val="000000"/>
+                </a:solidFill>
                 <a:latin typeface="Source Sans Pro"/>
+                <a:ea typeface="DejaVu Sans"/>
               </a:rPr>
               <a:t>3.1.1 Definición de función</a:t>
             </a:r>
@@ -5503,7 +8176,7 @@
             </a:endParaRPr>
           </a:p>
           <a:p>
-            <a:pPr marL="432000" indent="-323640">
+            <a:pPr marL="432000" indent="-323280">
               <a:lnSpc>
                 <a:spcPct val="100000"/>
               </a:lnSpc>
@@ -5519,19 +8192,31 @@
             </a:pPr>
             <a:r>
               <a:rPr b="0" lang="de-AT" sz="2400" spc="-1" strike="noStrike">
+                <a:solidFill>
+                  <a:srgbClr val="000000"/>
+                </a:solidFill>
                 <a:latin typeface="Source Sans Pro"/>
+                <a:ea typeface="DejaVu Sans"/>
               </a:rPr>
               <a:t>En programación estructurada, una </a:t>
             </a:r>
             <a:r>
               <a:rPr b="1" lang="de-AT" sz="2400" spc="-1" strike="noStrike">
+                <a:solidFill>
+                  <a:srgbClr val="000000"/>
+                </a:solidFill>
                 <a:latin typeface="Source Sans Pro"/>
+                <a:ea typeface="DejaVu Sans"/>
               </a:rPr>
               <a:t>función</a:t>
             </a:r>
             <a:r>
               <a:rPr b="0" lang="de-AT" sz="2400" spc="-1" strike="noStrike">
+                <a:solidFill>
+                  <a:srgbClr val="000000"/>
+                </a:solidFill>
                 <a:latin typeface="Source Sans Pro"/>
+                <a:ea typeface="DejaVu Sans"/>
               </a:rPr>
               <a:t> es la unidad mínima de programa con sentido y nombre propio, relativamente independiente del resto de un programa.</a:t>
             </a:r>
@@ -5540,7 +8225,7 @@
             </a:endParaRPr>
           </a:p>
           <a:p>
-            <a:pPr marL="432000" indent="-323640">
+            <a:pPr marL="432000" indent="-323280">
               <a:lnSpc>
                 <a:spcPct val="100000"/>
               </a:lnSpc>
@@ -5556,19 +8241,31 @@
             </a:pPr>
             <a:r>
               <a:rPr b="0" lang="de-AT" sz="2400" spc="-1" strike="noStrike">
+                <a:solidFill>
+                  <a:srgbClr val="000000"/>
+                </a:solidFill>
                 <a:latin typeface="Source Sans Pro"/>
+                <a:ea typeface="DejaVu Sans"/>
               </a:rPr>
               <a:t>Una </a:t>
             </a:r>
             <a:r>
               <a:rPr b="1" lang="de-AT" sz="2400" spc="-1" strike="noStrike">
+                <a:solidFill>
+                  <a:srgbClr val="000000"/>
+                </a:solidFill>
                 <a:latin typeface="Source Sans Pro"/>
+                <a:ea typeface="DejaVu Sans"/>
               </a:rPr>
               <a:t>función</a:t>
             </a:r>
             <a:r>
               <a:rPr b="0" lang="de-AT" sz="2400" spc="-1" strike="noStrike">
+                <a:solidFill>
+                  <a:srgbClr val="000000"/>
+                </a:solidFill>
                 <a:latin typeface="Source Sans Pro"/>
+                <a:ea typeface="DejaVu Sans"/>
               </a:rPr>
               <a:t> o un procedimiento es, en sí mismo, un pequeño programa que, a partir de unos parámetros de entrada obtiene unos resultados. ([1], pág. 196)</a:t>
             </a:r>
@@ -5610,14 +8307,14 @@
       </p:grpSpPr>
       <p:sp>
         <p:nvSpPr>
-          <p:cNvPr id="122" name="CustomShape 1"/>
+          <p:cNvPr id="161" name="CustomShape 1"/>
           <p:cNvSpPr/>
           <p:nvPr/>
         </p:nvSpPr>
         <p:spPr>
           <a:xfrm>
             <a:off x="540000" y="90000"/>
-            <a:ext cx="8999640" cy="989640"/>
+            <a:ext cx="8999280" cy="989280"/>
           </a:xfrm>
           <a:prstGeom prst="rect">
             <a:avLst/>
@@ -5649,6 +8346,7 @@
                   <a:srgbClr val="ffffff"/>
                 </a:solidFill>
                 <a:latin typeface="Source Sans Pro Light"/>
+                <a:ea typeface="DejaVu Sans"/>
               </a:rPr>
               <a:t>Sobre las funciones</a:t>
             </a:r>
@@ -5660,14 +8358,14 @@
       </p:sp>
       <p:sp>
         <p:nvSpPr>
-          <p:cNvPr id="123" name="CustomShape 2"/>
+          <p:cNvPr id="162" name="CustomShape 2"/>
           <p:cNvSpPr/>
           <p:nvPr/>
         </p:nvSpPr>
         <p:spPr>
           <a:xfrm>
             <a:off x="540000" y="1440000"/>
-            <a:ext cx="8999640" cy="3509640"/>
+            <a:ext cx="8999280" cy="3509280"/>
           </a:xfrm>
           <a:prstGeom prst="rect">
             <a:avLst/>
@@ -5688,7 +8386,7 @@
             <a:normAutofit/>
           </a:bodyPr>
           <a:p>
-            <a:pPr marL="432000" indent="-323640">
+            <a:pPr marL="432000" indent="-323280">
               <a:lnSpc>
                 <a:spcPct val="100000"/>
               </a:lnSpc>
@@ -5704,7 +8402,11 @@
             </a:pPr>
             <a:r>
               <a:rPr b="0" lang="de-AT" sz="2400" spc="-1" strike="noStrike">
+                <a:solidFill>
+                  <a:srgbClr val="000000"/>
+                </a:solidFill>
                 <a:latin typeface="Source Sans Pro"/>
+                <a:ea typeface="DejaVu Sans"/>
               </a:rPr>
               <a:t>La diferencia entre una función y un procedimiento se encuentra en que una función devuelve siempre un valor de retorno, al igual que ocurre con las funciones matemáticas. Por el contrario, los procedimientos están formados por un fragmento de programa que realiza una determinada tarea sin devolver un valor de retorno. Cuando se usan procedimientos, todo el intercambio de datos se realiza a través de sus parámetros. ([1], pág. 196)</a:t>
             </a:r>
@@ -5746,14 +8448,14 @@
       </p:grpSpPr>
       <p:sp>
         <p:nvSpPr>
-          <p:cNvPr id="124" name="CustomShape 1"/>
+          <p:cNvPr id="163" name="CustomShape 1"/>
           <p:cNvSpPr/>
           <p:nvPr/>
         </p:nvSpPr>
         <p:spPr>
           <a:xfrm>
             <a:off x="540000" y="90000"/>
-            <a:ext cx="8999640" cy="989640"/>
+            <a:ext cx="8999280" cy="989280"/>
           </a:xfrm>
           <a:prstGeom prst="rect">
             <a:avLst/>
@@ -5785,6 +8487,7 @@
                   <a:srgbClr val="ffffff"/>
                 </a:solidFill>
                 <a:latin typeface="Source Sans Pro Light"/>
+                <a:ea typeface="DejaVu Sans"/>
               </a:rPr>
               <a:t>3.1.1 Definición de función</a:t>
             </a:r>
@@ -5796,14 +8499,14 @@
       </p:sp>
       <p:sp>
         <p:nvSpPr>
-          <p:cNvPr id="125" name="CustomShape 2"/>
+          <p:cNvPr id="164" name="CustomShape 2"/>
           <p:cNvSpPr/>
           <p:nvPr/>
         </p:nvSpPr>
         <p:spPr>
           <a:xfrm>
             <a:off x="540000" y="1440000"/>
-            <a:ext cx="8999640" cy="3509640"/>
+            <a:ext cx="8999280" cy="3509280"/>
           </a:xfrm>
           <a:prstGeom prst="rect">
             <a:avLst/>
@@ -5824,7 +8527,7 @@
             <a:normAutofit fontScale="61000"/>
           </a:bodyPr>
           <a:p>
-            <a:pPr marL="432000" indent="-323640">
+            <a:pPr marL="432000" indent="-323280">
               <a:lnSpc>
                 <a:spcPct val="100000"/>
               </a:lnSpc>
@@ -5840,7 +8543,11 @@
             </a:pPr>
             <a:r>
               <a:rPr b="0" lang="de-AT" sz="2400" spc="-1" strike="noStrike">
+                <a:solidFill>
+                  <a:srgbClr val="000000"/>
+                </a:solidFill>
                 <a:latin typeface="Source Sans Pro"/>
+                <a:ea typeface="DejaVu Sans"/>
               </a:rPr>
               <a:t>La forma general de una función es</a:t>
             </a:r>
@@ -5849,7 +8556,7 @@
             </a:endParaRPr>
           </a:p>
           <a:p>
-            <a:pPr marL="432000" indent="-323640">
+            <a:pPr marL="432000" indent="-323280">
               <a:lnSpc>
                 <a:spcPct val="100000"/>
               </a:lnSpc>
@@ -5865,19 +8572,31 @@
             </a:pPr>
             <a:r>
               <a:rPr b="0" lang="de-AT" sz="2400" spc="-1" strike="noStrike">
+                <a:solidFill>
+                  <a:srgbClr val="000000"/>
+                </a:solidFill>
                 <a:latin typeface="Source Sans Pro"/>
+                <a:ea typeface="DejaVu Sans"/>
               </a:rPr>
               <a:t>tipo_dev </a:t>
             </a:r>
             <a:r>
               <a:rPr b="1" lang="de-AT" sz="2400" spc="-1" strike="noStrike">
+                <a:solidFill>
+                  <a:srgbClr val="000000"/>
+                </a:solidFill>
                 <a:latin typeface="Source Sans Pro"/>
+                <a:ea typeface="DejaVu Sans"/>
               </a:rPr>
               <a:t>nombre_de_la_funcion</a:t>
             </a:r>
             <a:r>
               <a:rPr b="0" lang="de-AT" sz="2400" spc="-1" strike="noStrike">
+                <a:solidFill>
+                  <a:srgbClr val="000000"/>
+                </a:solidFill>
                 <a:latin typeface="Source Sans Pro"/>
+                <a:ea typeface="DejaVu Sans"/>
               </a:rPr>
               <a:t>(lista de parámetros)</a:t>
             </a:r>
@@ -5886,7 +8605,7 @@
             </a:endParaRPr>
           </a:p>
           <a:p>
-            <a:pPr marL="432000" indent="-323640">
+            <a:pPr marL="432000" indent="-323280">
               <a:lnSpc>
                 <a:spcPct val="100000"/>
               </a:lnSpc>
@@ -5902,7 +8621,11 @@
             </a:pPr>
             <a:r>
               <a:rPr b="0" lang="de-AT" sz="2400" spc="-1" strike="noStrike">
+                <a:solidFill>
+                  <a:srgbClr val="000000"/>
+                </a:solidFill>
                 <a:latin typeface="Source Sans Pro"/>
+                <a:ea typeface="DejaVu Sans"/>
               </a:rPr>
               <a:t>{</a:t>
             </a:r>
@@ -5911,7 +8634,7 @@
             </a:endParaRPr>
           </a:p>
           <a:p>
-            <a:pPr marL="432000" indent="-323640">
+            <a:pPr marL="432000" indent="-323280">
               <a:lnSpc>
                 <a:spcPct val="100000"/>
               </a:lnSpc>
@@ -5927,13 +8650,21 @@
             </a:pPr>
             <a:r>
               <a:rPr b="0" lang="de-AT" sz="2400" spc="-1" strike="noStrike">
+                <a:solidFill>
+                  <a:srgbClr val="000000"/>
+                </a:solidFill>
                 <a:latin typeface="Source Sans Pro"/>
+                <a:ea typeface="DejaVu Sans"/>
               </a:rPr>
               <a:t>     </a:t>
             </a:r>
             <a:r>
               <a:rPr b="0" lang="de-AT" sz="2400" spc="-1" strike="noStrike">
+                <a:solidFill>
+                  <a:srgbClr val="000000"/>
+                </a:solidFill>
                 <a:latin typeface="Source Sans Pro"/>
+                <a:ea typeface="DejaVu Sans"/>
               </a:rPr>
               <a:t>cuerpo de la función</a:t>
             </a:r>
@@ -5942,7 +8673,7 @@
             </a:endParaRPr>
           </a:p>
           <a:p>
-            <a:pPr marL="432000" indent="-323640">
+            <a:pPr marL="432000" indent="-323280">
               <a:lnSpc>
                 <a:spcPct val="100000"/>
               </a:lnSpc>
@@ -5958,7 +8689,11 @@
             </a:pPr>
             <a:r>
               <a:rPr b="0" lang="de-AT" sz="2400" spc="-1" strike="noStrike">
+                <a:solidFill>
+                  <a:srgbClr val="000000"/>
+                </a:solidFill>
                 <a:latin typeface="Source Sans Pro"/>
+                <a:ea typeface="DejaVu Sans"/>
               </a:rPr>
               <a:t>}</a:t>
             </a:r>
@@ -5967,7 +8702,7 @@
             </a:endParaRPr>
           </a:p>
           <a:p>
-            <a:pPr marL="432000" indent="-323640">
+            <a:pPr marL="432000" indent="-323280">
               <a:lnSpc>
                 <a:spcPct val="100000"/>
               </a:lnSpc>
@@ -5983,13 +8718,21 @@
             </a:pPr>
             <a:r>
               <a:rPr b="1" lang="de-AT" sz="2400" spc="-1" strike="noStrike">
+                <a:solidFill>
+                  <a:srgbClr val="000000"/>
+                </a:solidFill>
                 <a:latin typeface="Source Sans Pro"/>
+                <a:ea typeface="DejaVu Sans"/>
               </a:rPr>
               <a:t>tipo_dev</a:t>
             </a:r>
             <a:r>
               <a:rPr b="0" lang="de-AT" sz="2400" spc="-1" strike="noStrike">
+                <a:solidFill>
+                  <a:srgbClr val="000000"/>
+                </a:solidFill>
                 <a:latin typeface="Source Sans Pro"/>
+                <a:ea typeface="DejaVu Sans"/>
               </a:rPr>
               <a:t> especifica el tipo de dato que devuelve la función. Una función puede devolver cualquier tipo de dato excepto un array.</a:t>
             </a:r>
@@ -5998,7 +8741,7 @@
             </a:endParaRPr>
           </a:p>
           <a:p>
-            <a:pPr marL="432000" indent="-323640">
+            <a:pPr marL="432000" indent="-323280">
               <a:lnSpc>
                 <a:spcPct val="100000"/>
               </a:lnSpc>
@@ -6014,7 +8757,11 @@
             </a:pPr>
             <a:r>
               <a:rPr b="0" lang="de-AT" sz="2400" spc="-1" strike="noStrike">
+                <a:solidFill>
+                  <a:srgbClr val="000000"/>
+                </a:solidFill>
                 <a:latin typeface="Source Sans Pro"/>
+                <a:ea typeface="DejaVu Sans"/>
               </a:rPr>
               <a:t>La lista de parámetros es una lista de nombres de variable separados por comas con sus tipos asociados.</a:t>
             </a:r>
@@ -6023,7 +8770,7 @@
             </a:endParaRPr>
           </a:p>
           <a:p>
-            <a:pPr marL="432000" indent="-323640">
+            <a:pPr marL="432000" indent="-323280">
               <a:lnSpc>
                 <a:spcPct val="100000"/>
               </a:lnSpc>
@@ -6039,7 +8786,11 @@
             </a:pPr>
             <a:r>
               <a:rPr b="0" lang="de-AT" sz="2400" spc="-1" strike="noStrike">
+                <a:solidFill>
+                  <a:srgbClr val="000000"/>
+                </a:solidFill>
                 <a:latin typeface="Source Sans Pro"/>
+                <a:ea typeface="DejaVu Sans"/>
               </a:rPr>
               <a:t>Una función puede no tener parámetros. </a:t>
             </a:r>
@@ -6081,14 +8832,14 @@
       </p:grpSpPr>
       <p:sp>
         <p:nvSpPr>
-          <p:cNvPr id="126" name="CustomShape 1"/>
+          <p:cNvPr id="165" name="CustomShape 1"/>
           <p:cNvSpPr/>
           <p:nvPr/>
         </p:nvSpPr>
         <p:spPr>
           <a:xfrm>
             <a:off x="540000" y="90000"/>
-            <a:ext cx="8999640" cy="989640"/>
+            <a:ext cx="8999280" cy="989280"/>
           </a:xfrm>
           <a:prstGeom prst="rect">
             <a:avLst/>
@@ -6120,6 +8871,7 @@
                   <a:srgbClr val="ffffff"/>
                 </a:solidFill>
                 <a:latin typeface="Source Sans Pro Light"/>
+                <a:ea typeface="DejaVu Sans"/>
               </a:rPr>
               <a:t>3.1.2 Prototipo de función</a:t>
             </a:r>
@@ -6131,14 +8883,14 @@
       </p:sp>
       <p:sp>
         <p:nvSpPr>
-          <p:cNvPr id="127" name="CustomShape 2"/>
+          <p:cNvPr id="166" name="CustomShape 2"/>
           <p:cNvSpPr/>
           <p:nvPr/>
         </p:nvSpPr>
         <p:spPr>
           <a:xfrm>
             <a:off x="540000" y="1440000"/>
-            <a:ext cx="8999640" cy="3509640"/>
+            <a:ext cx="8999280" cy="3509280"/>
           </a:xfrm>
           <a:prstGeom prst="rect">
             <a:avLst/>
@@ -6159,7 +8911,7 @@
             <a:normAutofit fontScale="73000"/>
           </a:bodyPr>
           <a:p>
-            <a:pPr marL="432000" indent="-323640">
+            <a:pPr marL="432000" indent="-323280">
               <a:lnSpc>
                 <a:spcPct val="100000"/>
               </a:lnSpc>
@@ -6175,13 +8927,21 @@
             </a:pPr>
             <a:r>
               <a:rPr b="1" lang="de-AT" sz="2400" spc="-1" strike="noStrike">
+                <a:solidFill>
+                  <a:srgbClr val="000000"/>
+                </a:solidFill>
                 <a:latin typeface="Source Sans Pro"/>
+                <a:ea typeface="DejaVu Sans"/>
               </a:rPr>
               <a:t>Ejemplos</a:t>
             </a:r>
             <a:r>
               <a:rPr b="0" lang="de-AT" sz="2400" spc="-1" strike="noStrike">
+                <a:solidFill>
+                  <a:srgbClr val="000000"/>
+                </a:solidFill>
                 <a:latin typeface="Source Sans Pro"/>
+                <a:ea typeface="DejaVu Sans"/>
               </a:rPr>
               <a:t> de prototipos de función</a:t>
             </a:r>
@@ -6190,7 +8950,7 @@
             </a:endParaRPr>
           </a:p>
           <a:p>
-            <a:pPr marL="432000" indent="-323640">
+            <a:pPr marL="432000" indent="-323280">
               <a:lnSpc>
                 <a:spcPct val="100000"/>
               </a:lnSpc>
@@ -6206,7 +8966,11 @@
             </a:pPr>
             <a:r>
               <a:rPr b="0" lang="de-AT" sz="2400" spc="-1" strike="noStrike">
+                <a:solidFill>
+                  <a:srgbClr val="000000"/>
+                </a:solidFill>
                 <a:latin typeface="Source Sans Pro"/>
+                <a:ea typeface="DejaVu Sans"/>
               </a:rPr>
               <a:t>void print_matriz(struct matriz *M);</a:t>
             </a:r>
@@ -6215,7 +8979,7 @@
             </a:endParaRPr>
           </a:p>
           <a:p>
-            <a:pPr marL="432000" indent="-323640">
+            <a:pPr marL="432000" indent="-323280">
               <a:lnSpc>
                 <a:spcPct val="100000"/>
               </a:lnSpc>
@@ -6231,7 +8995,11 @@
             </a:pPr>
             <a:r>
               <a:rPr b="0" lang="de-AT" sz="2400" spc="-1" strike="noStrike">
+                <a:solidFill>
+                  <a:srgbClr val="000000"/>
+                </a:solidFill>
                 <a:latin typeface="Source Sans Pro"/>
+                <a:ea typeface="DejaVu Sans"/>
               </a:rPr>
               <a:t>float **get_traspose(float **A,unsigned int rows,unsigned int cols);</a:t>
             </a:r>
@@ -6240,7 +9008,7 @@
             </a:endParaRPr>
           </a:p>
           <a:p>
-            <a:pPr marL="432000" indent="-323640">
+            <a:pPr marL="432000" indent="-323280">
               <a:lnSpc>
                 <a:spcPct val="100000"/>
               </a:lnSpc>
@@ -6256,7 +9024,11 @@
             </a:pPr>
             <a:r>
               <a:rPr b="0" lang="de-AT" sz="2400" spc="-1" strike="noStrike">
+                <a:solidFill>
+                  <a:srgbClr val="000000"/>
+                </a:solidFill>
                 <a:latin typeface="Source Sans Pro"/>
+                <a:ea typeface="DejaVu Sans"/>
               </a:rPr>
               <a:t>float **MSUBM(struct matriz *M, int row,int col);</a:t>
             </a:r>
@@ -6265,7 +9037,7 @@
             </a:endParaRPr>
           </a:p>
           <a:p>
-            <a:pPr marL="432000" indent="-323640">
+            <a:pPr marL="432000" indent="-323280">
               <a:lnSpc>
                 <a:spcPct val="100000"/>
               </a:lnSpc>
@@ -6281,7 +9053,11 @@
             </a:pPr>
             <a:r>
               <a:rPr b="0" lang="de-AT" sz="2400" spc="-1" strike="noStrike">
+                <a:solidFill>
+                  <a:srgbClr val="000000"/>
+                </a:solidFill>
                 <a:latin typeface="Source Sans Pro"/>
+                <a:ea typeface="DejaVu Sans"/>
               </a:rPr>
               <a:t>float det(struct matriz *M);</a:t>
             </a:r>
@@ -6290,7 +9066,7 @@
             </a:endParaRPr>
           </a:p>
           <a:p>
-            <a:pPr marL="432000" indent="-323640">
+            <a:pPr marL="432000" indent="-323280">
               <a:lnSpc>
                 <a:spcPct val="100000"/>
               </a:lnSpc>
@@ -6306,7 +9082,11 @@
             </a:pPr>
             <a:r>
               <a:rPr b="0" lang="de-AT" sz="2400" spc="-1" strike="noStrike">
+                <a:solidFill>
+                  <a:srgbClr val="000000"/>
+                </a:solidFill>
                 <a:latin typeface="Source Sans Pro"/>
+                <a:ea typeface="DejaVu Sans"/>
               </a:rPr>
               <a:t>void MultByScalar(float factor,float **A,int r,int c);</a:t>
             </a:r>
@@ -6315,7 +9095,7 @@
             </a:endParaRPr>
           </a:p>
           <a:p>
-            <a:pPr marL="432000" indent="-323640">
+            <a:pPr marL="432000" indent="-323280">
               <a:lnSpc>
                 <a:spcPct val="100000"/>
               </a:lnSpc>
@@ -6331,7 +9111,11 @@
             </a:pPr>
             <a:r>
               <a:rPr b="0" lang="de-AT" sz="2400" spc="-1" strike="noStrike">
+                <a:solidFill>
+                  <a:srgbClr val="000000"/>
+                </a:solidFill>
                 <a:latin typeface="Source Sans Pro"/>
+                <a:ea typeface="DejaVu Sans"/>
               </a:rPr>
               <a:t>struct matriz *Mult(struct matriz *A,struct matriz *B);</a:t>
             </a:r>
@@ -6340,7 +9124,7 @@
             </a:endParaRPr>
           </a:p>
           <a:p>
-            <a:pPr marL="432000" indent="-323640">
+            <a:pPr marL="432000" indent="-323280">
               <a:lnSpc>
                 <a:spcPct val="100000"/>
               </a:lnSpc>
@@ -6356,7 +9140,11 @@
             </a:pPr>
             <a:r>
               <a:rPr b="0" lang="de-AT" sz="2400" spc="-1" strike="noStrike">
+                <a:solidFill>
+                  <a:srgbClr val="000000"/>
+                </a:solidFill>
                 <a:latin typeface="Source Sans Pro"/>
+                <a:ea typeface="DejaVu Sans"/>
               </a:rPr>
               <a:t>struct matriz *inv(struct matriz *M);</a:t>
             </a:r>
@@ -6411,14 +9199,14 @@
       </p:grpSpPr>
       <p:sp>
         <p:nvSpPr>
-          <p:cNvPr id="128" name="CustomShape 1"/>
+          <p:cNvPr id="167" name="CustomShape 1"/>
           <p:cNvSpPr/>
           <p:nvPr/>
         </p:nvSpPr>
         <p:spPr>
           <a:xfrm>
             <a:off x="540000" y="90000"/>
-            <a:ext cx="8999640" cy="989640"/>
+            <a:ext cx="8999280" cy="989280"/>
           </a:xfrm>
           <a:prstGeom prst="rect">
             <a:avLst/>
@@ -6450,6 +9238,7 @@
                   <a:srgbClr val="ffffff"/>
                 </a:solidFill>
                 <a:latin typeface="Source Sans Pro Light"/>
+                <a:ea typeface="DejaVu Sans"/>
               </a:rPr>
               <a:t>3.1.3 Llamado a una función</a:t>
             </a:r>
@@ -6461,14 +9250,14 @@
       </p:sp>
       <p:sp>
         <p:nvSpPr>
-          <p:cNvPr id="129" name="CustomShape 2"/>
+          <p:cNvPr id="168" name="CustomShape 2"/>
           <p:cNvSpPr/>
           <p:nvPr/>
         </p:nvSpPr>
         <p:spPr>
           <a:xfrm>
             <a:off x="540000" y="1440000"/>
-            <a:ext cx="8999640" cy="3509640"/>
+            <a:ext cx="8999280" cy="3509280"/>
           </a:xfrm>
           <a:prstGeom prst="rect">
             <a:avLst/>
@@ -6486,10 +9275,10 @@
         </p:style>
         <p:txBody>
           <a:bodyPr lIns="0" rIns="0" tIns="0" bIns="0">
-            <a:normAutofit/>
-          </a:bodyPr>
-          <a:p>
-            <a:pPr marL="432000" indent="-323640">
+            <a:normAutofit fontScale="73000"/>
+          </a:bodyPr>
+          <a:p>
+            <a:pPr marL="432000" indent="-323280">
               <a:lnSpc>
                 <a:spcPct val="100000"/>
               </a:lnSpc>
@@ -6505,16 +9294,20 @@
             </a:pPr>
             <a:r>
               <a:rPr b="0" lang="de-AT" sz="2400" spc="-1" strike="noStrike">
+                <a:solidFill>
+                  <a:srgbClr val="000000"/>
+                </a:solidFill>
                 <a:latin typeface="Source Sans Pro"/>
-              </a:rPr>
-              <a:t>int main()</a:t>
+                <a:ea typeface="DejaVu Sans"/>
+              </a:rPr>
+              <a:t>void print_matriz(struct matriz *);</a:t>
             </a:r>
             <a:endParaRPr b="0" lang="es-MX" sz="2400" spc="-1" strike="noStrike">
               <a:latin typeface="Arial"/>
             </a:endParaRPr>
           </a:p>
           <a:p>
-            <a:pPr marL="432000" indent="-323640">
+            <a:pPr marL="432000" indent="-323280">
               <a:lnSpc>
                 <a:spcPct val="100000"/>
               </a:lnSpc>
@@ -6530,16 +9323,20 @@
             </a:pPr>
             <a:r>
               <a:rPr b="0" lang="de-AT" sz="2400" spc="-1" strike="noStrike">
+                <a:solidFill>
+                  <a:srgbClr val="000000"/>
+                </a:solidFill>
                 <a:latin typeface="Source Sans Pro"/>
-              </a:rPr>
-              <a:t>{</a:t>
+                <a:ea typeface="DejaVu Sans"/>
+              </a:rPr>
+              <a:t>int main(){</a:t>
             </a:r>
             <a:endParaRPr b="0" lang="es-MX" sz="2400" spc="-1" strike="noStrike">
               <a:latin typeface="Arial"/>
             </a:endParaRPr>
           </a:p>
           <a:p>
-            <a:pPr marL="432000" indent="-323640">
+            <a:pPr marL="432000" indent="-323280">
               <a:lnSpc>
                 <a:spcPct val="100000"/>
               </a:lnSpc>
@@ -6555,7 +9352,11 @@
             </a:pPr>
             <a:r>
               <a:rPr b="0" lang="de-AT" sz="2400" spc="-1" strike="noStrike">
+                <a:solidFill>
+                  <a:srgbClr val="000000"/>
+                </a:solidFill>
                 <a:latin typeface="Source Sans Pro"/>
+                <a:ea typeface="DejaVu Sans"/>
               </a:rPr>
               <a:t>// . . .</a:t>
             </a:r>
@@ -6564,7 +9365,7 @@
             </a:endParaRPr>
           </a:p>
           <a:p>
-            <a:pPr marL="432000" indent="-323640">
+            <a:pPr marL="432000" indent="-323280">
               <a:lnSpc>
                 <a:spcPct val="100000"/>
               </a:lnSpc>
@@ -6580,22 +9381,30 @@
             </a:pPr>
             <a:r>
               <a:rPr b="0" lang="de-AT" sz="2400" spc="-1" strike="noStrike">
+                <a:solidFill>
+                  <a:srgbClr val="000000"/>
+                </a:solidFill>
                 <a:latin typeface="Source Sans Pro"/>
+                <a:ea typeface="DejaVu Sans"/>
               </a:rPr>
               <a:t>  </a:t>
             </a:r>
             <a:r>
               <a:rPr b="0" lang="de-AT" sz="2400" spc="-1" strike="noStrike">
+                <a:solidFill>
+                  <a:srgbClr val="000000"/>
+                </a:solidFill>
                 <a:latin typeface="Source Sans Pro"/>
-              </a:rPr>
-              <a:t>print_matriz(MA);</a:t>
+                <a:ea typeface="DejaVu Sans"/>
+              </a:rPr>
+              <a:t>struct matriz *MA = </a:t>
             </a:r>
             <a:endParaRPr b="0" lang="es-MX" sz="2400" spc="-1" strike="noStrike">
               <a:latin typeface="Arial"/>
             </a:endParaRPr>
           </a:p>
           <a:p>
-            <a:pPr marL="432000" indent="-323640">
+            <a:pPr marL="432000" indent="-323280">
               <a:lnSpc>
                 <a:spcPct val="100000"/>
               </a:lnSpc>
@@ -6611,16 +9420,30 @@
             </a:pPr>
             <a:r>
               <a:rPr b="0" lang="de-AT" sz="2400" spc="-1" strike="noStrike">
+                <a:solidFill>
+                  <a:srgbClr val="000000"/>
+                </a:solidFill>
                 <a:latin typeface="Source Sans Pro"/>
-              </a:rPr>
-              <a:t>// . . .</a:t>
+                <a:ea typeface="DejaVu Sans"/>
+              </a:rPr>
+              <a:t>                            </a:t>
+            </a:r>
+            <a:r>
+              <a:rPr b="0" lang="de-AT" sz="2400" spc="-1" strike="noStrike">
+                <a:solidFill>
+                  <a:srgbClr val="000000"/>
+                </a:solidFill>
+                <a:latin typeface="Source Sans Pro"/>
+                <a:ea typeface="DejaVu Sans"/>
+              </a:rPr>
+              <a:t>(struct matriz*)malloc(sizeof(*MA));</a:t>
             </a:r>
             <a:endParaRPr b="0" lang="es-MX" sz="2400" spc="-1" strike="noStrike">
               <a:latin typeface="Arial"/>
             </a:endParaRPr>
           </a:p>
           <a:p>
-            <a:pPr marL="432000" indent="-323640">
+            <a:pPr marL="432000" indent="-323280">
               <a:lnSpc>
                 <a:spcPct val="100000"/>
               </a:lnSpc>
@@ -6636,7 +9459,108 @@
             </a:pPr>
             <a:r>
               <a:rPr b="0" lang="de-AT" sz="2400" spc="-1" strike="noStrike">
+                <a:solidFill>
+                  <a:srgbClr val="000000"/>
+                </a:solidFill>
                 <a:latin typeface="Source Sans Pro"/>
+                <a:ea typeface="DejaVu Sans"/>
+              </a:rPr>
+              <a:t>// . . .</a:t>
+            </a:r>
+            <a:endParaRPr b="0" lang="es-MX" sz="2400" spc="-1" strike="noStrike">
+              <a:latin typeface="Arial"/>
+            </a:endParaRPr>
+          </a:p>
+          <a:p>
+            <a:pPr marL="432000" indent="-323280">
+              <a:lnSpc>
+                <a:spcPct val="100000"/>
+              </a:lnSpc>
+              <a:spcAft>
+                <a:spcPts val="1054"/>
+              </a:spcAft>
+              <a:buClr>
+                <a:srgbClr val="009eda"/>
+              </a:buClr>
+              <a:buSzPct val="45000"/>
+              <a:buFont typeface="Wingdings" charset="2"/>
+              <a:buChar char=""/>
+            </a:pPr>
+            <a:r>
+              <a:rPr b="0" lang="de-AT" sz="2400" spc="-1" strike="noStrike">
+                <a:solidFill>
+                  <a:srgbClr val="000000"/>
+                </a:solidFill>
+                <a:latin typeface="Source Sans Pro"/>
+                <a:ea typeface="DejaVu Sans"/>
+              </a:rPr>
+              <a:t>  </a:t>
+            </a:r>
+            <a:r>
+              <a:rPr b="0" lang="de-AT" sz="2400" spc="-1" strike="noStrike">
+                <a:solidFill>
+                  <a:srgbClr val="000000"/>
+                </a:solidFill>
+                <a:latin typeface="Source Sans Pro"/>
+                <a:ea typeface="DejaVu Sans"/>
+              </a:rPr>
+              <a:t>print_matriz(MA);</a:t>
+            </a:r>
+            <a:endParaRPr b="0" lang="es-MX" sz="2400" spc="-1" strike="noStrike">
+              <a:latin typeface="Arial"/>
+            </a:endParaRPr>
+          </a:p>
+          <a:p>
+            <a:pPr marL="432000" indent="-323280">
+              <a:lnSpc>
+                <a:spcPct val="100000"/>
+              </a:lnSpc>
+              <a:spcAft>
+                <a:spcPts val="1054"/>
+              </a:spcAft>
+              <a:buClr>
+                <a:srgbClr val="009eda"/>
+              </a:buClr>
+              <a:buSzPct val="45000"/>
+              <a:buFont typeface="Wingdings" charset="2"/>
+              <a:buChar char=""/>
+            </a:pPr>
+            <a:r>
+              <a:rPr b="0" lang="de-AT" sz="2400" spc="-1" strike="noStrike">
+                <a:solidFill>
+                  <a:srgbClr val="000000"/>
+                </a:solidFill>
+                <a:latin typeface="Source Sans Pro"/>
+                <a:ea typeface="DejaVu Sans"/>
+              </a:rPr>
+              <a:t>// . . .</a:t>
+            </a:r>
+            <a:endParaRPr b="0" lang="es-MX" sz="2400" spc="-1" strike="noStrike">
+              <a:latin typeface="Arial"/>
+            </a:endParaRPr>
+          </a:p>
+          <a:p>
+            <a:pPr marL="432000" indent="-323280">
+              <a:lnSpc>
+                <a:spcPct val="100000"/>
+              </a:lnSpc>
+              <a:spcAft>
+                <a:spcPts val="1054"/>
+              </a:spcAft>
+              <a:buClr>
+                <a:srgbClr val="009eda"/>
+              </a:buClr>
+              <a:buSzPct val="45000"/>
+              <a:buFont typeface="Wingdings" charset="2"/>
+              <a:buChar char=""/>
+            </a:pPr>
+            <a:r>
+              <a:rPr b="0" lang="de-AT" sz="2400" spc="-1" strike="noStrike">
+                <a:solidFill>
+                  <a:srgbClr val="000000"/>
+                </a:solidFill>
+                <a:latin typeface="Source Sans Pro"/>
+                <a:ea typeface="DejaVu Sans"/>
               </a:rPr>
               <a:t>}</a:t>
             </a:r>
@@ -6678,14 +9602,14 @@
       </p:grpSpPr>
       <p:sp>
         <p:nvSpPr>
-          <p:cNvPr id="130" name="CustomShape 1"/>
+          <p:cNvPr id="169" name="CustomShape 1"/>
           <p:cNvSpPr/>
           <p:nvPr/>
         </p:nvSpPr>
         <p:spPr>
           <a:xfrm>
             <a:off x="540000" y="90000"/>
-            <a:ext cx="8999640" cy="989640"/>
+            <a:ext cx="8999280" cy="989280"/>
           </a:xfrm>
           <a:prstGeom prst="rect">
             <a:avLst/>
@@ -6717,6 +9641,7 @@
                   <a:srgbClr val="ffffff"/>
                 </a:solidFill>
                 <a:latin typeface="Source Sans Pro Light"/>
+                <a:ea typeface="DejaVu Sans"/>
               </a:rPr>
               <a:t>3.1.4 Llamado entre funciones</a:t>
             </a:r>
@@ -6728,14 +9653,14 @@
       </p:sp>
       <p:sp>
         <p:nvSpPr>
-          <p:cNvPr id="131" name="CustomShape 2"/>
+          <p:cNvPr id="170" name="CustomShape 2"/>
           <p:cNvSpPr/>
           <p:nvPr/>
         </p:nvSpPr>
         <p:spPr>
           <a:xfrm>
             <a:off x="540000" y="1440000"/>
-            <a:ext cx="8999640" cy="3509640"/>
+            <a:ext cx="8999280" cy="3509280"/>
           </a:xfrm>
           <a:prstGeom prst="rect">
             <a:avLst/>
@@ -6756,7 +9681,7 @@
             <a:normAutofit/>
           </a:bodyPr>
           <a:p>
-            <a:pPr marL="432000" indent="-323640">
+            <a:pPr marL="432000" indent="-323280">
               <a:lnSpc>
                 <a:spcPct val="100000"/>
               </a:lnSpc>
@@ -6772,7 +9697,11 @@
             </a:pPr>
             <a:r>
               <a:rPr b="0" lang="de-AT" sz="2400" spc="-1" strike="noStrike">
+                <a:solidFill>
+                  <a:srgbClr val="000000"/>
+                </a:solidFill>
                 <a:latin typeface="Source Sans Pro"/>
+                <a:ea typeface="DejaVu Sans"/>
               </a:rPr>
               <a:t>struct matriz *inv(struct matriz *M){</a:t>
             </a:r>
@@ -6781,7 +9710,7 @@
             </a:endParaRPr>
           </a:p>
           <a:p>
-            <a:pPr marL="432000" indent="-323640">
+            <a:pPr marL="432000" indent="-323280">
               <a:lnSpc>
                 <a:spcPct val="100000"/>
               </a:lnSpc>
@@ -6797,7 +9726,11 @@
             </a:pPr>
             <a:r>
               <a:rPr b="0" lang="de-AT" sz="2400" spc="-1" strike="noStrike">
+                <a:solidFill>
+                  <a:srgbClr val="000000"/>
+                </a:solidFill>
                 <a:latin typeface="Source Sans Pro"/>
+                <a:ea typeface="DejaVu Sans"/>
               </a:rPr>
               <a:t>// . . .</a:t>
             </a:r>
@@ -6806,7 +9739,7 @@
             </a:endParaRPr>
           </a:p>
           <a:p>
-            <a:pPr marL="432000" indent="-323640">
+            <a:pPr marL="432000" indent="-323280">
               <a:lnSpc>
                 <a:spcPct val="100000"/>
               </a:lnSpc>
@@ -6822,13 +9755,21 @@
             </a:pPr>
             <a:r>
               <a:rPr b="0" lang="de-AT" sz="2400" spc="-1" strike="noStrike">
+                <a:solidFill>
+                  <a:srgbClr val="000000"/>
+                </a:solidFill>
                 <a:latin typeface="Source Sans Pro"/>
+                <a:ea typeface="DejaVu Sans"/>
               </a:rPr>
               <a:t>  </a:t>
             </a:r>
             <a:r>
               <a:rPr b="0" lang="de-AT" sz="2400" spc="-1" strike="noStrike">
+                <a:solidFill>
+                  <a:srgbClr val="000000"/>
+                </a:solidFill>
                 <a:latin typeface="Source Sans Pro"/>
+                <a:ea typeface="DejaVu Sans"/>
               </a:rPr>
               <a:t>floatDetDA = det(M);</a:t>
             </a:r>
@@ -6837,7 +9778,7 @@
             </a:endParaRPr>
           </a:p>
           <a:p>
-            <a:pPr marL="432000" indent="-323640">
+            <a:pPr marL="432000" indent="-323280">
               <a:lnSpc>
                 <a:spcPct val="100000"/>
               </a:lnSpc>
@@ -6853,7 +9794,11 @@
             </a:pPr>
             <a:r>
               <a:rPr b="0" lang="de-AT" sz="2400" spc="-1" strike="noStrike">
+                <a:solidFill>
+                  <a:srgbClr val="000000"/>
+                </a:solidFill>
                 <a:latin typeface="Source Sans Pro"/>
+                <a:ea typeface="DejaVu Sans"/>
               </a:rPr>
               <a:t>// . . .</a:t>
             </a:r>
@@ -6862,7 +9807,7 @@
             </a:endParaRPr>
           </a:p>
           <a:p>
-            <a:pPr marL="432000" indent="-323640">
+            <a:pPr marL="432000" indent="-323280">
               <a:lnSpc>
                 <a:spcPct val="100000"/>
               </a:lnSpc>
@@ -6878,13 +9823,21 @@
             </a:pPr>
             <a:r>
               <a:rPr b="0" lang="de-AT" sz="2400" spc="-1" strike="noStrike">
+                <a:solidFill>
+                  <a:srgbClr val="000000"/>
+                </a:solidFill>
                 <a:latin typeface="Source Sans Pro"/>
+                <a:ea typeface="DejaVu Sans"/>
               </a:rPr>
               <a:t>  </a:t>
             </a:r>
             <a:r>
               <a:rPr b="0" lang="de-AT" sz="2400" spc="-1" strike="noStrike">
+                <a:solidFill>
+                  <a:srgbClr val="000000"/>
+                </a:solidFill>
                 <a:latin typeface="Source Sans Pro"/>
+                <a:ea typeface="DejaVu Sans"/>
               </a:rPr>
               <a:t>TrDMCof = get_traspose(MCof,M→m,M→m);</a:t>
             </a:r>
@@ -6893,7 +9846,7 @@
             </a:endParaRPr>
           </a:p>
           <a:p>
-            <a:pPr marL="432000" indent="-323640">
+            <a:pPr marL="432000" indent="-323280">
               <a:lnSpc>
                 <a:spcPct val="100000"/>
               </a:lnSpc>
@@ -6909,7 +9862,11 @@
             </a:pPr>
             <a:r>
               <a:rPr b="0" lang="de-AT" sz="2400" spc="-1" strike="noStrike">
+                <a:solidFill>
+                  <a:srgbClr val="000000"/>
+                </a:solidFill>
                 <a:latin typeface="Source Sans Pro"/>
+                <a:ea typeface="DejaVu Sans"/>
               </a:rPr>
               <a:t>// . . .</a:t>
             </a:r>
@@ -6918,7 +9875,7 @@
             </a:endParaRPr>
           </a:p>
           <a:p>
-            <a:pPr marL="432000" indent="-323640">
+            <a:pPr marL="432000" indent="-323280">
               <a:lnSpc>
                 <a:spcPct val="100000"/>
               </a:lnSpc>
@@ -6934,7 +9891,11 @@
             </a:pPr>
             <a:r>
               <a:rPr b="0" lang="de-AT" sz="2400" spc="-1" strike="noStrike">
+                <a:solidFill>
+                  <a:srgbClr val="000000"/>
+                </a:solidFill>
                 <a:latin typeface="Source Sans Pro"/>
+                <a:ea typeface="DejaVu Sans"/>
               </a:rPr>
               <a:t>}</a:t>
             </a:r>
@@ -6976,14 +9937,14 @@
       </p:grpSpPr>
       <p:sp>
         <p:nvSpPr>
-          <p:cNvPr id="132" name="CustomShape 1"/>
+          <p:cNvPr id="171" name="CustomShape 1"/>
           <p:cNvSpPr/>
           <p:nvPr/>
         </p:nvSpPr>
         <p:spPr>
           <a:xfrm>
             <a:off x="540000" y="90000"/>
-            <a:ext cx="8999640" cy="989640"/>
+            <a:ext cx="8999280" cy="989280"/>
           </a:xfrm>
           <a:prstGeom prst="rect">
             <a:avLst/>
@@ -7015,6 +9976,7 @@
                   <a:srgbClr val="ffffff"/>
                 </a:solidFill>
                 <a:latin typeface="Source Sans Pro Light"/>
+                <a:ea typeface="DejaVu Sans"/>
               </a:rPr>
               <a:t>3.1.5 Devolución de valores con diferentes tipos de datos</a:t>
             </a:r>
@@ -7024,6 +9986,7 @@
                   <a:srgbClr val="ffffff"/>
                 </a:solidFill>
                 <a:latin typeface="Source Sans Pro Light"/>
+                <a:ea typeface="DejaVu Sans"/>
               </a:rPr>
               <a:t>	</a:t>
             </a:r>
@@ -7035,14 +9998,14 @@
       </p:sp>
       <p:sp>
         <p:nvSpPr>
-          <p:cNvPr id="133" name="CustomShape 2"/>
+          <p:cNvPr id="172" name="CustomShape 2"/>
           <p:cNvSpPr/>
           <p:nvPr/>
         </p:nvSpPr>
         <p:spPr>
           <a:xfrm>
             <a:off x="540000" y="1440000"/>
-            <a:ext cx="8999640" cy="3509640"/>
+            <a:ext cx="8999280" cy="3509280"/>
           </a:xfrm>
           <a:prstGeom prst="rect">
             <a:avLst/>
@@ -7063,7 +10026,7 @@
             <a:normAutofit fontScale="32000"/>
           </a:bodyPr>
           <a:p>
-            <a:pPr marL="432000" indent="-323640">
+            <a:pPr marL="432000" indent="-323280">
               <a:lnSpc>
                 <a:spcPct val="100000"/>
               </a:lnSpc>
@@ -7079,7 +10042,11 @@
             </a:pPr>
             <a:r>
               <a:rPr b="0" lang="de-AT" sz="2400" spc="-1" strike="noStrike">
+                <a:solidFill>
+                  <a:srgbClr val="000000"/>
+                </a:solidFill>
                 <a:latin typeface="Source Sans Pro"/>
+                <a:ea typeface="DejaVu Sans"/>
               </a:rPr>
               <a:t>struct matriz *inv(struct matriz *M){</a:t>
             </a:r>
@@ -7088,7 +10055,7 @@
             </a:endParaRPr>
           </a:p>
           <a:p>
-            <a:pPr marL="432000" indent="-323640">
+            <a:pPr marL="432000" indent="-323280">
               <a:lnSpc>
                 <a:spcPct val="100000"/>
               </a:lnSpc>
@@ -7104,7 +10071,11 @@
             </a:pPr>
             <a:r>
               <a:rPr b="0" lang="de-AT" sz="2400" spc="-1" strike="noStrike">
+                <a:solidFill>
+                  <a:srgbClr val="000000"/>
+                </a:solidFill>
                 <a:latin typeface="Source Sans Pro"/>
+                <a:ea typeface="DejaVu Sans"/>
               </a:rPr>
               <a:t>// . . .</a:t>
             </a:r>
@@ -7113,7 +10084,7 @@
             </a:endParaRPr>
           </a:p>
           <a:p>
-            <a:pPr marL="432000" indent="-323640">
+            <a:pPr marL="432000" indent="-323280">
               <a:lnSpc>
                 <a:spcPct val="100000"/>
               </a:lnSpc>
@@ -7129,13 +10100,21 @@
             </a:pPr>
             <a:r>
               <a:rPr b="0" lang="de-AT" sz="2400" spc="-1" strike="noStrike">
+                <a:solidFill>
+                  <a:srgbClr val="000000"/>
+                </a:solidFill>
                 <a:latin typeface="Source Sans Pro"/>
+                <a:ea typeface="DejaVu Sans"/>
               </a:rPr>
               <a:t> </a:t>
             </a:r>
             <a:r>
               <a:rPr b="0" lang="de-AT" sz="2400" spc="-1" strike="noStrike">
+                <a:solidFill>
+                  <a:srgbClr val="000000"/>
+                </a:solidFill>
                 <a:latin typeface="Source Sans Pro"/>
+                <a:ea typeface="DejaVu Sans"/>
               </a:rPr>
               <a:t>float floatDetDA;   /** determinante de la matriz M */</a:t>
             </a:r>
@@ -7144,7 +10123,7 @@
             </a:endParaRPr>
           </a:p>
           <a:p>
-            <a:pPr marL="432000" indent="-323640">
+            <a:pPr marL="432000" indent="-323280">
               <a:lnSpc>
                 <a:spcPct val="100000"/>
               </a:lnSpc>
@@ -7160,7 +10139,11 @@
             </a:pPr>
             <a:r>
               <a:rPr b="0" lang="de-AT" sz="2400" spc="-1" strike="noStrike">
+                <a:solidFill>
+                  <a:srgbClr val="000000"/>
+                </a:solidFill>
                 <a:latin typeface="Source Sans Pro"/>
+                <a:ea typeface="DejaVu Sans"/>
               </a:rPr>
               <a:t>// . . .</a:t>
             </a:r>
@@ -7169,7 +10152,7 @@
             </a:endParaRPr>
           </a:p>
           <a:p>
-            <a:pPr marL="432000" indent="-323640">
+            <a:pPr marL="432000" indent="-323280">
               <a:lnSpc>
                 <a:spcPct val="100000"/>
               </a:lnSpc>
@@ -7185,13 +10168,21 @@
             </a:pPr>
             <a:r>
               <a:rPr b="0" lang="de-AT" sz="2400" spc="-1" strike="noStrike">
+                <a:solidFill>
+                  <a:srgbClr val="000000"/>
+                </a:solidFill>
                 <a:latin typeface="Source Sans Pro"/>
+                <a:ea typeface="DejaVu Sans"/>
               </a:rPr>
               <a:t> </a:t>
             </a:r>
             <a:r>
               <a:rPr b="0" lang="de-AT" sz="2400" spc="-1" strike="noStrike">
+                <a:solidFill>
+                  <a:srgbClr val="000000"/>
+                </a:solidFill>
                 <a:latin typeface="Source Sans Pro"/>
+                <a:ea typeface="DejaVu Sans"/>
               </a:rPr>
               <a:t>struct matriz *Minv;/** Matriz inversa */</a:t>
             </a:r>
@@ -7200,7 +10191,7 @@
             </a:endParaRPr>
           </a:p>
           <a:p>
-            <a:pPr marL="432000" indent="-323640">
+            <a:pPr marL="432000" indent="-323280">
               <a:lnSpc>
                 <a:spcPct val="100000"/>
               </a:lnSpc>
@@ -7216,7 +10207,11 @@
             </a:pPr>
             <a:r>
               <a:rPr b="0" lang="de-AT" sz="2400" spc="-1" strike="noStrike">
+                <a:solidFill>
+                  <a:srgbClr val="000000"/>
+                </a:solidFill>
                 <a:latin typeface="Source Sans Pro"/>
+                <a:ea typeface="DejaVu Sans"/>
               </a:rPr>
               <a:t>// . . .</a:t>
             </a:r>
@@ -7225,7 +10220,7 @@
             </a:endParaRPr>
           </a:p>
           <a:p>
-            <a:pPr marL="432000" indent="-323640">
+            <a:pPr marL="432000" indent="-323280">
               <a:lnSpc>
                 <a:spcPct val="100000"/>
               </a:lnSpc>
@@ -7241,13 +10236,21 @@
             </a:pPr>
             <a:r>
               <a:rPr b="0" lang="de-AT" sz="2400" spc="-1" strike="noStrike">
+                <a:solidFill>
+                  <a:srgbClr val="000000"/>
+                </a:solidFill>
                 <a:latin typeface="Source Sans Pro"/>
+                <a:ea typeface="DejaVu Sans"/>
               </a:rPr>
               <a:t> </a:t>
             </a:r>
             <a:r>
               <a:rPr b="0" lang="de-AT" sz="2400" spc="-1" strike="noStrike">
+                <a:solidFill>
+                  <a:srgbClr val="000000"/>
+                </a:solidFill>
                 <a:latin typeface="Source Sans Pro"/>
+                <a:ea typeface="DejaVu Sans"/>
               </a:rPr>
               <a:t>floatDetDA = det(M);</a:t>
             </a:r>
@@ -7256,7 +10259,7 @@
             </a:endParaRPr>
           </a:p>
           <a:p>
-            <a:pPr marL="432000" indent="-323640">
+            <a:pPr marL="432000" indent="-323280">
               <a:lnSpc>
                 <a:spcPct val="100000"/>
               </a:lnSpc>
@@ -7272,7 +10275,11 @@
             </a:pPr>
             <a:r>
               <a:rPr b="0" lang="de-AT" sz="2400" spc="-1" strike="noStrike">
+                <a:solidFill>
+                  <a:srgbClr val="000000"/>
+                </a:solidFill>
                 <a:latin typeface="Source Sans Pro"/>
+                <a:ea typeface="DejaVu Sans"/>
               </a:rPr>
               <a:t>// . . .</a:t>
             </a:r>
@@ -7281,7 +10288,7 @@
             </a:endParaRPr>
           </a:p>
           <a:p>
-            <a:pPr marL="432000" indent="-323640">
+            <a:pPr marL="432000" indent="-323280">
               <a:lnSpc>
                 <a:spcPct val="100000"/>
               </a:lnSpc>
@@ -7297,13 +10304,21 @@
             </a:pPr>
             <a:r>
               <a:rPr b="0" lang="de-AT" sz="2400" spc="-1" strike="noStrike">
+                <a:solidFill>
+                  <a:srgbClr val="000000"/>
+                </a:solidFill>
                 <a:latin typeface="Source Sans Pro"/>
+                <a:ea typeface="DejaVu Sans"/>
               </a:rPr>
               <a:t> </a:t>
             </a:r>
             <a:r>
               <a:rPr b="0" lang="de-AT" sz="2400" spc="-1" strike="noStrike">
+                <a:solidFill>
+                  <a:srgbClr val="000000"/>
+                </a:solidFill>
                 <a:latin typeface="Source Sans Pro"/>
+                <a:ea typeface="DejaVu Sans"/>
               </a:rPr>
               <a:t>/** obtener adjunta */</a:t>
             </a:r>
@@ -7312,7 +10327,7 @@
             </a:endParaRPr>
           </a:p>
           <a:p>
-            <a:pPr marL="432000" indent="-323640">
+            <a:pPr marL="432000" indent="-323280">
               <a:lnSpc>
                 <a:spcPct val="100000"/>
               </a:lnSpc>
@@ -7328,13 +10343,21 @@
             </a:pPr>
             <a:r>
               <a:rPr b="0" lang="de-AT" sz="2400" spc="-1" strike="noStrike">
+                <a:solidFill>
+                  <a:srgbClr val="000000"/>
+                </a:solidFill>
                 <a:latin typeface="Source Sans Pro"/>
+                <a:ea typeface="DejaVu Sans"/>
               </a:rPr>
               <a:t> </a:t>
             </a:r>
             <a:r>
               <a:rPr b="0" lang="de-AT" sz="2400" spc="-1" strike="noStrike">
+                <a:solidFill>
+                  <a:srgbClr val="000000"/>
+                </a:solidFill>
                 <a:latin typeface="Source Sans Pro"/>
+                <a:ea typeface="DejaVu Sans"/>
               </a:rPr>
               <a:t>TrDMCof = get_traspose(MCof,M→m,M→m);</a:t>
             </a:r>
@@ -7343,7 +10366,7 @@
             </a:endParaRPr>
           </a:p>
           <a:p>
-            <a:pPr marL="432000" indent="-323640">
+            <a:pPr marL="432000" indent="-323280">
               <a:lnSpc>
                 <a:spcPct val="100000"/>
               </a:lnSpc>
@@ -7359,7 +10382,11 @@
             </a:pPr>
             <a:r>
               <a:rPr b="0" lang="de-AT" sz="2400" spc="-1" strike="noStrike">
+                <a:solidFill>
+                  <a:srgbClr val="000000"/>
+                </a:solidFill>
                 <a:latin typeface="Source Sans Pro"/>
+                <a:ea typeface="DejaVu Sans"/>
               </a:rPr>
               <a:t>// . . .</a:t>
             </a:r>
@@ -7368,7 +10395,7 @@
             </a:endParaRPr>
           </a:p>
           <a:p>
-            <a:pPr marL="432000" indent="-323640">
+            <a:pPr marL="432000" indent="-323280">
               <a:lnSpc>
                 <a:spcPct val="100000"/>
               </a:lnSpc>
@@ -7384,13 +10411,21 @@
             </a:pPr>
             <a:r>
               <a:rPr b="0" lang="de-AT" sz="2400" spc="-1" strike="noStrike">
+                <a:solidFill>
+                  <a:srgbClr val="000000"/>
+                </a:solidFill>
                 <a:latin typeface="Source Sans Pro"/>
+                <a:ea typeface="DejaVu Sans"/>
               </a:rPr>
               <a:t> </a:t>
             </a:r>
             <a:r>
               <a:rPr b="0" lang="de-AT" sz="2400" spc="-1" strike="noStrike">
+                <a:solidFill>
+                  <a:srgbClr val="000000"/>
+                </a:solidFill>
                 <a:latin typeface="Source Sans Pro"/>
+                <a:ea typeface="DejaVu Sans"/>
               </a:rPr>
               <a:t>MultByScalar((1/floatDetDA),TrDMCof,M-&gt;m,M-&gt;m);</a:t>
             </a:r>
@@ -7399,7 +10434,7 @@
             </a:endParaRPr>
           </a:p>
           <a:p>
-            <a:pPr marL="432000" indent="-323640">
+            <a:pPr marL="432000" indent="-323280">
               <a:lnSpc>
                 <a:spcPct val="100000"/>
               </a:lnSpc>
@@ -7415,13 +10450,21 @@
             </a:pPr>
             <a:r>
               <a:rPr b="0" lang="de-AT" sz="2400" spc="-1" strike="noStrike">
+                <a:solidFill>
+                  <a:srgbClr val="000000"/>
+                </a:solidFill>
                 <a:latin typeface="Source Sans Pro"/>
+                <a:ea typeface="DejaVu Sans"/>
               </a:rPr>
               <a:t> </a:t>
             </a:r>
             <a:r>
               <a:rPr b="0" lang="de-AT" sz="2400" spc="-1" strike="noStrike">
+                <a:solidFill>
+                  <a:srgbClr val="000000"/>
+                </a:solidFill>
                 <a:latin typeface="Source Sans Pro"/>
+                <a:ea typeface="DejaVu Sans"/>
               </a:rPr>
               <a:t>Minv-&gt;A = TrDMCof;</a:t>
             </a:r>
@@ -7430,7 +10473,7 @@
             </a:endParaRPr>
           </a:p>
           <a:p>
-            <a:pPr marL="432000" indent="-323640">
+            <a:pPr marL="432000" indent="-323280">
               <a:lnSpc>
                 <a:spcPct val="100000"/>
               </a:lnSpc>
@@ -7446,13 +10489,21 @@
             </a:pPr>
             <a:r>
               <a:rPr b="0" lang="de-AT" sz="2400" spc="-1" strike="noStrike">
+                <a:solidFill>
+                  <a:srgbClr val="000000"/>
+                </a:solidFill>
                 <a:latin typeface="Source Sans Pro"/>
+                <a:ea typeface="DejaVu Sans"/>
               </a:rPr>
               <a:t> </a:t>
             </a:r>
             <a:r>
               <a:rPr b="0" lang="de-AT" sz="2400" spc="-1" strike="noStrike">
+                <a:solidFill>
+                  <a:srgbClr val="000000"/>
+                </a:solidFill>
                 <a:latin typeface="Source Sans Pro"/>
+                <a:ea typeface="DejaVu Sans"/>
               </a:rPr>
               <a:t>return Minv;</a:t>
             </a:r>
@@ -7461,7 +10512,7 @@
             </a:endParaRPr>
           </a:p>
           <a:p>
-            <a:pPr marL="432000" indent="-323640">
+            <a:pPr marL="432000" indent="-323280">
               <a:lnSpc>
                 <a:spcPct val="100000"/>
               </a:lnSpc>
@@ -7477,7 +10528,11 @@
             </a:pPr>
             <a:r>
               <a:rPr b="0" lang="de-AT" sz="2400" spc="-1" strike="noStrike">
+                <a:solidFill>
+                  <a:srgbClr val="000000"/>
+                </a:solidFill>
                 <a:latin typeface="Source Sans Pro"/>
+                <a:ea typeface="DejaVu Sans"/>
               </a:rPr>
               <a:t>}</a:t>
             </a:r>
@@ -7532,14 +10587,14 @@
       </p:grpSpPr>
       <p:sp>
         <p:nvSpPr>
-          <p:cNvPr id="134" name="CustomShape 1"/>
+          <p:cNvPr id="173" name="CustomShape 1"/>
           <p:cNvSpPr/>
           <p:nvPr/>
         </p:nvSpPr>
         <p:spPr>
           <a:xfrm>
             <a:off x="540000" y="90000"/>
-            <a:ext cx="8999640" cy="989640"/>
+            <a:ext cx="8999280" cy="989280"/>
           </a:xfrm>
           <a:prstGeom prst="rect">
             <a:avLst/>
@@ -7571,6 +10626,7 @@
                   <a:srgbClr val="ffffff"/>
                 </a:solidFill>
                 <a:latin typeface="Source Sans Pro Light"/>
+                <a:ea typeface="DejaVu Sans"/>
               </a:rPr>
               <a:t>3.1.6 Creación de archivos con extensión .h</a:t>
             </a:r>
@@ -7582,14 +10638,14 @@
       </p:sp>
       <p:sp>
         <p:nvSpPr>
-          <p:cNvPr id="135" name="CustomShape 2"/>
+          <p:cNvPr id="174" name="CustomShape 2"/>
           <p:cNvSpPr/>
           <p:nvPr/>
         </p:nvSpPr>
         <p:spPr>
           <a:xfrm>
             <a:off x="540000" y="1440000"/>
-            <a:ext cx="8999640" cy="3509640"/>
+            <a:ext cx="8999280" cy="3509280"/>
           </a:xfrm>
           <a:prstGeom prst="rect">
             <a:avLst/>
@@ -7610,7 +10666,7 @@
             <a:normAutofit fontScale="27000"/>
           </a:bodyPr>
           <a:p>
-            <a:pPr marL="432000" indent="-323640">
+            <a:pPr marL="432000" indent="-323280">
               <a:lnSpc>
                 <a:spcPct val="100000"/>
               </a:lnSpc>
@@ -7626,7 +10682,11 @@
             </a:pPr>
             <a:r>
               <a:rPr b="0" lang="de-AT" sz="2400" spc="-1" strike="noStrike">
+                <a:solidFill>
+                  <a:srgbClr val="000000"/>
+                </a:solidFill>
                 <a:latin typeface="Source Sans Pro"/>
+                <a:ea typeface="DejaVu Sans"/>
               </a:rPr>
               <a:t>#ifndef STRUCT_MATRIZ_H_INCLUDED</a:t>
             </a:r>
@@ -7635,7 +10695,7 @@
             </a:endParaRPr>
           </a:p>
           <a:p>
-            <a:pPr marL="432000" indent="-323640">
+            <a:pPr marL="432000" indent="-323280">
               <a:lnSpc>
                 <a:spcPct val="100000"/>
               </a:lnSpc>
@@ -7651,7 +10711,11 @@
             </a:pPr>
             <a:r>
               <a:rPr b="0" lang="de-AT" sz="2400" spc="-1" strike="noStrike">
+                <a:solidFill>
+                  <a:srgbClr val="000000"/>
+                </a:solidFill>
                 <a:latin typeface="Source Sans Pro"/>
+                <a:ea typeface="DejaVu Sans"/>
               </a:rPr>
               <a:t>#define STRUCT_MATRIZ_H_INCLUDED</a:t>
             </a:r>
@@ -7660,7 +10724,7 @@
             </a:endParaRPr>
           </a:p>
           <a:p>
-            <a:pPr marL="432000" indent="-323640">
+            <a:pPr marL="432000" indent="-323280">
               <a:lnSpc>
                 <a:spcPct val="100000"/>
               </a:lnSpc>
@@ -7676,7 +10740,11 @@
             </a:pPr>
             <a:r>
               <a:rPr b="0" lang="de-AT" sz="2400" spc="-1" strike="noStrike">
+                <a:solidFill>
+                  <a:srgbClr val="000000"/>
+                </a:solidFill>
                 <a:latin typeface="Source Sans Pro"/>
+                <a:ea typeface="DejaVu Sans"/>
               </a:rPr>
               <a:t>#include &lt;stdlib.h&gt;</a:t>
             </a:r>
@@ -7698,7 +10766,7 @@
             </a:endParaRPr>
           </a:p>
           <a:p>
-            <a:pPr marL="432000" indent="-323640">
+            <a:pPr marL="432000" indent="-323280">
               <a:lnSpc>
                 <a:spcPct val="100000"/>
               </a:lnSpc>
@@ -7714,7 +10782,11 @@
             </a:pPr>
             <a:r>
               <a:rPr b="0" lang="de-AT" sz="2400" spc="-1" strike="noStrike">
+                <a:solidFill>
+                  <a:srgbClr val="000000"/>
+                </a:solidFill>
                 <a:latin typeface="Source Sans Pro"/>
+                <a:ea typeface="DejaVu Sans"/>
               </a:rPr>
               <a:t>struct matriz {</a:t>
             </a:r>
@@ -7723,7 +10795,7 @@
             </a:endParaRPr>
           </a:p>
           <a:p>
-            <a:pPr marL="432000" indent="-323640">
+            <a:pPr marL="432000" indent="-323280">
               <a:lnSpc>
                 <a:spcPct val="100000"/>
               </a:lnSpc>
@@ -7739,7 +10811,11 @@
             </a:pPr>
             <a:r>
               <a:rPr b="0" lang="de-AT" sz="2400" spc="-1" strike="noStrike">
+                <a:solidFill>
+                  <a:srgbClr val="000000"/>
+                </a:solidFill>
                 <a:latin typeface="Source Sans Pro"/>
+                <a:ea typeface="DejaVu Sans"/>
               </a:rPr>
               <a:t>int m;      /** Num. de filas */</a:t>
             </a:r>
@@ -7748,7 +10824,7 @@
             </a:endParaRPr>
           </a:p>
           <a:p>
-            <a:pPr marL="432000" indent="-323640">
+            <a:pPr marL="432000" indent="-323280">
               <a:lnSpc>
                 <a:spcPct val="100000"/>
               </a:lnSpc>
@@ -7764,7 +10840,11 @@
             </a:pPr>
             <a:r>
               <a:rPr b="0" lang="de-AT" sz="2400" spc="-1" strike="noStrike">
+                <a:solidFill>
+                  <a:srgbClr val="000000"/>
+                </a:solidFill>
                 <a:latin typeface="Source Sans Pro"/>
+                <a:ea typeface="DejaVu Sans"/>
               </a:rPr>
               <a:t>int n;      /** Num. de columnas */</a:t>
             </a:r>
@@ -7773,7 +10853,7 @@
             </a:endParaRPr>
           </a:p>
           <a:p>
-            <a:pPr marL="432000" indent="-323640">
+            <a:pPr marL="432000" indent="-323280">
               <a:lnSpc>
                 <a:spcPct val="100000"/>
               </a:lnSpc>
@@ -7789,7 +10869,11 @@
             </a:pPr>
             <a:r>
               <a:rPr b="0" lang="de-AT" sz="2400" spc="-1" strike="noStrike">
+                <a:solidFill>
+                  <a:srgbClr val="000000"/>
+                </a:solidFill>
                 <a:latin typeface="Source Sans Pro"/>
+                <a:ea typeface="DejaVu Sans"/>
               </a:rPr>
               <a:t>float **A;</a:t>
             </a:r>
@@ -7798,7 +10882,7 @@
             </a:endParaRPr>
           </a:p>
           <a:p>
-            <a:pPr marL="432000" indent="-323640">
+            <a:pPr marL="432000" indent="-323280">
               <a:lnSpc>
                 <a:spcPct val="100000"/>
               </a:lnSpc>
@@ -7814,7 +10898,11 @@
             </a:pPr>
             <a:r>
               <a:rPr b="0" lang="de-AT" sz="2400" spc="-1" strike="noStrike">
+                <a:solidFill>
+                  <a:srgbClr val="000000"/>
+                </a:solidFill>
                 <a:latin typeface="Source Sans Pro"/>
+                <a:ea typeface="DejaVu Sans"/>
               </a:rPr>
               <a:t>};</a:t>
             </a:r>
@@ -7823,7 +10911,7 @@
             </a:endParaRPr>
           </a:p>
           <a:p>
-            <a:pPr marL="432000" indent="-323640">
+            <a:pPr marL="432000" indent="-323280">
               <a:lnSpc>
                 <a:spcPct val="100000"/>
               </a:lnSpc>
@@ -7839,7 +10927,11 @@
             </a:pPr>
             <a:r>
               <a:rPr b="0" lang="de-AT" sz="2400" spc="-1" strike="noStrike">
+                <a:solidFill>
+                  <a:srgbClr val="000000"/>
+                </a:solidFill>
                 <a:latin typeface="Source Sans Pro"/>
+                <a:ea typeface="DejaVu Sans"/>
               </a:rPr>
               <a:t>// . . .</a:t>
             </a:r>
@@ -7848,7 +10940,7 @@
             </a:endParaRPr>
           </a:p>
           <a:p>
-            <a:pPr marL="432000" indent="-323640">
+            <a:pPr marL="432000" indent="-323280">
               <a:lnSpc>
                 <a:spcPct val="100000"/>
               </a:lnSpc>
@@ -7864,7 +10956,11 @@
             </a:pPr>
             <a:r>
               <a:rPr b="0" lang="de-AT" sz="2400" spc="-1" strike="noStrike">
+                <a:solidFill>
+                  <a:srgbClr val="000000"/>
+                </a:solidFill>
                 <a:latin typeface="Source Sans Pro"/>
+                <a:ea typeface="DejaVu Sans"/>
               </a:rPr>
               <a:t>#define set_entries_of_A(M,a,I,J) \</a:t>
             </a:r>
@@ -7873,7 +10969,7 @@
             </a:endParaRPr>
           </a:p>
           <a:p>
-            <a:pPr marL="432000" indent="-323640">
+            <a:pPr marL="432000" indent="-323280">
               <a:lnSpc>
                 <a:spcPct val="100000"/>
               </a:lnSpc>
@@ -7889,7 +10985,11 @@
             </a:pPr>
             <a:r>
               <a:rPr b="0" lang="de-AT" sz="2400" spc="-1" strike="noStrike">
+                <a:solidFill>
+                  <a:srgbClr val="000000"/>
+                </a:solidFill>
                 <a:latin typeface="Source Sans Pro"/>
+                <a:ea typeface="DejaVu Sans"/>
               </a:rPr>
               <a:t>for(I=0;I &lt; (M)-&gt;m;I++){\</a:t>
             </a:r>
@@ -7898,7 +10998,7 @@
             </a:endParaRPr>
           </a:p>
           <a:p>
-            <a:pPr marL="432000" indent="-323640">
+            <a:pPr marL="432000" indent="-323280">
               <a:lnSpc>
                 <a:spcPct val="100000"/>
               </a:lnSpc>
@@ -7914,13 +11014,21 @@
             </a:pPr>
             <a:r>
               <a:rPr b="0" lang="de-AT" sz="2400" spc="-1" strike="noStrike">
+                <a:solidFill>
+                  <a:srgbClr val="000000"/>
+                </a:solidFill>
                 <a:latin typeface="Source Sans Pro"/>
+                <a:ea typeface="DejaVu Sans"/>
               </a:rPr>
               <a:t>  </a:t>
             </a:r>
             <a:r>
               <a:rPr b="0" lang="de-AT" sz="2400" spc="-1" strike="noStrike">
+                <a:solidFill>
+                  <a:srgbClr val="000000"/>
+                </a:solidFill>
                 <a:latin typeface="Source Sans Pro"/>
+                <a:ea typeface="DejaVu Sans"/>
               </a:rPr>
               <a:t>for(J=0;J &lt; (M)-&gt;n;J++){\</a:t>
             </a:r>
@@ -7929,7 +11037,7 @@
             </a:endParaRPr>
           </a:p>
           <a:p>
-            <a:pPr marL="432000" indent="-323640">
+            <a:pPr marL="432000" indent="-323280">
               <a:lnSpc>
                 <a:spcPct val="100000"/>
               </a:lnSpc>
@@ -7945,13 +11053,21 @@
             </a:pPr>
             <a:r>
               <a:rPr b="0" lang="de-AT" sz="2400" spc="-1" strike="noStrike">
+                <a:solidFill>
+                  <a:srgbClr val="000000"/>
+                </a:solidFill>
                 <a:latin typeface="Source Sans Pro"/>
+                <a:ea typeface="DejaVu Sans"/>
               </a:rPr>
               <a:t>    </a:t>
             </a:r>
             <a:r>
               <a:rPr b="0" lang="de-AT" sz="2400" spc="-1" strike="noStrike">
+                <a:solidFill>
+                  <a:srgbClr val="000000"/>
+                </a:solidFill>
                 <a:latin typeface="Source Sans Pro"/>
+                <a:ea typeface="DejaVu Sans"/>
               </a:rPr>
               <a:t>(M)-&gt;A[I][J]=a[I][J];\</a:t>
             </a:r>
@@ -7960,7 +11076,7 @@
             </a:endParaRPr>
           </a:p>
           <a:p>
-            <a:pPr marL="432000" indent="-323640">
+            <a:pPr marL="432000" indent="-323280">
               <a:lnSpc>
                 <a:spcPct val="100000"/>
               </a:lnSpc>
@@ -7976,13 +11092,21 @@
             </a:pPr>
             <a:r>
               <a:rPr b="0" lang="de-AT" sz="2400" spc="-1" strike="noStrike">
+                <a:solidFill>
+                  <a:srgbClr val="000000"/>
+                </a:solidFill>
                 <a:latin typeface="Source Sans Pro"/>
+                <a:ea typeface="DejaVu Sans"/>
               </a:rPr>
               <a:t>  </a:t>
             </a:r>
             <a:r>
               <a:rPr b="0" lang="de-AT" sz="2400" spc="-1" strike="noStrike">
+                <a:solidFill>
+                  <a:srgbClr val="000000"/>
+                </a:solidFill>
                 <a:latin typeface="Source Sans Pro"/>
+                <a:ea typeface="DejaVu Sans"/>
               </a:rPr>
               <a:t>}\</a:t>
             </a:r>
@@ -7991,7 +11115,7 @@
             </a:endParaRPr>
           </a:p>
           <a:p>
-            <a:pPr marL="432000" indent="-323640">
+            <a:pPr marL="432000" indent="-323280">
               <a:lnSpc>
                 <a:spcPct val="100000"/>
               </a:lnSpc>
@@ -8007,7 +11131,11 @@
             </a:pPr>
             <a:r>
               <a:rPr b="0" lang="de-AT" sz="2400" spc="-1" strike="noStrike">
+                <a:solidFill>
+                  <a:srgbClr val="000000"/>
+                </a:solidFill>
                 <a:latin typeface="Source Sans Pro"/>
+                <a:ea typeface="DejaVu Sans"/>
               </a:rPr>
               <a:t>}</a:t>
             </a:r>
@@ -8016,7 +11144,7 @@
             </a:endParaRPr>
           </a:p>
           <a:p>
-            <a:pPr marL="432000" indent="-323640">
+            <a:pPr marL="432000" indent="-323280">
               <a:lnSpc>
                 <a:spcPct val="100000"/>
               </a:lnSpc>
@@ -8032,7 +11160,11 @@
             </a:pPr>
             <a:r>
               <a:rPr b="0" lang="de-AT" sz="2400" spc="-1" strike="noStrike">
+                <a:solidFill>
+                  <a:srgbClr val="000000"/>
+                </a:solidFill>
                 <a:latin typeface="Source Sans Pro"/>
+                <a:ea typeface="DejaVu Sans"/>
               </a:rPr>
               <a:t>#endif // STRUCT_MATRIZ_H_INCLUDED</a:t>
             </a:r>
@@ -8731,4 +11863,230 @@
     </a:fmtScheme>
   </a:themeElements>
 </a:theme>
+</file>
+
+<file path=ppt/theme/theme4.xml><?xml version="1.0" encoding="utf-8"?>
+<a:theme xmlns:a="http://schemas.openxmlformats.org/drawingml/2006/main" name="Office Theme">
+  <a:themeElements>
+    <a:clrScheme name="Office">
+      <a:dk1>
+        <a:sysClr val="windowText" lastClr="000000"/>
+      </a:dk1>
+      <a:lt1>
+        <a:sysClr val="window" lastClr="FFFFFF"/>
+      </a:lt1>
+      <a:dk2>
+        <a:srgbClr val="1f497d"/>
+      </a:dk2>
+      <a:lt2>
+        <a:srgbClr val="eeece1"/>
+      </a:lt2>
+      <a:accent1>
+        <a:srgbClr val="4f81bd"/>
+      </a:accent1>
+      <a:accent2>
+        <a:srgbClr val="c0504d"/>
+      </a:accent2>
+      <a:accent3>
+        <a:srgbClr val="9bbb59"/>
+      </a:accent3>
+      <a:accent4>
+        <a:srgbClr val="8064a2"/>
+      </a:accent4>
+      <a:accent5>
+        <a:srgbClr val="4bacc6"/>
+      </a:accent5>
+      <a:accent6>
+        <a:srgbClr val="f79646"/>
+      </a:accent6>
+      <a:hlink>
+        <a:srgbClr val="0000ff"/>
+      </a:hlink>
+      <a:folHlink>
+        <a:srgbClr val="800080"/>
+      </a:folHlink>
+    </a:clrScheme>
+    <a:fontScheme name="Office">
+      <a:majorFont>
+        <a:latin typeface="Arial"/>
+        <a:ea typeface="DejaVu Sans"/>
+        <a:cs typeface="DejaVu Sans"/>
+      </a:majorFont>
+      <a:minorFont>
+        <a:latin typeface="Arial"/>
+        <a:ea typeface="DejaVu Sans"/>
+        <a:cs typeface="DejaVu Sans"/>
+      </a:minorFont>
+    </a:fontScheme>
+    <a:fmtScheme name="Office">
+      <a:fillStyleLst>
+        <a:solidFill>
+          <a:schemeClr val="phClr"/>
+        </a:solidFill>
+        <a:gradFill rotWithShape="1">
+          <a:gsLst>
+            <a:gs pos="0">
+              <a:schemeClr val="phClr">
+                <a:tint val="50000"/>
+                <a:satMod val="300000"/>
+              </a:schemeClr>
+            </a:gs>
+            <a:gs pos="35000">
+              <a:schemeClr val="phClr">
+                <a:tint val="37000"/>
+                <a:satMod val="300000"/>
+              </a:schemeClr>
+            </a:gs>
+            <a:gs pos="100000">
+              <a:schemeClr val="phClr">
+                <a:tint val="15000"/>
+                <a:satMod val="350000"/>
+              </a:schemeClr>
+            </a:gs>
+          </a:gsLst>
+          <a:lin ang="16200000" scaled="1"/>
+        </a:gradFill>
+        <a:gradFill rotWithShape="1">
+          <a:gsLst>
+            <a:gs pos="0">
+              <a:schemeClr val="phClr">
+                <a:shade val="51000"/>
+                <a:satMod val="130000"/>
+              </a:schemeClr>
+            </a:gs>
+            <a:gs pos="80000">
+              <a:schemeClr val="phClr">
+                <a:shade val="93000"/>
+                <a:satMod val="130000"/>
+              </a:schemeClr>
+            </a:gs>
+            <a:gs pos="100000">
+              <a:schemeClr val="phClr">
+                <a:shade val="94000"/>
+                <a:satMod val="135000"/>
+              </a:schemeClr>
+            </a:gs>
+          </a:gsLst>
+          <a:lin ang="16200000" scaled="0"/>
+        </a:gradFill>
+      </a:fillStyleLst>
+      <a:lnStyleLst>
+        <a:ln w="9525" cap="flat" cmpd="sng" algn="ctr">
+          <a:solidFill>
+            <a:schemeClr val="phClr">
+              <a:shade val="95000"/>
+              <a:satMod val="105000"/>
+            </a:schemeClr>
+          </a:solidFill>
+          <a:prstDash val="solid"/>
+          <a:miter/>
+        </a:ln>
+        <a:ln w="25400" cap="flat" cmpd="sng" algn="ctr">
+          <a:solidFill>
+            <a:schemeClr val="phClr"/>
+          </a:solidFill>
+          <a:prstDash val="solid"/>
+          <a:miter/>
+        </a:ln>
+        <a:ln w="38100" cap="flat" cmpd="sng" algn="ctr">
+          <a:solidFill>
+            <a:schemeClr val="phClr"/>
+          </a:solidFill>
+          <a:prstDash val="solid"/>
+          <a:miter/>
+        </a:ln>
+      </a:lnStyleLst>
+      <a:effectStyleLst>
+        <a:effectStyle>
+          <a:effectLst>
+            <a:outerShdw blurRad="40000" dist="20000" dir="5400000" rotWithShape="0">
+              <a:srgbClr val="000000">
+                <a:alpha val="38000"/>
+              </a:srgbClr>
+            </a:outerShdw>
+          </a:effectLst>
+        </a:effectStyle>
+        <a:effectStyle>
+          <a:effectLst>
+            <a:outerShdw blurRad="40000" dist="23000" dir="5400000" rotWithShape="0">
+              <a:srgbClr val="000000">
+                <a:alpha val="35000"/>
+              </a:srgbClr>
+            </a:outerShdw>
+          </a:effectLst>
+        </a:effectStyle>
+        <a:effectStyle>
+          <a:effectLst>
+            <a:outerShdw blurRad="40000" dist="23000" dir="5400000" rotWithShape="0">
+              <a:srgbClr val="000000">
+                <a:alpha val="35000"/>
+              </a:srgbClr>
+            </a:outerShdw>
+          </a:effectLst>
+          <a:scene3d>
+            <a:camera prst="orthographicFront">
+              <a:rot lat="0" lon="0" rev="0"/>
+            </a:camera>
+            <a:lightRig rig="threePt" dir="t">
+              <a:rot lat="0" lon="0" rev="1200000"/>
+            </a:lightRig>
+          </a:scene3d>
+          <a:sp3d>
+            <a:bevelT w="63500" h="25400"/>
+          </a:sp3d>
+        </a:effectStyle>
+      </a:effectStyleLst>
+      <a:bgFillStyleLst>
+        <a:solidFill>
+          <a:schemeClr val="phClr"/>
+        </a:solidFill>
+        <a:gradFill rotWithShape="1">
+          <a:gsLst>
+            <a:gs pos="0">
+              <a:schemeClr val="phClr">
+                <a:tint val="40000"/>
+                <a:satMod val="350000"/>
+              </a:schemeClr>
+            </a:gs>
+            <a:gs pos="40000">
+              <a:schemeClr val="phClr">
+                <a:tint val="45000"/>
+                <a:shade val="99000"/>
+                <a:satMod val="350000"/>
+              </a:schemeClr>
+            </a:gs>
+            <a:gs pos="100000">
+              <a:schemeClr val="phClr">
+                <a:shade val="20000"/>
+                <a:satMod val="255000"/>
+              </a:schemeClr>
+            </a:gs>
+          </a:gsLst>
+          <a:path path="circle">
+            <a:fillToRect l="50000" t="-80000" r="50000" b="180000"/>
+          </a:path>
+        </a:gradFill>
+        <a:gradFill rotWithShape="1">
+          <a:gsLst>
+            <a:gs pos="0">
+              <a:schemeClr val="phClr">
+                <a:tint val="80000"/>
+                <a:satMod val="300000"/>
+              </a:schemeClr>
+            </a:gs>
+            <a:gs pos="100000">
+              <a:schemeClr val="phClr">
+                <a:shade val="30000"/>
+                <a:satMod val="200000"/>
+              </a:schemeClr>
+            </a:gs>
+          </a:gsLst>
+          <a:path path="circle">
+            <a:fillToRect l="50000" t="50000" r="50000" b="50000"/>
+          </a:path>
+        </a:gradFill>
+      </a:bgFillStyleLst>
+    </a:fmtScheme>
+  </a:themeElements>
+</a:theme>
 </file>